--- a/Unterlagen/Masterseminar.pptx
+++ b/Unterlagen/Masterseminar.pptx
@@ -127,6 +127,11 @@
       </a:defRPr>
     </a:lvl9pPr>
   </p:defaultTextStyle>
+  <p:extLst>
+    <p:ext uri="{EFAFB233-063F-42B5-8137-9DF3F51BA10A}">
+      <p15:sldGuideLst xmlns:p15="http://schemas.microsoft.com/office/powerpoint/2012/main"/>
+    </p:ext>
+  </p:extLst>
 </p:presentation>
 </file>
 
@@ -8950,8 +8955,13 @@
           <a:p>
             <a:r>
               <a:rPr lang="de-DE" dirty="0"/>
-              <a:t>CNN mit Spektrum</a:t>
-            </a:r>
+              <a:t>CNN </a:t>
+            </a:r>
+            <a:r>
+              <a:rPr lang="de-DE"/>
+              <a:t>mit SIA</a:t>
+            </a:r>
+            <a:endParaRPr lang="de-DE" dirty="0"/>
           </a:p>
           <a:p>
             <a:pPr lvl="1"/>
@@ -9362,7 +9372,7 @@
             </a:r>
             <a:r>
               <a:rPr lang="de-DE" dirty="0"/>
-              <a:t> kann nur mit viel aufwand verbessert werden</a:t>
+              <a:t> kann nur mit viel Aufwand verbessert werden</a:t>
             </a:r>
           </a:p>
           <a:p>

--- a/Unterlagen/Masterseminar.pptx
+++ b/Unterlagen/Masterseminar.pptx
@@ -5,7 +5,7 @@
     <p:sldMasterId id="2147483678" r:id="rId1"/>
   </p:sldMasterIdLst>
   <p:notesMasterIdLst>
-    <p:notesMasterId r:id="rId23"/>
+    <p:notesMasterId r:id="rId22"/>
   </p:notesMasterIdLst>
   <p:sldIdLst>
     <p:sldId id="256" r:id="rId2"/>
@@ -25,10 +25,9 @@
     <p:sldId id="270" r:id="rId16"/>
     <p:sldId id="271" r:id="rId17"/>
     <p:sldId id="272" r:id="rId18"/>
-    <p:sldId id="273" r:id="rId19"/>
-    <p:sldId id="274" r:id="rId20"/>
-    <p:sldId id="275" r:id="rId21"/>
-    <p:sldId id="276" r:id="rId22"/>
+    <p:sldId id="274" r:id="rId19"/>
+    <p:sldId id="275" r:id="rId20"/>
+    <p:sldId id="276" r:id="rId21"/>
   </p:sldIdLst>
   <p:sldSz cx="12192000" cy="6858000"/>
   <p:notesSz cx="6858000" cy="9144000"/>
@@ -135,6 +134,18 @@
 </p:presentation>
 </file>
 
+<file path=ppt/commentAuthors.xml><?xml version="1.0" encoding="utf-8"?>
+<p:cmAuthorLst xmlns:a="http://schemas.openxmlformats.org/drawingml/2006/main" xmlns:r="http://schemas.openxmlformats.org/officeDocument/2006/relationships" xmlns:p="http://schemas.openxmlformats.org/presentationml/2006/main">
+  <p:cmAuthor id="1" name="Hoze" initials="H" lastIdx="2" clrIdx="0">
+    <p:extLst>
+      <p:ext uri="{19B8F6BF-5375-455C-9EA6-DF929625EA0E}">
+        <p15:presenceInfo xmlns:p15="http://schemas.microsoft.com/office/powerpoint/2012/main" userId="Hoze" providerId="None"/>
+      </p:ext>
+    </p:extLst>
+  </p:cmAuthor>
+</p:cmAuthorLst>
+</file>
+
 <file path=ppt/notesMasters/notesMaster1.xml><?xml version="1.0" encoding="utf-8"?>
 <p:notesMaster xmlns:a="http://schemas.openxmlformats.org/drawingml/2006/main" xmlns:r="http://schemas.openxmlformats.org/officeDocument/2006/relationships" xmlns:p="http://schemas.openxmlformats.org/presentationml/2006/main">
   <p:cSld>
@@ -217,7 +228,7 @@
           <a:p>
             <a:fld id="{9A84ADE9-DB28-4A0A-A172-41AA3661AA03}" type="datetimeFigureOut">
               <a:rPr lang="de-DE" smtClean="0"/>
-              <a:t>18.05.2020</a:t>
+              <a:t>19.05.2020</a:t>
             </a:fld>
             <a:endParaRPr lang="de-DE"/>
           </a:p>
@@ -484,6 +495,1049 @@
 </p:notesMaster>
 </file>
 
+<file path=ppt/notesSlides/notesSlide1.xml><?xml version="1.0" encoding="utf-8"?>
+<p:notes xmlns:a="http://schemas.openxmlformats.org/drawingml/2006/main" xmlns:r="http://schemas.openxmlformats.org/officeDocument/2006/relationships" xmlns:p="http://schemas.openxmlformats.org/presentationml/2006/main">
+  <p:cSld>
+    <p:spTree>
+      <p:nvGrpSpPr>
+        <p:cNvPr id="1" name=""/>
+        <p:cNvGrpSpPr/>
+        <p:nvPr/>
+      </p:nvGrpSpPr>
+      <p:grpSpPr>
+        <a:xfrm>
+          <a:off x="0" y="0"/>
+          <a:ext cx="0" cy="0"/>
+          <a:chOff x="0" y="0"/>
+          <a:chExt cx="0" cy="0"/>
+        </a:xfrm>
+      </p:grpSpPr>
+      <p:sp>
+        <p:nvSpPr>
+          <p:cNvPr id="2" name="Folienbildplatzhalter 1"/>
+          <p:cNvSpPr>
+            <a:spLocks noGrp="1" noRot="1" noChangeAspect="1"/>
+          </p:cNvSpPr>
+          <p:nvPr>
+            <p:ph type="sldImg"/>
+          </p:nvPr>
+        </p:nvSpPr>
+        <p:spPr/>
+      </p:sp>
+      <p:sp>
+        <p:nvSpPr>
+          <p:cNvPr id="3" name="Notizenplatzhalter 2"/>
+          <p:cNvSpPr>
+            <a:spLocks noGrp="1"/>
+          </p:cNvSpPr>
+          <p:nvPr>
+            <p:ph type="body" idx="1"/>
+          </p:nvPr>
+        </p:nvSpPr>
+        <p:spPr/>
+        <p:txBody>
+          <a:bodyPr/>
+          <a:lstStyle/>
+          <a:p>
+            <a:pPr marL="457200" marR="0" lvl="1" indent="0" algn="l" defTabSz="914400" rtl="0" eaLnBrk="1" fontAlgn="auto" latinLnBrk="0" hangingPunct="1">
+              <a:lnSpc>
+                <a:spcPct val="100000"/>
+              </a:lnSpc>
+              <a:spcBef>
+                <a:spcPts val="0"/>
+              </a:spcBef>
+              <a:spcAft>
+                <a:spcPts val="0"/>
+              </a:spcAft>
+              <a:buClrTx/>
+              <a:buSzTx/>
+              <a:buFontTx/>
+              <a:buNone/>
+              <a:tabLst/>
+              <a:defRPr/>
+            </a:pPr>
+            <a:r>
+              <a:rPr lang="de-DE" dirty="0"/>
+              <a:t>Punkt 1</a:t>
+            </a:r>
+          </a:p>
+          <a:p>
+            <a:pPr marL="457200" marR="0" lvl="1" indent="0" algn="l" defTabSz="914400" rtl="0" eaLnBrk="1" fontAlgn="auto" latinLnBrk="0" hangingPunct="1">
+              <a:lnSpc>
+                <a:spcPct val="100000"/>
+              </a:lnSpc>
+              <a:spcBef>
+                <a:spcPts val="0"/>
+              </a:spcBef>
+              <a:spcAft>
+                <a:spcPts val="0"/>
+              </a:spcAft>
+              <a:buClrTx/>
+              <a:buSzTx/>
+              <a:buFontTx/>
+              <a:buNone/>
+              <a:tabLst/>
+              <a:defRPr/>
+            </a:pPr>
+            <a:r>
+              <a:rPr lang="de-DE" dirty="0"/>
+              <a:t>Breites Spektrum an Verfahren abdecken</a:t>
+            </a:r>
+          </a:p>
+          <a:p>
+            <a:pPr marL="457200" marR="0" lvl="1" indent="0" algn="l" defTabSz="914400" rtl="0" eaLnBrk="1" fontAlgn="auto" latinLnBrk="0" hangingPunct="1">
+              <a:lnSpc>
+                <a:spcPct val="100000"/>
+              </a:lnSpc>
+              <a:spcBef>
+                <a:spcPts val="0"/>
+              </a:spcBef>
+              <a:spcAft>
+                <a:spcPts val="0"/>
+              </a:spcAft>
+              <a:buClrTx/>
+              <a:buSzTx/>
+              <a:buFontTx/>
+              <a:buNone/>
+              <a:tabLst/>
+              <a:defRPr/>
+            </a:pPr>
+            <a:r>
+              <a:rPr lang="de-DE" dirty="0"/>
+              <a:t>Unterschiedliche Komplexitäten</a:t>
+            </a:r>
+          </a:p>
+          <a:p>
+            <a:pPr marL="457200" marR="0" lvl="1" indent="0" algn="l" defTabSz="914400" rtl="0" eaLnBrk="1" fontAlgn="auto" latinLnBrk="0" hangingPunct="1">
+              <a:lnSpc>
+                <a:spcPct val="100000"/>
+              </a:lnSpc>
+              <a:spcBef>
+                <a:spcPts val="0"/>
+              </a:spcBef>
+              <a:spcAft>
+                <a:spcPts val="0"/>
+              </a:spcAft>
+              <a:buClrTx/>
+              <a:buSzTx/>
+              <a:buFontTx/>
+              <a:buNone/>
+              <a:tabLst/>
+              <a:defRPr/>
+            </a:pPr>
+            <a:r>
+              <a:rPr lang="de-DE" dirty="0"/>
+              <a:t>Wie gut Dokumentiert</a:t>
+            </a:r>
+          </a:p>
+          <a:p>
+            <a:pPr marL="457200" marR="0" lvl="1" indent="0" algn="l" defTabSz="914400" rtl="0" eaLnBrk="1" fontAlgn="auto" latinLnBrk="0" hangingPunct="1">
+              <a:lnSpc>
+                <a:spcPct val="100000"/>
+              </a:lnSpc>
+              <a:spcBef>
+                <a:spcPts val="0"/>
+              </a:spcBef>
+              <a:spcAft>
+                <a:spcPts val="0"/>
+              </a:spcAft>
+              <a:buClrTx/>
+              <a:buSzTx/>
+              <a:buFontTx/>
+              <a:buNone/>
+              <a:tabLst/>
+              <a:defRPr/>
+            </a:pPr>
+            <a:r>
+              <a:rPr lang="de-DE" dirty="0"/>
+              <a:t>Punkt 2</a:t>
+            </a:r>
+          </a:p>
+          <a:p>
+            <a:pPr lvl="1"/>
+            <a:r>
+              <a:rPr lang="de-DE" dirty="0"/>
+              <a:t>Welche Pattern sollen erkannt werden?</a:t>
+            </a:r>
+          </a:p>
+          <a:p>
+            <a:pPr lvl="1"/>
+            <a:r>
+              <a:rPr lang="de-DE" dirty="0"/>
+              <a:t>Verschiedene Speicherstrukturen</a:t>
+            </a:r>
+          </a:p>
+          <a:p>
+            <a:pPr lvl="1"/>
+            <a:r>
+              <a:rPr lang="de-DE" dirty="0"/>
+              <a:t>Wie können diese sinnvoll Umgesetzt werden</a:t>
+            </a:r>
+          </a:p>
+          <a:p>
+            <a:pPr lvl="1"/>
+            <a:endParaRPr lang="de-DE" dirty="0"/>
+          </a:p>
+          <a:p>
+            <a:pPr lvl="1"/>
+            <a:r>
+              <a:rPr lang="de-DE" dirty="0"/>
+              <a:t>Punkt 4</a:t>
+            </a:r>
+          </a:p>
+          <a:p>
+            <a:pPr lvl="1"/>
+            <a:r>
+              <a:rPr lang="de-DE" dirty="0"/>
+              <a:t>keine graphische Oberfläche da es nicht Ziel war diese in schöner GUI darzustellen</a:t>
+            </a:r>
+          </a:p>
+          <a:p>
+            <a:endParaRPr lang="de-DE" dirty="0"/>
+          </a:p>
+        </p:txBody>
+      </p:sp>
+      <p:sp>
+        <p:nvSpPr>
+          <p:cNvPr id="4" name="Foliennummernplatzhalter 3"/>
+          <p:cNvSpPr>
+            <a:spLocks noGrp="1"/>
+          </p:cNvSpPr>
+          <p:nvPr>
+            <p:ph type="sldNum" sz="quarter" idx="5"/>
+          </p:nvPr>
+        </p:nvSpPr>
+        <p:spPr/>
+        <p:txBody>
+          <a:bodyPr/>
+          <a:lstStyle/>
+          <a:p>
+            <a:fld id="{99A5A5CC-6DB7-4048-A500-D10DCB643E46}" type="slidenum">
+              <a:rPr lang="de-DE" smtClean="0"/>
+              <a:t>2</a:t>
+            </a:fld>
+            <a:endParaRPr lang="de-DE"/>
+          </a:p>
+        </p:txBody>
+      </p:sp>
+    </p:spTree>
+    <p:extLst>
+      <p:ext uri="{BB962C8B-B14F-4D97-AF65-F5344CB8AC3E}">
+        <p14:creationId xmlns:p14="http://schemas.microsoft.com/office/powerpoint/2010/main" val="4046189352"/>
+      </p:ext>
+    </p:extLst>
+  </p:cSld>
+  <p:clrMapOvr>
+    <a:masterClrMapping/>
+  </p:clrMapOvr>
+</p:notes>
+</file>
+
+<file path=ppt/notesSlides/notesSlide2.xml><?xml version="1.0" encoding="utf-8"?>
+<p:notes xmlns:a="http://schemas.openxmlformats.org/drawingml/2006/main" xmlns:r="http://schemas.openxmlformats.org/officeDocument/2006/relationships" xmlns:p="http://schemas.openxmlformats.org/presentationml/2006/main">
+  <p:cSld>
+    <p:spTree>
+      <p:nvGrpSpPr>
+        <p:cNvPr id="1" name=""/>
+        <p:cNvGrpSpPr/>
+        <p:nvPr/>
+      </p:nvGrpSpPr>
+      <p:grpSpPr>
+        <a:xfrm>
+          <a:off x="0" y="0"/>
+          <a:ext cx="0" cy="0"/>
+          <a:chOff x="0" y="0"/>
+          <a:chExt cx="0" cy="0"/>
+        </a:xfrm>
+      </p:grpSpPr>
+      <p:sp>
+        <p:nvSpPr>
+          <p:cNvPr id="2" name="Folienbildplatzhalter 1"/>
+          <p:cNvSpPr>
+            <a:spLocks noGrp="1" noRot="1" noChangeAspect="1"/>
+          </p:cNvSpPr>
+          <p:nvPr>
+            <p:ph type="sldImg"/>
+          </p:nvPr>
+        </p:nvSpPr>
+        <p:spPr/>
+      </p:sp>
+      <p:sp>
+        <p:nvSpPr>
+          <p:cNvPr id="3" name="Notizenplatzhalter 2"/>
+          <p:cNvSpPr>
+            <a:spLocks noGrp="1"/>
+          </p:cNvSpPr>
+          <p:nvPr>
+            <p:ph type="body" idx="1"/>
+          </p:nvPr>
+        </p:nvSpPr>
+        <p:spPr/>
+        <p:txBody>
+          <a:bodyPr/>
+          <a:lstStyle/>
+          <a:p>
+            <a:r>
+              <a:rPr lang="de-DE" dirty="0"/>
+              <a:t>Wiederholung und Keychange sind Grundpattern welches in jedem Lied vorhanden ist</a:t>
+            </a:r>
+          </a:p>
+          <a:p>
+            <a:r>
+              <a:rPr lang="de-DE" dirty="0"/>
+              <a:t>Abwägung zwischen horizontaler und vertikaler Spiegelung zugunsten der horizontalen Spiegelung -&gt; ist gebräuchlicher</a:t>
+            </a:r>
+          </a:p>
+          <a:p>
+            <a:endParaRPr lang="de-DE" dirty="0"/>
+          </a:p>
+        </p:txBody>
+      </p:sp>
+      <p:sp>
+        <p:nvSpPr>
+          <p:cNvPr id="4" name="Foliennummernplatzhalter 3"/>
+          <p:cNvSpPr>
+            <a:spLocks noGrp="1"/>
+          </p:cNvSpPr>
+          <p:nvPr>
+            <p:ph type="sldNum" sz="quarter" idx="5"/>
+          </p:nvPr>
+        </p:nvSpPr>
+        <p:spPr/>
+        <p:txBody>
+          <a:bodyPr/>
+          <a:lstStyle/>
+          <a:p>
+            <a:fld id="{99A5A5CC-6DB7-4048-A500-D10DCB643E46}" type="slidenum">
+              <a:rPr lang="de-DE" smtClean="0"/>
+              <a:t>4</a:t>
+            </a:fld>
+            <a:endParaRPr lang="de-DE"/>
+          </a:p>
+        </p:txBody>
+      </p:sp>
+    </p:spTree>
+    <p:extLst>
+      <p:ext uri="{BB962C8B-B14F-4D97-AF65-F5344CB8AC3E}">
+        <p14:creationId xmlns:p14="http://schemas.microsoft.com/office/powerpoint/2010/main" val="2282338730"/>
+      </p:ext>
+    </p:extLst>
+  </p:cSld>
+  <p:clrMapOvr>
+    <a:masterClrMapping/>
+  </p:clrMapOvr>
+</p:notes>
+</file>
+
+<file path=ppt/notesSlides/notesSlide3.xml><?xml version="1.0" encoding="utf-8"?>
+<p:notes xmlns:a="http://schemas.openxmlformats.org/drawingml/2006/main" xmlns:r="http://schemas.openxmlformats.org/officeDocument/2006/relationships" xmlns:p="http://schemas.openxmlformats.org/presentationml/2006/main">
+  <p:cSld>
+    <p:spTree>
+      <p:nvGrpSpPr>
+        <p:cNvPr id="1" name=""/>
+        <p:cNvGrpSpPr/>
+        <p:nvPr/>
+      </p:nvGrpSpPr>
+      <p:grpSpPr>
+        <a:xfrm>
+          <a:off x="0" y="0"/>
+          <a:ext cx="0" cy="0"/>
+          <a:chOff x="0" y="0"/>
+          <a:chExt cx="0" cy="0"/>
+        </a:xfrm>
+      </p:grpSpPr>
+      <p:sp>
+        <p:nvSpPr>
+          <p:cNvPr id="2" name="Folienbildplatzhalter 1"/>
+          <p:cNvSpPr>
+            <a:spLocks noGrp="1" noRot="1" noChangeAspect="1"/>
+          </p:cNvSpPr>
+          <p:nvPr>
+            <p:ph type="sldImg"/>
+          </p:nvPr>
+        </p:nvSpPr>
+        <p:spPr/>
+      </p:sp>
+      <p:sp>
+        <p:nvSpPr>
+          <p:cNvPr id="3" name="Notizenplatzhalter 2"/>
+          <p:cNvSpPr>
+            <a:spLocks noGrp="1"/>
+          </p:cNvSpPr>
+          <p:nvPr>
+            <p:ph type="body" idx="1"/>
+          </p:nvPr>
+        </p:nvSpPr>
+        <p:spPr/>
+        <p:txBody>
+          <a:bodyPr/>
+          <a:lstStyle/>
+          <a:p>
+            <a:pPr marL="0" marR="0" lvl="0" indent="0" algn="l" defTabSz="914400" rtl="0" eaLnBrk="1" fontAlgn="auto" latinLnBrk="0" hangingPunct="1">
+              <a:lnSpc>
+                <a:spcPct val="100000"/>
+              </a:lnSpc>
+              <a:spcBef>
+                <a:spcPts val="0"/>
+              </a:spcBef>
+              <a:spcAft>
+                <a:spcPts val="0"/>
+              </a:spcAft>
+              <a:buClrTx/>
+              <a:buSzTx/>
+              <a:buFontTx/>
+              <a:buNone/>
+              <a:tabLst/>
+              <a:defRPr/>
+            </a:pPr>
+            <a:r>
+              <a:rPr lang="de-DE" dirty="0"/>
+              <a:t>Punkt 2</a:t>
+            </a:r>
+          </a:p>
+          <a:p>
+            <a:pPr marL="0" marR="0" lvl="0" indent="0" algn="l" defTabSz="914400" rtl="0" eaLnBrk="1" fontAlgn="auto" latinLnBrk="0" hangingPunct="1">
+              <a:lnSpc>
+                <a:spcPct val="100000"/>
+              </a:lnSpc>
+              <a:spcBef>
+                <a:spcPts val="0"/>
+              </a:spcBef>
+              <a:spcAft>
+                <a:spcPts val="0"/>
+              </a:spcAft>
+              <a:buClrTx/>
+              <a:buSzTx/>
+              <a:buFontTx/>
+              <a:buNone/>
+              <a:tabLst/>
+              <a:defRPr/>
+            </a:pPr>
+            <a:r>
+              <a:rPr lang="de-DE" dirty="0"/>
+              <a:t>lange Pattern mehr Bedeutung</a:t>
+            </a:r>
+          </a:p>
+          <a:p>
+            <a:pPr marL="0" marR="0" lvl="0" indent="0" algn="l" defTabSz="914400" rtl="0" eaLnBrk="1" fontAlgn="auto" latinLnBrk="0" hangingPunct="1">
+              <a:lnSpc>
+                <a:spcPct val="100000"/>
+              </a:lnSpc>
+              <a:spcBef>
+                <a:spcPts val="0"/>
+              </a:spcBef>
+              <a:spcAft>
+                <a:spcPts val="0"/>
+              </a:spcAft>
+              <a:buClrTx/>
+              <a:buSzTx/>
+              <a:buFontTx/>
+              <a:buNone/>
+              <a:tabLst/>
+              <a:defRPr/>
+            </a:pPr>
+            <a:r>
+              <a:rPr lang="de-DE" dirty="0"/>
+              <a:t>Erklären wie </a:t>
+            </a:r>
+            <a:r>
+              <a:rPr lang="de-DE" dirty="0" err="1"/>
+              <a:t>max</a:t>
+            </a:r>
+            <a:r>
+              <a:rPr lang="de-DE" dirty="0"/>
+              <a:t> Patternlänge berechnet wird</a:t>
+            </a:r>
+          </a:p>
+          <a:p>
+            <a:pPr marL="0" marR="0" lvl="0" indent="0" algn="l" defTabSz="914400" rtl="0" eaLnBrk="1" fontAlgn="auto" latinLnBrk="0" hangingPunct="1">
+              <a:lnSpc>
+                <a:spcPct val="100000"/>
+              </a:lnSpc>
+              <a:spcBef>
+                <a:spcPts val="0"/>
+              </a:spcBef>
+              <a:spcAft>
+                <a:spcPts val="0"/>
+              </a:spcAft>
+              <a:buClrTx/>
+              <a:buSzTx/>
+              <a:buFontTx/>
+              <a:buNone/>
+              <a:tabLst/>
+              <a:defRPr/>
+            </a:pPr>
+            <a:r>
+              <a:rPr lang="de-DE" dirty="0"/>
+              <a:t>Pattern Art kann sich innerhalb des Pattern ändern</a:t>
+            </a:r>
+          </a:p>
+          <a:p>
+            <a:endParaRPr lang="de-DE" dirty="0"/>
+          </a:p>
+        </p:txBody>
+      </p:sp>
+      <p:sp>
+        <p:nvSpPr>
+          <p:cNvPr id="4" name="Foliennummernplatzhalter 3"/>
+          <p:cNvSpPr>
+            <a:spLocks noGrp="1"/>
+          </p:cNvSpPr>
+          <p:nvPr>
+            <p:ph type="sldNum" sz="quarter" idx="5"/>
+          </p:nvPr>
+        </p:nvSpPr>
+        <p:spPr/>
+        <p:txBody>
+          <a:bodyPr/>
+          <a:lstStyle/>
+          <a:p>
+            <a:fld id="{99A5A5CC-6DB7-4048-A500-D10DCB643E46}" type="slidenum">
+              <a:rPr lang="de-DE" smtClean="0"/>
+              <a:t>5</a:t>
+            </a:fld>
+            <a:endParaRPr lang="de-DE"/>
+          </a:p>
+        </p:txBody>
+      </p:sp>
+    </p:spTree>
+    <p:extLst>
+      <p:ext uri="{BB962C8B-B14F-4D97-AF65-F5344CB8AC3E}">
+        <p14:creationId xmlns:p14="http://schemas.microsoft.com/office/powerpoint/2010/main" val="1551845200"/>
+      </p:ext>
+    </p:extLst>
+  </p:cSld>
+  <p:clrMapOvr>
+    <a:masterClrMapping/>
+  </p:clrMapOvr>
+</p:notes>
+</file>
+
+<file path=ppt/notesSlides/notesSlide4.xml><?xml version="1.0" encoding="utf-8"?>
+<p:notes xmlns:a="http://schemas.openxmlformats.org/drawingml/2006/main" xmlns:r="http://schemas.openxmlformats.org/officeDocument/2006/relationships" xmlns:p="http://schemas.openxmlformats.org/presentationml/2006/main">
+  <p:cSld>
+    <p:spTree>
+      <p:nvGrpSpPr>
+        <p:cNvPr id="1" name=""/>
+        <p:cNvGrpSpPr/>
+        <p:nvPr/>
+      </p:nvGrpSpPr>
+      <p:grpSpPr>
+        <a:xfrm>
+          <a:off x="0" y="0"/>
+          <a:ext cx="0" cy="0"/>
+          <a:chOff x="0" y="0"/>
+          <a:chExt cx="0" cy="0"/>
+        </a:xfrm>
+      </p:grpSpPr>
+      <p:sp>
+        <p:nvSpPr>
+          <p:cNvPr id="2" name="Folienbildplatzhalter 1"/>
+          <p:cNvSpPr>
+            <a:spLocks noGrp="1" noRot="1" noChangeAspect="1"/>
+          </p:cNvSpPr>
+          <p:nvPr>
+            <p:ph type="sldImg"/>
+          </p:nvPr>
+        </p:nvSpPr>
+        <p:spPr/>
+      </p:sp>
+      <p:sp>
+        <p:nvSpPr>
+          <p:cNvPr id="3" name="Notizenplatzhalter 2"/>
+          <p:cNvSpPr>
+            <a:spLocks noGrp="1"/>
+          </p:cNvSpPr>
+          <p:nvPr>
+            <p:ph type="body" idx="1"/>
+          </p:nvPr>
+        </p:nvSpPr>
+        <p:spPr/>
+        <p:txBody>
+          <a:bodyPr/>
+          <a:lstStyle/>
+          <a:p>
+            <a:r>
+              <a:rPr lang="de-DE" dirty="0"/>
+              <a:t>Beethoven Ode an die Freude</a:t>
+            </a:r>
+          </a:p>
+        </p:txBody>
+      </p:sp>
+      <p:sp>
+        <p:nvSpPr>
+          <p:cNvPr id="4" name="Foliennummernplatzhalter 3"/>
+          <p:cNvSpPr>
+            <a:spLocks noGrp="1"/>
+          </p:cNvSpPr>
+          <p:nvPr>
+            <p:ph type="sldNum" sz="quarter" idx="5"/>
+          </p:nvPr>
+        </p:nvSpPr>
+        <p:spPr/>
+        <p:txBody>
+          <a:bodyPr/>
+          <a:lstStyle/>
+          <a:p>
+            <a:fld id="{99A5A5CC-6DB7-4048-A500-D10DCB643E46}" type="slidenum">
+              <a:rPr lang="de-DE" smtClean="0"/>
+              <a:t>6</a:t>
+            </a:fld>
+            <a:endParaRPr lang="de-DE"/>
+          </a:p>
+        </p:txBody>
+      </p:sp>
+    </p:spTree>
+    <p:extLst>
+      <p:ext uri="{BB962C8B-B14F-4D97-AF65-F5344CB8AC3E}">
+        <p14:creationId xmlns:p14="http://schemas.microsoft.com/office/powerpoint/2010/main" val="1935057622"/>
+      </p:ext>
+    </p:extLst>
+  </p:cSld>
+  <p:clrMapOvr>
+    <a:masterClrMapping/>
+  </p:clrMapOvr>
+</p:notes>
+</file>
+
+<file path=ppt/notesSlides/notesSlide5.xml><?xml version="1.0" encoding="utf-8"?>
+<p:notes xmlns:a="http://schemas.openxmlformats.org/drawingml/2006/main" xmlns:r="http://schemas.openxmlformats.org/officeDocument/2006/relationships" xmlns:p="http://schemas.openxmlformats.org/presentationml/2006/main">
+  <p:cSld>
+    <p:spTree>
+      <p:nvGrpSpPr>
+        <p:cNvPr id="1" name=""/>
+        <p:cNvGrpSpPr/>
+        <p:nvPr/>
+      </p:nvGrpSpPr>
+      <p:grpSpPr>
+        <a:xfrm>
+          <a:off x="0" y="0"/>
+          <a:ext cx="0" cy="0"/>
+          <a:chOff x="0" y="0"/>
+          <a:chExt cx="0" cy="0"/>
+        </a:xfrm>
+      </p:grpSpPr>
+      <p:sp>
+        <p:nvSpPr>
+          <p:cNvPr id="2" name="Folienbildplatzhalter 1"/>
+          <p:cNvSpPr>
+            <a:spLocks noGrp="1" noRot="1" noChangeAspect="1"/>
+          </p:cNvSpPr>
+          <p:nvPr>
+            <p:ph type="sldImg"/>
+          </p:nvPr>
+        </p:nvSpPr>
+        <p:spPr/>
+      </p:sp>
+      <p:sp>
+        <p:nvSpPr>
+          <p:cNvPr id="3" name="Notizenplatzhalter 2"/>
+          <p:cNvSpPr>
+            <a:spLocks noGrp="1"/>
+          </p:cNvSpPr>
+          <p:nvPr>
+            <p:ph type="body" idx="1"/>
+          </p:nvPr>
+        </p:nvSpPr>
+        <p:spPr/>
+        <p:txBody>
+          <a:bodyPr/>
+          <a:lstStyle/>
+          <a:p>
+            <a:pPr marL="0" marR="0" lvl="0" indent="0" algn="l" defTabSz="914400" rtl="0" eaLnBrk="1" fontAlgn="auto" latinLnBrk="0" hangingPunct="1">
+              <a:lnSpc>
+                <a:spcPct val="100000"/>
+              </a:lnSpc>
+              <a:spcBef>
+                <a:spcPts val="0"/>
+              </a:spcBef>
+              <a:spcAft>
+                <a:spcPts val="0"/>
+              </a:spcAft>
+              <a:buClrTx/>
+              <a:buSzTx/>
+              <a:buFontTx/>
+              <a:buNone/>
+              <a:tabLst/>
+              <a:defRPr/>
+            </a:pPr>
+            <a:r>
+              <a:rPr lang="de-DE" dirty="0"/>
+              <a:t>Zeile steht für bestimmte Note im Track, Spalte steht für bestimmte Note in Track</a:t>
+            </a:r>
+          </a:p>
+          <a:p>
+            <a:endParaRPr lang="de-DE" dirty="0"/>
+          </a:p>
+        </p:txBody>
+      </p:sp>
+      <p:sp>
+        <p:nvSpPr>
+          <p:cNvPr id="4" name="Foliennummernplatzhalter 3"/>
+          <p:cNvSpPr>
+            <a:spLocks noGrp="1"/>
+          </p:cNvSpPr>
+          <p:nvPr>
+            <p:ph type="sldNum" sz="quarter" idx="5"/>
+          </p:nvPr>
+        </p:nvSpPr>
+        <p:spPr/>
+        <p:txBody>
+          <a:bodyPr/>
+          <a:lstStyle/>
+          <a:p>
+            <a:fld id="{99A5A5CC-6DB7-4048-A500-D10DCB643E46}" type="slidenum">
+              <a:rPr lang="de-DE" smtClean="0"/>
+              <a:t>7</a:t>
+            </a:fld>
+            <a:endParaRPr lang="de-DE"/>
+          </a:p>
+        </p:txBody>
+      </p:sp>
+    </p:spTree>
+    <p:extLst>
+      <p:ext uri="{BB962C8B-B14F-4D97-AF65-F5344CB8AC3E}">
+        <p14:creationId xmlns:p14="http://schemas.microsoft.com/office/powerpoint/2010/main" val="2774699768"/>
+      </p:ext>
+    </p:extLst>
+  </p:cSld>
+  <p:clrMapOvr>
+    <a:masterClrMapping/>
+  </p:clrMapOvr>
+</p:notes>
+</file>
+
+<file path=ppt/notesSlides/notesSlide6.xml><?xml version="1.0" encoding="utf-8"?>
+<p:notes xmlns:a="http://schemas.openxmlformats.org/drawingml/2006/main" xmlns:r="http://schemas.openxmlformats.org/officeDocument/2006/relationships" xmlns:p="http://schemas.openxmlformats.org/presentationml/2006/main">
+  <p:cSld>
+    <p:spTree>
+      <p:nvGrpSpPr>
+        <p:cNvPr id="1" name=""/>
+        <p:cNvGrpSpPr/>
+        <p:nvPr/>
+      </p:nvGrpSpPr>
+      <p:grpSpPr>
+        <a:xfrm>
+          <a:off x="0" y="0"/>
+          <a:ext cx="0" cy="0"/>
+          <a:chOff x="0" y="0"/>
+          <a:chExt cx="0" cy="0"/>
+        </a:xfrm>
+      </p:grpSpPr>
+      <p:sp>
+        <p:nvSpPr>
+          <p:cNvPr id="2" name="Folienbildplatzhalter 1"/>
+          <p:cNvSpPr>
+            <a:spLocks noGrp="1" noRot="1" noChangeAspect="1"/>
+          </p:cNvSpPr>
+          <p:nvPr>
+            <p:ph type="sldImg"/>
+          </p:nvPr>
+        </p:nvSpPr>
+        <p:spPr/>
+      </p:sp>
+      <p:sp>
+        <p:nvSpPr>
+          <p:cNvPr id="3" name="Notizenplatzhalter 2"/>
+          <p:cNvSpPr>
+            <a:spLocks noGrp="1"/>
+          </p:cNvSpPr>
+          <p:nvPr>
+            <p:ph type="body" idx="1"/>
+          </p:nvPr>
+        </p:nvSpPr>
+        <p:spPr/>
+        <p:txBody>
+          <a:bodyPr/>
+          <a:lstStyle/>
+          <a:p>
+            <a:pPr>
+              <a:lnSpc>
+                <a:spcPct val="90000"/>
+              </a:lnSpc>
+            </a:pPr>
+            <a:r>
+              <a:rPr lang="de-DE" sz="1200" dirty="0"/>
+              <a:t>Noten mit mindestens zwei Informationen eindeutig find bar</a:t>
+            </a:r>
+          </a:p>
+          <a:p>
+            <a:pPr>
+              <a:lnSpc>
+                <a:spcPct val="90000"/>
+              </a:lnSpc>
+            </a:pPr>
+            <a:r>
+              <a:rPr lang="de-DE" sz="1200" dirty="0"/>
+              <a:t>Wann wurde Note gespielt und welche Tonhöhe besitzt Note</a:t>
+            </a:r>
+          </a:p>
+          <a:p>
+            <a:pPr>
+              <a:lnSpc>
+                <a:spcPct val="90000"/>
+              </a:lnSpc>
+            </a:pPr>
+            <a:r>
+              <a:rPr lang="de-DE" sz="1200" dirty="0"/>
+              <a:t>Information des Tracks wurde hinzugenommen, da MIDI-Dateien mehrere Tracks besitzen</a:t>
+            </a:r>
+          </a:p>
+          <a:p>
+            <a:pPr>
+              <a:lnSpc>
+                <a:spcPct val="90000"/>
+              </a:lnSpc>
+            </a:pPr>
+            <a:endParaRPr lang="de-DE" sz="1200" dirty="0"/>
+          </a:p>
+          <a:p>
+            <a:pPr marL="0" marR="0" lvl="0" indent="0" algn="l" defTabSz="914400" rtl="0" eaLnBrk="1" fontAlgn="auto" latinLnBrk="0" hangingPunct="1">
+              <a:lnSpc>
+                <a:spcPct val="90000"/>
+              </a:lnSpc>
+              <a:spcBef>
+                <a:spcPts val="0"/>
+              </a:spcBef>
+              <a:spcAft>
+                <a:spcPts val="0"/>
+              </a:spcAft>
+              <a:buClrTx/>
+              <a:buSzTx/>
+              <a:buFontTx/>
+              <a:buNone/>
+              <a:tabLst/>
+              <a:defRPr/>
+            </a:pPr>
+            <a:r>
+              <a:rPr lang="de-DE" sz="1200" dirty="0"/>
+              <a:t>Vorteil ist das zeitliche Zusammenhänge erhalten bleiben</a:t>
+            </a:r>
+          </a:p>
+          <a:p>
+            <a:endParaRPr lang="de-DE" dirty="0"/>
+          </a:p>
+        </p:txBody>
+      </p:sp>
+      <p:sp>
+        <p:nvSpPr>
+          <p:cNvPr id="4" name="Foliennummernplatzhalter 3"/>
+          <p:cNvSpPr>
+            <a:spLocks noGrp="1"/>
+          </p:cNvSpPr>
+          <p:nvPr>
+            <p:ph type="sldNum" sz="quarter" idx="5"/>
+          </p:nvPr>
+        </p:nvSpPr>
+        <p:spPr/>
+        <p:txBody>
+          <a:bodyPr/>
+          <a:lstStyle/>
+          <a:p>
+            <a:fld id="{99A5A5CC-6DB7-4048-A500-D10DCB643E46}" type="slidenum">
+              <a:rPr lang="de-DE" smtClean="0"/>
+              <a:t>8</a:t>
+            </a:fld>
+            <a:endParaRPr lang="de-DE"/>
+          </a:p>
+        </p:txBody>
+      </p:sp>
+    </p:spTree>
+    <p:extLst>
+      <p:ext uri="{BB962C8B-B14F-4D97-AF65-F5344CB8AC3E}">
+        <p14:creationId xmlns:p14="http://schemas.microsoft.com/office/powerpoint/2010/main" val="3155465853"/>
+      </p:ext>
+    </p:extLst>
+  </p:cSld>
+  <p:clrMapOvr>
+    <a:masterClrMapping/>
+  </p:clrMapOvr>
+</p:notes>
+</file>
+
+<file path=ppt/notesSlides/notesSlide7.xml><?xml version="1.0" encoding="utf-8"?>
+<p:notes xmlns:a="http://schemas.openxmlformats.org/drawingml/2006/main" xmlns:r="http://schemas.openxmlformats.org/officeDocument/2006/relationships" xmlns:p="http://schemas.openxmlformats.org/presentationml/2006/main">
+  <p:cSld>
+    <p:spTree>
+      <p:nvGrpSpPr>
+        <p:cNvPr id="1" name=""/>
+        <p:cNvGrpSpPr/>
+        <p:nvPr/>
+      </p:nvGrpSpPr>
+      <p:grpSpPr>
+        <a:xfrm>
+          <a:off x="0" y="0"/>
+          <a:ext cx="0" cy="0"/>
+          <a:chOff x="0" y="0"/>
+          <a:chExt cx="0" cy="0"/>
+        </a:xfrm>
+      </p:grpSpPr>
+      <p:sp>
+        <p:nvSpPr>
+          <p:cNvPr id="2" name="Folienbildplatzhalter 1"/>
+          <p:cNvSpPr>
+            <a:spLocks noGrp="1" noRot="1" noChangeAspect="1"/>
+          </p:cNvSpPr>
+          <p:nvPr>
+            <p:ph type="sldImg"/>
+          </p:nvPr>
+        </p:nvSpPr>
+        <p:spPr/>
+      </p:sp>
+      <p:sp>
+        <p:nvSpPr>
+          <p:cNvPr id="3" name="Notizenplatzhalter 2"/>
+          <p:cNvSpPr>
+            <a:spLocks noGrp="1"/>
+          </p:cNvSpPr>
+          <p:nvPr>
+            <p:ph type="body" idx="1"/>
+          </p:nvPr>
+        </p:nvSpPr>
+        <p:spPr/>
+        <p:txBody>
+          <a:bodyPr/>
+          <a:lstStyle/>
+          <a:p>
+            <a:r>
+              <a:rPr lang="de-DE" dirty="0"/>
+              <a:t>Jedes Musikstück besitzt Spektrum in welchen Pattern grob erkannt werden können</a:t>
+            </a:r>
+          </a:p>
+          <a:p>
+            <a:r>
+              <a:rPr lang="de-DE" dirty="0"/>
+              <a:t>Gedanke war das ein neuronales Netz diese Strukturen erkennen kann</a:t>
+            </a:r>
+          </a:p>
+          <a:p>
+            <a:endParaRPr lang="de-DE" dirty="0"/>
+          </a:p>
+        </p:txBody>
+      </p:sp>
+      <p:sp>
+        <p:nvSpPr>
+          <p:cNvPr id="4" name="Foliennummernplatzhalter 3"/>
+          <p:cNvSpPr>
+            <a:spLocks noGrp="1"/>
+          </p:cNvSpPr>
+          <p:nvPr>
+            <p:ph type="sldNum" sz="quarter" idx="5"/>
+          </p:nvPr>
+        </p:nvSpPr>
+        <p:spPr/>
+        <p:txBody>
+          <a:bodyPr/>
+          <a:lstStyle/>
+          <a:p>
+            <a:fld id="{99A5A5CC-6DB7-4048-A500-D10DCB643E46}" type="slidenum">
+              <a:rPr lang="de-DE" smtClean="0"/>
+              <a:t>9</a:t>
+            </a:fld>
+            <a:endParaRPr lang="de-DE"/>
+          </a:p>
+        </p:txBody>
+      </p:sp>
+    </p:spTree>
+    <p:extLst>
+      <p:ext uri="{BB962C8B-B14F-4D97-AF65-F5344CB8AC3E}">
+        <p14:creationId xmlns:p14="http://schemas.microsoft.com/office/powerpoint/2010/main" val="446897649"/>
+      </p:ext>
+    </p:extLst>
+  </p:cSld>
+  <p:clrMapOvr>
+    <a:masterClrMapping/>
+  </p:clrMapOvr>
+</p:notes>
+</file>
+
+<file path=ppt/notesSlides/notesSlide8.xml><?xml version="1.0" encoding="utf-8"?>
+<p:notes xmlns:a="http://schemas.openxmlformats.org/drawingml/2006/main" xmlns:r="http://schemas.openxmlformats.org/officeDocument/2006/relationships" xmlns:p="http://schemas.openxmlformats.org/presentationml/2006/main">
+  <p:cSld>
+    <p:spTree>
+      <p:nvGrpSpPr>
+        <p:cNvPr id="1" name=""/>
+        <p:cNvGrpSpPr/>
+        <p:nvPr/>
+      </p:nvGrpSpPr>
+      <p:grpSpPr>
+        <a:xfrm>
+          <a:off x="0" y="0"/>
+          <a:ext cx="0" cy="0"/>
+          <a:chOff x="0" y="0"/>
+          <a:chExt cx="0" cy="0"/>
+        </a:xfrm>
+      </p:grpSpPr>
+      <p:sp>
+        <p:nvSpPr>
+          <p:cNvPr id="2" name="Folienbildplatzhalter 1"/>
+          <p:cNvSpPr>
+            <a:spLocks noGrp="1" noRot="1" noChangeAspect="1"/>
+          </p:cNvSpPr>
+          <p:nvPr>
+            <p:ph type="sldImg"/>
+          </p:nvPr>
+        </p:nvSpPr>
+        <p:spPr/>
+      </p:sp>
+      <p:sp>
+        <p:nvSpPr>
+          <p:cNvPr id="3" name="Notizenplatzhalter 2"/>
+          <p:cNvSpPr>
+            <a:spLocks noGrp="1"/>
+          </p:cNvSpPr>
+          <p:nvPr>
+            <p:ph type="body" idx="1"/>
+          </p:nvPr>
+        </p:nvSpPr>
+        <p:spPr/>
+        <p:txBody>
+          <a:bodyPr/>
+          <a:lstStyle/>
+          <a:p>
+            <a:r>
+              <a:rPr lang="de-DE" dirty="0"/>
+              <a:t>zum trainieren von CNN mit Spektren</a:t>
+            </a:r>
+          </a:p>
+        </p:txBody>
+      </p:sp>
+      <p:sp>
+        <p:nvSpPr>
+          <p:cNvPr id="4" name="Foliennummernplatzhalter 3"/>
+          <p:cNvSpPr>
+            <a:spLocks noGrp="1"/>
+          </p:cNvSpPr>
+          <p:nvPr>
+            <p:ph type="sldNum" sz="quarter" idx="5"/>
+          </p:nvPr>
+        </p:nvSpPr>
+        <p:spPr/>
+        <p:txBody>
+          <a:bodyPr/>
+          <a:lstStyle/>
+          <a:p>
+            <a:fld id="{99A5A5CC-6DB7-4048-A500-D10DCB643E46}" type="slidenum">
+              <a:rPr lang="de-DE" smtClean="0"/>
+              <a:t>13</a:t>
+            </a:fld>
+            <a:endParaRPr lang="de-DE"/>
+          </a:p>
+        </p:txBody>
+      </p:sp>
+    </p:spTree>
+    <p:extLst>
+      <p:ext uri="{BB962C8B-B14F-4D97-AF65-F5344CB8AC3E}">
+        <p14:creationId xmlns:p14="http://schemas.microsoft.com/office/powerpoint/2010/main" val="3156928301"/>
+      </p:ext>
+    </p:extLst>
+  </p:cSld>
+  <p:clrMapOvr>
+    <a:masterClrMapping/>
+  </p:clrMapOvr>
+</p:notes>
+</file>
+
 <file path=ppt/slideLayouts/slideLayout1.xml><?xml version="1.0" encoding="utf-8"?>
 <p:sldLayout xmlns:a="http://schemas.openxmlformats.org/drawingml/2006/main" xmlns:r="http://schemas.openxmlformats.org/officeDocument/2006/relationships" xmlns:p="http://schemas.openxmlformats.org/presentationml/2006/main" type="title" preserve="1">
   <p:cSld name="Titelfolie">
@@ -670,7 +1724,7 @@
           <a:p>
             <a:fld id="{A1F0FC0D-3186-42C1-9FEB-DF87B478E717}" type="datetime1">
               <a:rPr lang="de-DE" smtClean="0"/>
-              <a:t>18.05.2020</a:t>
+              <a:t>19.05.2020</a:t>
             </a:fld>
             <a:endParaRPr lang="de-DE"/>
           </a:p>
@@ -945,7 +1999,7 @@
           <a:p>
             <a:fld id="{76476C2C-4286-47EF-AB2A-8680B536CB4D}" type="datetime1">
               <a:rPr lang="de-DE" smtClean="0"/>
-              <a:t>18.05.2020</a:t>
+              <a:t>19.05.2020</a:t>
             </a:fld>
             <a:endParaRPr lang="de-DE"/>
           </a:p>
@@ -1139,7 +2193,7 @@
           <a:p>
             <a:fld id="{C3260BB7-F8F7-4802-95E0-96B236C3C76B}" type="datetime1">
               <a:rPr lang="de-DE" smtClean="0"/>
-              <a:t>18.05.2020</a:t>
+              <a:t>19.05.2020</a:t>
             </a:fld>
             <a:endParaRPr lang="de-DE"/>
           </a:p>
@@ -1412,7 +2466,7 @@
           <a:p>
             <a:fld id="{7D504761-35E0-47DA-A417-ED3BA20B1F62}" type="datetime1">
               <a:rPr lang="de-DE" smtClean="0"/>
-              <a:t>18.05.2020</a:t>
+              <a:t>19.05.2020</a:t>
             </a:fld>
             <a:endParaRPr lang="de-DE"/>
           </a:p>
@@ -1753,7 +2807,7 @@
           <a:p>
             <a:fld id="{717A12A4-E786-49F6-9E74-CB7092EB9607}" type="datetime1">
               <a:rPr lang="de-DE" smtClean="0"/>
-              <a:t>18.05.2020</a:t>
+              <a:t>19.05.2020</a:t>
             </a:fld>
             <a:endParaRPr lang="de-DE"/>
           </a:p>
@@ -2376,7 +3430,7 @@
           <a:p>
             <a:fld id="{E93A64C4-D6AD-43BF-840F-3DC64D412330}" type="datetime1">
               <a:rPr lang="de-DE" smtClean="0"/>
-              <a:t>18.05.2020</a:t>
+              <a:t>19.05.2020</a:t>
             </a:fld>
             <a:endParaRPr lang="de-DE"/>
           </a:p>
@@ -3236,7 +4290,7 @@
           <a:p>
             <a:fld id="{7B7D757A-C7D7-4397-A608-FC27B1D0D293}" type="datetime1">
               <a:rPr lang="de-DE" smtClean="0"/>
-              <a:t>18.05.2020</a:t>
+              <a:t>19.05.2020</a:t>
             </a:fld>
             <a:endParaRPr lang="de-DE"/>
           </a:p>
@@ -3406,7 +4460,7 @@
           <a:p>
             <a:fld id="{D312A52B-FC7E-4912-BC30-99A8D1C421B3}" type="datetime1">
               <a:rPr lang="de-DE" smtClean="0"/>
-              <a:t>18.05.2020</a:t>
+              <a:t>19.05.2020</a:t>
             </a:fld>
             <a:endParaRPr lang="de-DE"/>
           </a:p>
@@ -3586,7 +4640,7 @@
           <a:p>
             <a:fld id="{497B7962-CC57-4993-BBF3-C3FDFF0EE669}" type="datetime1">
               <a:rPr lang="de-DE" smtClean="0"/>
-              <a:t>18.05.2020</a:t>
+              <a:t>19.05.2020</a:t>
             </a:fld>
             <a:endParaRPr lang="de-DE"/>
           </a:p>
@@ -3756,7 +4810,7 @@
           <a:p>
             <a:fld id="{88B69FB4-7853-4E53-977D-93AE37DFD9A5}" type="datetime1">
               <a:rPr lang="de-DE" smtClean="0"/>
-              <a:t>18.05.2020</a:t>
+              <a:t>19.05.2020</a:t>
             </a:fld>
             <a:endParaRPr lang="de-DE"/>
           </a:p>
@@ -4003,7 +5057,7 @@
           <a:p>
             <a:fld id="{29C4A55F-C53C-4138-BC98-D831E0B636BB}" type="datetime1">
               <a:rPr lang="de-DE" smtClean="0"/>
-              <a:t>18.05.2020</a:t>
+              <a:t>19.05.2020</a:t>
             </a:fld>
             <a:endParaRPr lang="de-DE"/>
           </a:p>
@@ -4295,7 +5349,7 @@
           <a:p>
             <a:fld id="{39FDBBD9-B05F-4D91-99C0-4CF18D1E3957}" type="datetime1">
               <a:rPr lang="de-DE" smtClean="0"/>
-              <a:t>18.05.2020</a:t>
+              <a:t>19.05.2020</a:t>
             </a:fld>
             <a:endParaRPr lang="de-DE"/>
           </a:p>
@@ -4739,7 +5793,7 @@
           <a:p>
             <a:fld id="{1A5A3C2F-AEFA-459C-AC20-50BDC51A6303}" type="datetime1">
               <a:rPr lang="de-DE" smtClean="0"/>
-              <a:t>18.05.2020</a:t>
+              <a:t>19.05.2020</a:t>
             </a:fld>
             <a:endParaRPr lang="de-DE"/>
           </a:p>
@@ -4857,7 +5911,7 @@
           <a:p>
             <a:fld id="{4D03905E-F4C5-4F37-ABCD-248F305376F1}" type="datetime1">
               <a:rPr lang="de-DE" smtClean="0"/>
-              <a:t>18.05.2020</a:t>
+              <a:t>19.05.2020</a:t>
             </a:fld>
             <a:endParaRPr lang="de-DE"/>
           </a:p>
@@ -4952,7 +6006,7 @@
           <a:p>
             <a:fld id="{017FD1AC-B073-412C-9988-F89F84B9256E}" type="datetime1">
               <a:rPr lang="de-DE" smtClean="0"/>
-              <a:t>18.05.2020</a:t>
+              <a:t>19.05.2020</a:t>
             </a:fld>
             <a:endParaRPr lang="de-DE"/>
           </a:p>
@@ -5231,7 +6285,7 @@
           <a:p>
             <a:fld id="{6804DF7F-B6D0-4BD3-9532-7871733E6BB7}" type="datetime1">
               <a:rPr lang="de-DE" smtClean="0"/>
-              <a:t>18.05.2020</a:t>
+              <a:t>19.05.2020</a:t>
             </a:fld>
             <a:endParaRPr lang="de-DE"/>
           </a:p>
@@ -5506,7 +6560,7 @@
           <a:p>
             <a:fld id="{8A12425C-1CA6-40C5-B311-43E687ED943B}" type="datetime1">
               <a:rPr lang="de-DE" smtClean="0"/>
-              <a:t>18.05.2020</a:t>
+              <a:t>19.05.2020</a:t>
             </a:fld>
             <a:endParaRPr lang="de-DE"/>
           </a:p>
@@ -5935,7 +6989,7 @@
           <a:p>
             <a:fld id="{2A9272AA-872F-4724-8F82-489ECBBB31F9}" type="datetime1">
               <a:rPr lang="de-DE" smtClean="0"/>
-              <a:t>18.05.2020</a:t>
+              <a:t>19.05.2020</a:t>
             </a:fld>
             <a:endParaRPr lang="de-DE"/>
           </a:p>
@@ -6829,8 +7883,8 @@
         </p:nvSpPr>
         <p:spPr>
           <a:xfrm>
-            <a:off x="1103311" y="2052214"/>
-            <a:ext cx="4338409" cy="4196185"/>
+            <a:off x="1103311" y="2318327"/>
+            <a:ext cx="4338409" cy="3930072"/>
           </a:xfrm>
         </p:spPr>
         <p:txBody>
@@ -6969,7 +8023,12 @@
             <p:ph idx="1"/>
           </p:nvPr>
         </p:nvSpPr>
-        <p:spPr/>
+        <p:spPr>
+          <a:xfrm>
+            <a:off x="646111" y="2209801"/>
+            <a:ext cx="10885939" cy="4195481"/>
+          </a:xfrm>
+        </p:spPr>
         <p:txBody>
           <a:bodyPr/>
           <a:lstStyle/>
@@ -7018,7 +8077,7 @@
           <a:p>
             <a:r>
               <a:rPr lang="de-DE" dirty="0"/>
-              <a:t>Für Variante mit SIA mussten Daten per Hand aufgeschrieben werden, da zeitlicher Aspekt eine wichtige Rolle gespielt hat</a:t>
+              <a:t>Für SIA mussten Daten per Hand erstellt werden, da zeitlicher Aspekt von Bedeutung</a:t>
             </a:r>
           </a:p>
         </p:txBody>
@@ -7153,7 +8212,7 @@
             <a:pPr lvl="2"/>
             <a:r>
               <a:rPr lang="de-DE" dirty="0"/>
-              <a:t>Zu wenig Grafikkartenspeicher zum trainieren von CNN mit Spektren</a:t>
+              <a:t>Zu wenig Grafikkartenspeicher</a:t>
             </a:r>
           </a:p>
           <a:p>
@@ -7167,7 +8226,7 @@
             <a:pPr lvl="1"/>
             <a:r>
               <a:rPr lang="de-DE" dirty="0"/>
-              <a:t>CNN mit Koordinatensystemen</a:t>
+              <a:t>CNN mit SIA</a:t>
             </a:r>
           </a:p>
           <a:p>
@@ -8341,6 +9400,30 @@
 <file path=ppt/slides/slide15.xml><?xml version="1.0" encoding="utf-8"?>
 <p:sld xmlns:a="http://schemas.openxmlformats.org/drawingml/2006/main" xmlns:r="http://schemas.openxmlformats.org/officeDocument/2006/relationships" xmlns:p="http://schemas.openxmlformats.org/presentationml/2006/main">
   <p:cSld>
+    <p:bg>
+      <p:bgPr>
+        <a:blipFill rotWithShape="1">
+          <a:blip r:embed="rId2">
+            <a:duotone>
+              <a:schemeClr val="bg2">
+                <a:shade val="69000"/>
+                <a:hueMod val="108000"/>
+                <a:satMod val="164000"/>
+                <a:lumMod val="74000"/>
+              </a:schemeClr>
+              <a:schemeClr val="bg2">
+                <a:tint val="96000"/>
+                <a:hueMod val="88000"/>
+                <a:satMod val="140000"/>
+                <a:lumMod val="132000"/>
+              </a:schemeClr>
+            </a:duotone>
+          </a:blip>
+          <a:stretch/>
+        </a:blipFill>
+        <a:effectLst/>
+      </p:bgPr>
+    </p:bg>
     <p:spTree>
       <p:nvGrpSpPr>
         <p:cNvPr id="1" name=""/>
@@ -8371,15 +9454,68 @@
             <p:ph type="title"/>
           </p:nvPr>
         </p:nvSpPr>
-        <p:spPr/>
-        <p:txBody>
-          <a:bodyPr/>
+        <p:spPr>
+          <a:xfrm>
+            <a:off x="648930" y="629266"/>
+            <a:ext cx="9252154" cy="1223983"/>
+          </a:xfrm>
+        </p:spPr>
+        <p:txBody>
+          <a:bodyPr>
+            <a:normAutofit/>
+          </a:bodyPr>
           <a:lstStyle/>
           <a:p>
             <a:r>
               <a:rPr lang="de-DE" dirty="0"/>
               <a:t>Ergebnisse String</a:t>
             </a:r>
+          </a:p>
+        </p:txBody>
+      </p:sp>
+      <p:sp>
+        <p:nvSpPr>
+          <p:cNvPr id="4" name="Foliennummernplatzhalter 3">
+            <a:extLst>
+              <a:ext uri="{FF2B5EF4-FFF2-40B4-BE49-F238E27FC236}">
+                <a16:creationId xmlns:a16="http://schemas.microsoft.com/office/drawing/2014/main" id="{3F3CE48F-9091-4513-BB68-A6D11E16CC88}"/>
+              </a:ext>
+            </a:extLst>
+          </p:cNvPr>
+          <p:cNvSpPr>
+            <a:spLocks noGrp="1"/>
+          </p:cNvSpPr>
+          <p:nvPr>
+            <p:ph type="sldNum" sz="quarter" idx="12"/>
+          </p:nvPr>
+        </p:nvSpPr>
+        <p:spPr>
+          <a:xfrm>
+            <a:off x="10352540" y="295729"/>
+            <a:ext cx="838199" cy="767687"/>
+          </a:xfrm>
+        </p:spPr>
+        <p:txBody>
+          <a:bodyPr>
+            <a:normAutofit/>
+          </a:bodyPr>
+          <a:lstStyle/>
+          <a:p>
+            <a:pPr>
+              <a:spcAft>
+                <a:spcPts val="600"/>
+              </a:spcAft>
+            </a:pPr>
+            <a:fld id="{0F147071-9974-42BF-81B3-0DE54666D966}" type="slidenum">
+              <a:rPr lang="de-DE" smtClean="0"/>
+              <a:pPr>
+                <a:spcAft>
+                  <a:spcPts val="600"/>
+                </a:spcAft>
+              </a:pPr>
+              <a:t>15</a:t>
+            </a:fld>
+            <a:endParaRPr lang="de-DE"/>
           </a:p>
         </p:txBody>
       </p:sp>
@@ -8399,9 +9535,16 @@
             <p:ph idx="1"/>
           </p:nvPr>
         </p:nvSpPr>
-        <p:spPr/>
-        <p:txBody>
-          <a:bodyPr/>
+        <p:spPr>
+          <a:xfrm>
+            <a:off x="1103311" y="2052214"/>
+            <a:ext cx="4338409" cy="4196185"/>
+          </a:xfrm>
+        </p:spPr>
+        <p:txBody>
+          <a:bodyPr>
+            <a:normAutofit/>
+          </a:bodyPr>
           <a:lstStyle/>
           <a:p>
             <a:r>
@@ -8412,52 +9555,66 @@
           <a:p>
             <a:r>
               <a:rPr lang="de-DE" dirty="0"/>
-              <a:t>Verfahren enthält vorwiegend markante Pattern (lange Pattern)</a:t>
+              <a:t>enthält vorwiegend markante Pattern (lange Pattern)</a:t>
             </a:r>
           </a:p>
           <a:p>
             <a:r>
               <a:rPr lang="de-DE" dirty="0"/>
-              <a:t>Durch Anzahl der gefundenen Pattern kann davon ausgegangen werden, das ein Großteil der Pattern gefunden wurde</a:t>
+              <a:t>Sinnvolle Anzahl von Pattern -&gt; Großteil der Pattern wurde gefunden</a:t>
             </a:r>
           </a:p>
           <a:p>
             <a:r>
               <a:rPr lang="de-DE" dirty="0"/>
-              <a:t>Schlechteste Laufzeit in relevanten Bereich, dennoch vertretbar (siehe Folie Ergebnis Laufzeit)</a:t>
-            </a:r>
-          </a:p>
-        </p:txBody>
-      </p:sp>
-      <p:sp>
-        <p:nvSpPr>
-          <p:cNvPr id="4" name="Foliennummernplatzhalter 3">
+              <a:t>Schlechteste Laufzeit in relevanten Bereich, dennoch vertretbar</a:t>
+            </a:r>
+          </a:p>
+        </p:txBody>
+      </p:sp>
+      <p:pic>
+        <p:nvPicPr>
+          <p:cNvPr id="5" name="Inhaltsplatzhalter 5" descr="Ein Bild, das Screenshot enthält.&#10;&#10;Automatisch generierte Beschreibung">
             <a:extLst>
               <a:ext uri="{FF2B5EF4-FFF2-40B4-BE49-F238E27FC236}">
-                <a16:creationId xmlns:a16="http://schemas.microsoft.com/office/drawing/2014/main" id="{3F3CE48F-9091-4513-BB68-A6D11E16CC88}"/>
+                <a16:creationId xmlns:a16="http://schemas.microsoft.com/office/drawing/2014/main" id="{83E1BF98-AE17-495C-BD50-640327670D3F}"/>
               </a:ext>
             </a:extLst>
           </p:cNvPr>
-          <p:cNvSpPr>
-            <a:spLocks noGrp="1"/>
-          </p:cNvSpPr>
-          <p:nvPr>
-            <p:ph type="sldNum" sz="quarter" idx="12"/>
-          </p:nvPr>
-        </p:nvSpPr>
-        <p:spPr/>
-        <p:txBody>
-          <a:bodyPr/>
-          <a:lstStyle/>
-          <a:p>
-            <a:fld id="{0F147071-9974-42BF-81B3-0DE54666D966}" type="slidenum">
-              <a:rPr lang="de-DE" smtClean="0"/>
-              <a:t>15</a:t>
-            </a:fld>
-            <a:endParaRPr lang="de-DE"/>
-          </a:p>
-        </p:txBody>
-      </p:sp>
+          <p:cNvPicPr>
+            <a:picLocks noChangeAspect="1"/>
+          </p:cNvPicPr>
+          <p:nvPr/>
+        </p:nvPicPr>
+        <p:blipFill>
+          <a:blip r:embed="rId3">
+            <a:extLst>
+              <a:ext uri="{28A0092B-C50C-407E-A947-70E740481C1C}">
+                <a14:useLocalDpi xmlns:a14="http://schemas.microsoft.com/office/drawing/2010/main" val="0"/>
+              </a:ext>
+            </a:extLst>
+          </a:blip>
+          <a:stretch>
+            <a:fillRect/>
+          </a:stretch>
+        </p:blipFill>
+        <p:spPr>
+          <a:xfrm>
+            <a:off x="5441720" y="1853249"/>
+            <a:ext cx="6750280" cy="3741737"/>
+          </a:xfrm>
+          <a:prstGeom prst="rect">
+            <a:avLst/>
+          </a:prstGeom>
+          <a:effectLst>
+            <a:outerShdw blurRad="50800" dist="38100" dir="5400000" algn="t" rotWithShape="0">
+              <a:prstClr val="black">
+                <a:alpha val="43000"/>
+              </a:prstClr>
+            </a:outerShdw>
+          </a:effectLst>
+        </p:spPr>
+      </p:pic>
     </p:spTree>
     <p:extLst>
       <p:ext uri="{BB962C8B-B14F-4D97-AF65-F5344CB8AC3E}">
@@ -8472,1702 +9629,6 @@
 </file>
 
 <file path=ppt/slides/slide16.xml><?xml version="1.0" encoding="utf-8"?>
-<p:sld xmlns:a="http://schemas.openxmlformats.org/drawingml/2006/main" xmlns:r="http://schemas.openxmlformats.org/officeDocument/2006/relationships" xmlns:p="http://schemas.openxmlformats.org/presentationml/2006/main">
-  <p:cSld>
-    <p:spTree>
-      <p:nvGrpSpPr>
-        <p:cNvPr id="1" name=""/>
-        <p:cNvGrpSpPr/>
-        <p:nvPr/>
-      </p:nvGrpSpPr>
-      <p:grpSpPr>
-        <a:xfrm>
-          <a:off x="0" y="0"/>
-          <a:ext cx="0" cy="0"/>
-          <a:chOff x="0" y="0"/>
-          <a:chExt cx="0" cy="0"/>
-        </a:xfrm>
-      </p:grpSpPr>
-      <p:sp>
-        <p:nvSpPr>
-          <p:cNvPr id="2" name="Titel 1">
-            <a:extLst>
-              <a:ext uri="{FF2B5EF4-FFF2-40B4-BE49-F238E27FC236}">
-                <a16:creationId xmlns:a16="http://schemas.microsoft.com/office/drawing/2014/main" id="{D205A3EE-E38E-422A-B7DB-8652AA7521C2}"/>
-              </a:ext>
-            </a:extLst>
-          </p:cNvPr>
-          <p:cNvSpPr>
-            <a:spLocks noGrp="1"/>
-          </p:cNvSpPr>
-          <p:nvPr>
-            <p:ph type="title"/>
-          </p:nvPr>
-        </p:nvSpPr>
-        <p:spPr/>
-        <p:txBody>
-          <a:bodyPr/>
-          <a:lstStyle/>
-          <a:p>
-            <a:r>
-              <a:rPr lang="de-DE" dirty="0"/>
-              <a:t>Ergebnisse Matrix</a:t>
-            </a:r>
-          </a:p>
-        </p:txBody>
-      </p:sp>
-      <p:sp>
-        <p:nvSpPr>
-          <p:cNvPr id="3" name="Inhaltsplatzhalter 2">
-            <a:extLst>
-              <a:ext uri="{FF2B5EF4-FFF2-40B4-BE49-F238E27FC236}">
-                <a16:creationId xmlns:a16="http://schemas.microsoft.com/office/drawing/2014/main" id="{46D008C1-4E58-47CB-8926-3263F2A56C02}"/>
-              </a:ext>
-            </a:extLst>
-          </p:cNvPr>
-          <p:cNvSpPr>
-            <a:spLocks noGrp="1"/>
-          </p:cNvSpPr>
-          <p:nvPr>
-            <p:ph idx="1"/>
-          </p:nvPr>
-        </p:nvSpPr>
-        <p:spPr/>
-        <p:txBody>
-          <a:bodyPr/>
-          <a:lstStyle/>
-          <a:p>
-            <a:r>
-              <a:rPr lang="de-DE" dirty="0"/>
-              <a:t>Alle Pattern stehen in Ergebnisdatei -&gt; hohe Anzahl von erkannten Pattern</a:t>
-            </a:r>
-          </a:p>
-          <a:p>
-            <a:r>
-              <a:rPr lang="de-DE" dirty="0"/>
-              <a:t>Mit etwas Post-Processing kann dies behoben werden</a:t>
-            </a:r>
-          </a:p>
-          <a:p>
-            <a:r>
-              <a:rPr lang="de-DE" dirty="0"/>
-              <a:t>Bei weitem die beste Laufzeit aller verbliebener Verfahren (siehe Folie Ergebnis Laufzeit</a:t>
-            </a:r>
-          </a:p>
-          <a:p>
-            <a:endParaRPr lang="de-DE" dirty="0"/>
-          </a:p>
-        </p:txBody>
-      </p:sp>
-      <p:sp>
-        <p:nvSpPr>
-          <p:cNvPr id="4" name="Foliennummernplatzhalter 3">
-            <a:extLst>
-              <a:ext uri="{FF2B5EF4-FFF2-40B4-BE49-F238E27FC236}">
-                <a16:creationId xmlns:a16="http://schemas.microsoft.com/office/drawing/2014/main" id="{C0D2DBA0-C486-4D83-AC17-7154D723653F}"/>
-              </a:ext>
-            </a:extLst>
-          </p:cNvPr>
-          <p:cNvSpPr>
-            <a:spLocks noGrp="1"/>
-          </p:cNvSpPr>
-          <p:nvPr>
-            <p:ph type="sldNum" sz="quarter" idx="12"/>
-          </p:nvPr>
-        </p:nvSpPr>
-        <p:spPr/>
-        <p:txBody>
-          <a:bodyPr/>
-          <a:lstStyle/>
-          <a:p>
-            <a:fld id="{0F147071-9974-42BF-81B3-0DE54666D966}" type="slidenum">
-              <a:rPr lang="de-DE" smtClean="0"/>
-              <a:t>16</a:t>
-            </a:fld>
-            <a:endParaRPr lang="de-DE"/>
-          </a:p>
-        </p:txBody>
-      </p:sp>
-    </p:spTree>
-    <p:extLst>
-      <p:ext uri="{BB962C8B-B14F-4D97-AF65-F5344CB8AC3E}">
-        <p14:creationId xmlns:p14="http://schemas.microsoft.com/office/powerpoint/2010/main" val="565647239"/>
-      </p:ext>
-    </p:extLst>
-  </p:cSld>
-  <p:clrMapOvr>
-    <a:masterClrMapping/>
-  </p:clrMapOvr>
-</p:sld>
-</file>
-
-<file path=ppt/slides/slide17.xml><?xml version="1.0" encoding="utf-8"?>
-<p:sld xmlns:a="http://schemas.openxmlformats.org/drawingml/2006/main" xmlns:r="http://schemas.openxmlformats.org/officeDocument/2006/relationships" xmlns:p="http://schemas.openxmlformats.org/presentationml/2006/main">
-  <p:cSld>
-    <p:spTree>
-      <p:nvGrpSpPr>
-        <p:cNvPr id="1" name=""/>
-        <p:cNvGrpSpPr/>
-        <p:nvPr/>
-      </p:nvGrpSpPr>
-      <p:grpSpPr>
-        <a:xfrm>
-          <a:off x="0" y="0"/>
-          <a:ext cx="0" cy="0"/>
-          <a:chOff x="0" y="0"/>
-          <a:chExt cx="0" cy="0"/>
-        </a:xfrm>
-      </p:grpSpPr>
-      <p:sp>
-        <p:nvSpPr>
-          <p:cNvPr id="2" name="Titel 1">
-            <a:extLst>
-              <a:ext uri="{FF2B5EF4-FFF2-40B4-BE49-F238E27FC236}">
-                <a16:creationId xmlns:a16="http://schemas.microsoft.com/office/drawing/2014/main" id="{E8DF991B-9810-4160-BED0-F274758F8748}"/>
-              </a:ext>
-            </a:extLst>
-          </p:cNvPr>
-          <p:cNvSpPr>
-            <a:spLocks noGrp="1"/>
-          </p:cNvSpPr>
-          <p:nvPr>
-            <p:ph type="title"/>
-          </p:nvPr>
-        </p:nvSpPr>
-        <p:spPr/>
-        <p:txBody>
-          <a:bodyPr/>
-          <a:lstStyle/>
-          <a:p>
-            <a:r>
-              <a:rPr lang="de-DE" dirty="0"/>
-              <a:t>Ergebnisse SIA</a:t>
-            </a:r>
-          </a:p>
-        </p:txBody>
-      </p:sp>
-      <p:sp>
-        <p:nvSpPr>
-          <p:cNvPr id="3" name="Inhaltsplatzhalter 2">
-            <a:extLst>
-              <a:ext uri="{FF2B5EF4-FFF2-40B4-BE49-F238E27FC236}">
-                <a16:creationId xmlns:a16="http://schemas.microsoft.com/office/drawing/2014/main" id="{1BB09249-3043-4117-9F62-FEAA7EA921B5}"/>
-              </a:ext>
-            </a:extLst>
-          </p:cNvPr>
-          <p:cNvSpPr>
-            <a:spLocks noGrp="1"/>
-          </p:cNvSpPr>
-          <p:nvPr>
-            <p:ph idx="1"/>
-          </p:nvPr>
-        </p:nvSpPr>
-        <p:spPr/>
-        <p:txBody>
-          <a:bodyPr/>
-          <a:lstStyle/>
-          <a:p>
-            <a:r>
-              <a:rPr lang="de-DE" dirty="0"/>
-              <a:t>Ergebnisdatei ist mit Vielzahl von sinnlosen Einträgen geflutet</a:t>
-            </a:r>
-          </a:p>
-          <a:p>
-            <a:r>
-              <a:rPr lang="de-DE" dirty="0"/>
-              <a:t>Laufzeit ist im relevanten Bereich von bis zu 1180 Noten etwas schneller als String basierte Suche</a:t>
-            </a:r>
-          </a:p>
-          <a:p>
-            <a:r>
-              <a:rPr lang="de-DE" dirty="0"/>
-              <a:t>Laufzeit danach steigt sehr stark an aufgrund der lexikografischen Sortierung</a:t>
-            </a:r>
-          </a:p>
-          <a:p>
-            <a:r>
-              <a:rPr lang="de-DE" dirty="0"/>
-              <a:t>Kann keine horizontale Spiegelung erkennen</a:t>
-            </a:r>
-          </a:p>
-          <a:p>
-            <a:endParaRPr lang="de-DE" dirty="0"/>
-          </a:p>
-        </p:txBody>
-      </p:sp>
-      <p:sp>
-        <p:nvSpPr>
-          <p:cNvPr id="4" name="Foliennummernplatzhalter 3">
-            <a:extLst>
-              <a:ext uri="{FF2B5EF4-FFF2-40B4-BE49-F238E27FC236}">
-                <a16:creationId xmlns:a16="http://schemas.microsoft.com/office/drawing/2014/main" id="{CEEBEAAC-6306-483B-BBFA-ACE68187CBA1}"/>
-              </a:ext>
-            </a:extLst>
-          </p:cNvPr>
-          <p:cNvSpPr>
-            <a:spLocks noGrp="1"/>
-          </p:cNvSpPr>
-          <p:nvPr>
-            <p:ph type="sldNum" sz="quarter" idx="12"/>
-          </p:nvPr>
-        </p:nvSpPr>
-        <p:spPr/>
-        <p:txBody>
-          <a:bodyPr/>
-          <a:lstStyle/>
-          <a:p>
-            <a:fld id="{0F147071-9974-42BF-81B3-0DE54666D966}" type="slidenum">
-              <a:rPr lang="de-DE" smtClean="0"/>
-              <a:t>17</a:t>
-            </a:fld>
-            <a:endParaRPr lang="de-DE"/>
-          </a:p>
-        </p:txBody>
-      </p:sp>
-    </p:spTree>
-    <p:extLst>
-      <p:ext uri="{BB962C8B-B14F-4D97-AF65-F5344CB8AC3E}">
-        <p14:creationId xmlns:p14="http://schemas.microsoft.com/office/powerpoint/2010/main" val="2196218325"/>
-      </p:ext>
-    </p:extLst>
-  </p:cSld>
-  <p:clrMapOvr>
-    <a:masterClrMapping/>
-  </p:clrMapOvr>
-</p:sld>
-</file>
-
-<file path=ppt/slides/slide18.xml><?xml version="1.0" encoding="utf-8"?>
-<p:sld xmlns:a="http://schemas.openxmlformats.org/drawingml/2006/main" xmlns:r="http://schemas.openxmlformats.org/officeDocument/2006/relationships" xmlns:p="http://schemas.openxmlformats.org/presentationml/2006/main">
-  <p:cSld>
-    <p:spTree>
-      <p:nvGrpSpPr>
-        <p:cNvPr id="1" name=""/>
-        <p:cNvGrpSpPr/>
-        <p:nvPr/>
-      </p:nvGrpSpPr>
-      <p:grpSpPr>
-        <a:xfrm>
-          <a:off x="0" y="0"/>
-          <a:ext cx="0" cy="0"/>
-          <a:chOff x="0" y="0"/>
-          <a:chExt cx="0" cy="0"/>
-        </a:xfrm>
-      </p:grpSpPr>
-      <p:sp>
-        <p:nvSpPr>
-          <p:cNvPr id="2" name="Titel 1">
-            <a:extLst>
-              <a:ext uri="{FF2B5EF4-FFF2-40B4-BE49-F238E27FC236}">
-                <a16:creationId xmlns:a16="http://schemas.microsoft.com/office/drawing/2014/main" id="{F80E3DF5-B077-4593-A44F-C30F33AB5B50}"/>
-              </a:ext>
-            </a:extLst>
-          </p:cNvPr>
-          <p:cNvSpPr>
-            <a:spLocks noGrp="1"/>
-          </p:cNvSpPr>
-          <p:nvPr>
-            <p:ph type="title"/>
-          </p:nvPr>
-        </p:nvSpPr>
-        <p:spPr/>
-        <p:txBody>
-          <a:bodyPr/>
-          <a:lstStyle/>
-          <a:p>
-            <a:r>
-              <a:rPr lang="de-DE"/>
-              <a:t>Ergebnis Laufzeit</a:t>
-            </a:r>
-            <a:endParaRPr lang="de-DE" dirty="0"/>
-          </a:p>
-        </p:txBody>
-      </p:sp>
-      <p:pic>
-        <p:nvPicPr>
-          <p:cNvPr id="6" name="Inhaltsplatzhalter 5" descr="Ein Bild, das Screenshot enthält.&#10;&#10;Automatisch generierte Beschreibung">
-            <a:extLst>
-              <a:ext uri="{FF2B5EF4-FFF2-40B4-BE49-F238E27FC236}">
-                <a16:creationId xmlns:a16="http://schemas.microsoft.com/office/drawing/2014/main" id="{3730C3D4-1142-45F9-9840-2B41FA9C7CA6}"/>
-              </a:ext>
-            </a:extLst>
-          </p:cNvPr>
-          <p:cNvPicPr>
-            <a:picLocks noGrp="1" noChangeAspect="1"/>
-          </p:cNvPicPr>
-          <p:nvPr>
-            <p:ph idx="1"/>
-          </p:nvPr>
-        </p:nvPicPr>
-        <p:blipFill>
-          <a:blip r:embed="rId2">
-            <a:extLst>
-              <a:ext uri="{28A0092B-C50C-407E-A947-70E740481C1C}">
-                <a14:useLocalDpi xmlns:a14="http://schemas.microsoft.com/office/drawing/2010/main" val="0"/>
-              </a:ext>
-            </a:extLst>
-          </a:blip>
-          <a:stretch>
-            <a:fillRect/>
-          </a:stretch>
-        </p:blipFill>
-        <p:spPr>
-          <a:xfrm>
-            <a:off x="88913" y="1156996"/>
-            <a:ext cx="11456976" cy="5576606"/>
-          </a:xfrm>
-        </p:spPr>
-      </p:pic>
-      <p:sp>
-        <p:nvSpPr>
-          <p:cNvPr id="4" name="Foliennummernplatzhalter 3">
-            <a:extLst>
-              <a:ext uri="{FF2B5EF4-FFF2-40B4-BE49-F238E27FC236}">
-                <a16:creationId xmlns:a16="http://schemas.microsoft.com/office/drawing/2014/main" id="{2B42E4BB-4251-416F-B06C-681ED22DA293}"/>
-              </a:ext>
-            </a:extLst>
-          </p:cNvPr>
-          <p:cNvSpPr>
-            <a:spLocks noGrp="1"/>
-          </p:cNvSpPr>
-          <p:nvPr>
-            <p:ph type="sldNum" sz="quarter" idx="12"/>
-          </p:nvPr>
-        </p:nvSpPr>
-        <p:spPr/>
-        <p:txBody>
-          <a:bodyPr/>
-          <a:lstStyle/>
-          <a:p>
-            <a:fld id="{0F147071-9974-42BF-81B3-0DE54666D966}" type="slidenum">
-              <a:rPr lang="de-DE" smtClean="0"/>
-              <a:t>18</a:t>
-            </a:fld>
-            <a:endParaRPr lang="de-DE"/>
-          </a:p>
-        </p:txBody>
-      </p:sp>
-    </p:spTree>
-    <p:extLst>
-      <p:ext uri="{BB962C8B-B14F-4D97-AF65-F5344CB8AC3E}">
-        <p14:creationId xmlns:p14="http://schemas.microsoft.com/office/powerpoint/2010/main" val="1451273368"/>
-      </p:ext>
-    </p:extLst>
-  </p:cSld>
-  <p:clrMapOvr>
-    <a:masterClrMapping/>
-  </p:clrMapOvr>
-</p:sld>
-</file>
-
-<file path=ppt/slides/slide19.xml><?xml version="1.0" encoding="utf-8"?>
-<p:sld xmlns:a="http://schemas.openxmlformats.org/drawingml/2006/main" xmlns:r="http://schemas.openxmlformats.org/officeDocument/2006/relationships" xmlns:p="http://schemas.openxmlformats.org/presentationml/2006/main">
-  <p:cSld>
-    <p:spTree>
-      <p:nvGrpSpPr>
-        <p:cNvPr id="1" name=""/>
-        <p:cNvGrpSpPr/>
-        <p:nvPr/>
-      </p:nvGrpSpPr>
-      <p:grpSpPr>
-        <a:xfrm>
-          <a:off x="0" y="0"/>
-          <a:ext cx="0" cy="0"/>
-          <a:chOff x="0" y="0"/>
-          <a:chExt cx="0" cy="0"/>
-        </a:xfrm>
-      </p:grpSpPr>
-      <p:sp>
-        <p:nvSpPr>
-          <p:cNvPr id="2" name="Titel 1">
-            <a:extLst>
-              <a:ext uri="{FF2B5EF4-FFF2-40B4-BE49-F238E27FC236}">
-                <a16:creationId xmlns:a16="http://schemas.microsoft.com/office/drawing/2014/main" id="{ABE06259-A606-42EB-8F5C-6ACD0098AC9B}"/>
-              </a:ext>
-            </a:extLst>
-          </p:cNvPr>
-          <p:cNvSpPr>
-            <a:spLocks noGrp="1"/>
-          </p:cNvSpPr>
-          <p:nvPr>
-            <p:ph type="title"/>
-          </p:nvPr>
-        </p:nvSpPr>
-        <p:spPr/>
-        <p:txBody>
-          <a:bodyPr/>
-          <a:lstStyle/>
-          <a:p>
-            <a:r>
-              <a:rPr lang="de-DE" dirty="0"/>
-              <a:t>Zusammenfassung der Ergebnisse</a:t>
-            </a:r>
-          </a:p>
-        </p:txBody>
-      </p:sp>
-      <p:sp>
-        <p:nvSpPr>
-          <p:cNvPr id="3" name="Inhaltsplatzhalter 2">
-            <a:extLst>
-              <a:ext uri="{FF2B5EF4-FFF2-40B4-BE49-F238E27FC236}">
-                <a16:creationId xmlns:a16="http://schemas.microsoft.com/office/drawing/2014/main" id="{B8EC34A0-AD55-4E7F-BD6B-F07542EF0A5B}"/>
-              </a:ext>
-            </a:extLst>
-          </p:cNvPr>
-          <p:cNvSpPr>
-            <a:spLocks noGrp="1"/>
-          </p:cNvSpPr>
-          <p:nvPr>
-            <p:ph idx="1"/>
-          </p:nvPr>
-        </p:nvSpPr>
-        <p:spPr>
-          <a:xfrm>
-            <a:off x="607582" y="1853248"/>
-            <a:ext cx="10976835" cy="4186825"/>
-          </a:xfrm>
-        </p:spPr>
-        <p:txBody>
-          <a:bodyPr>
-            <a:normAutofit/>
-          </a:bodyPr>
-          <a:lstStyle/>
-          <a:p>
-            <a:r>
-              <a:rPr lang="de-DE" dirty="0"/>
-              <a:t>CNN mit Spektrum</a:t>
-            </a:r>
-          </a:p>
-          <a:p>
-            <a:pPr lvl="1"/>
-            <a:r>
-              <a:rPr lang="de-DE" dirty="0"/>
-              <a:t>Um Aussage treffen zu können ob die Funktioniert wird eine Menge an Hardware benötigt</a:t>
-            </a:r>
-          </a:p>
-          <a:p>
-            <a:pPr lvl="1"/>
-            <a:r>
-              <a:rPr lang="de-DE" dirty="0"/>
-              <a:t>Besitzt wahrscheinlich selbes Problem wie CNN mit SIA</a:t>
-            </a:r>
-          </a:p>
-          <a:p>
-            <a:r>
-              <a:rPr lang="de-DE" dirty="0"/>
-              <a:t>CNN </a:t>
-            </a:r>
-            <a:r>
-              <a:rPr lang="de-DE"/>
-              <a:t>mit SIA</a:t>
-            </a:r>
-            <a:endParaRPr lang="de-DE" dirty="0"/>
-          </a:p>
-          <a:p>
-            <a:pPr lvl="1"/>
-            <a:r>
-              <a:rPr lang="de-DE" dirty="0"/>
-              <a:t>Fehler teilweise in den Trainingsdaten</a:t>
-            </a:r>
-          </a:p>
-          <a:p>
-            <a:pPr lvl="1"/>
-            <a:r>
-              <a:rPr lang="de-DE" dirty="0"/>
-              <a:t>Falsches Anwendungsgebiet ausgewählt</a:t>
-            </a:r>
-          </a:p>
-          <a:p>
-            <a:pPr marL="457200" lvl="1" indent="0">
-              <a:buNone/>
-            </a:pPr>
-            <a:endParaRPr lang="de-DE" dirty="0"/>
-          </a:p>
-          <a:p>
-            <a:pPr lvl="1"/>
-            <a:endParaRPr lang="de-DE" dirty="0"/>
-          </a:p>
-          <a:p>
-            <a:pPr lvl="1"/>
-            <a:endParaRPr lang="de-DE" dirty="0"/>
-          </a:p>
-        </p:txBody>
-      </p:sp>
-      <p:sp>
-        <p:nvSpPr>
-          <p:cNvPr id="4" name="Foliennummernplatzhalter 3">
-            <a:extLst>
-              <a:ext uri="{FF2B5EF4-FFF2-40B4-BE49-F238E27FC236}">
-                <a16:creationId xmlns:a16="http://schemas.microsoft.com/office/drawing/2014/main" id="{8F4379EE-136D-4630-B0FA-9DC8501D8705}"/>
-              </a:ext>
-            </a:extLst>
-          </p:cNvPr>
-          <p:cNvSpPr>
-            <a:spLocks noGrp="1"/>
-          </p:cNvSpPr>
-          <p:nvPr>
-            <p:ph type="sldNum" sz="quarter" idx="12"/>
-          </p:nvPr>
-        </p:nvSpPr>
-        <p:spPr/>
-        <p:txBody>
-          <a:bodyPr/>
-          <a:lstStyle/>
-          <a:p>
-            <a:fld id="{0F147071-9974-42BF-81B3-0DE54666D966}" type="slidenum">
-              <a:rPr lang="de-DE" smtClean="0"/>
-              <a:t>19</a:t>
-            </a:fld>
-            <a:endParaRPr lang="de-DE"/>
-          </a:p>
-        </p:txBody>
-      </p:sp>
-    </p:spTree>
-    <p:extLst>
-      <p:ext uri="{BB962C8B-B14F-4D97-AF65-F5344CB8AC3E}">
-        <p14:creationId xmlns:p14="http://schemas.microsoft.com/office/powerpoint/2010/main" val="920298755"/>
-      </p:ext>
-    </p:extLst>
-  </p:cSld>
-  <p:clrMapOvr>
-    <a:masterClrMapping/>
-  </p:clrMapOvr>
-</p:sld>
-</file>
-
-<file path=ppt/slides/slide2.xml><?xml version="1.0" encoding="utf-8"?>
-<p:sld xmlns:a="http://schemas.openxmlformats.org/drawingml/2006/main" xmlns:r="http://schemas.openxmlformats.org/officeDocument/2006/relationships" xmlns:p="http://schemas.openxmlformats.org/presentationml/2006/main">
-  <p:cSld>
-    <p:spTree>
-      <p:nvGrpSpPr>
-        <p:cNvPr id="1" name=""/>
-        <p:cNvGrpSpPr/>
-        <p:nvPr/>
-      </p:nvGrpSpPr>
-      <p:grpSpPr>
-        <a:xfrm>
-          <a:off x="0" y="0"/>
-          <a:ext cx="0" cy="0"/>
-          <a:chOff x="0" y="0"/>
-          <a:chExt cx="0" cy="0"/>
-        </a:xfrm>
-      </p:grpSpPr>
-      <p:sp>
-        <p:nvSpPr>
-          <p:cNvPr id="2" name="Titel 1">
-            <a:extLst>
-              <a:ext uri="{FF2B5EF4-FFF2-40B4-BE49-F238E27FC236}">
-                <a16:creationId xmlns:a16="http://schemas.microsoft.com/office/drawing/2014/main" id="{C2CF2140-AE54-46E6-BC87-2DEF009E3C31}"/>
-              </a:ext>
-            </a:extLst>
-          </p:cNvPr>
-          <p:cNvSpPr>
-            <a:spLocks noGrp="1"/>
-          </p:cNvSpPr>
-          <p:nvPr>
-            <p:ph type="title"/>
-          </p:nvPr>
-        </p:nvSpPr>
-        <p:spPr/>
-        <p:txBody>
-          <a:bodyPr/>
-          <a:lstStyle/>
-          <a:p>
-            <a:r>
-              <a:rPr lang="de-DE" dirty="0"/>
-              <a:t>Problemstellung</a:t>
-            </a:r>
-          </a:p>
-        </p:txBody>
-      </p:sp>
-      <p:sp>
-        <p:nvSpPr>
-          <p:cNvPr id="3" name="Inhaltsplatzhalter 2">
-            <a:extLst>
-              <a:ext uri="{FF2B5EF4-FFF2-40B4-BE49-F238E27FC236}">
-                <a16:creationId xmlns:a16="http://schemas.microsoft.com/office/drawing/2014/main" id="{CA8859BE-5760-4D1F-A627-87AE58DCB28E}"/>
-              </a:ext>
-            </a:extLst>
-          </p:cNvPr>
-          <p:cNvSpPr>
-            <a:spLocks noGrp="1"/>
-          </p:cNvSpPr>
-          <p:nvPr>
-            <p:ph idx="1"/>
-          </p:nvPr>
-        </p:nvSpPr>
-        <p:spPr/>
-        <p:txBody>
-          <a:bodyPr/>
-          <a:lstStyle/>
-          <a:p>
-            <a:r>
-              <a:rPr lang="de-DE" dirty="0"/>
-              <a:t>Welche Methoden sollen ausgewählt werden?</a:t>
-            </a:r>
-          </a:p>
-          <a:p>
-            <a:r>
-              <a:rPr lang="de-DE" dirty="0"/>
-              <a:t>Umsetzung von Verfahren zur Pattern Erkennung</a:t>
-            </a:r>
-          </a:p>
-          <a:p>
-            <a:pPr lvl="1"/>
-            <a:r>
-              <a:rPr lang="de-DE" dirty="0"/>
-              <a:t>Welche Pattern sollen erkannt werden?</a:t>
-            </a:r>
-          </a:p>
-          <a:p>
-            <a:pPr lvl="1"/>
-            <a:r>
-              <a:rPr lang="de-DE" dirty="0"/>
-              <a:t>Verschiedene Speicherstrukturen</a:t>
-            </a:r>
-          </a:p>
-          <a:p>
-            <a:pPr lvl="1"/>
-            <a:r>
-              <a:rPr lang="de-DE" dirty="0"/>
-              <a:t>Wie können diese sinnvoll Umgesetzt werden</a:t>
-            </a:r>
-          </a:p>
-          <a:p>
-            <a:r>
-              <a:rPr lang="de-DE" dirty="0"/>
-              <a:t>Breites Spektrum an Verfahren abdecken</a:t>
-            </a:r>
-          </a:p>
-          <a:p>
-            <a:r>
-              <a:rPr lang="de-DE" dirty="0"/>
-              <a:t>Hauptziel bestand darin:</a:t>
-            </a:r>
-          </a:p>
-          <a:p>
-            <a:pPr lvl="1"/>
-            <a:r>
-              <a:rPr lang="de-DE" dirty="0"/>
-              <a:t>Ergebnisdatei zu Erstellen in welchem Pattern enthalten sind</a:t>
-            </a:r>
-          </a:p>
-          <a:p>
-            <a:pPr lvl="1"/>
-            <a:r>
-              <a:rPr lang="de-DE" dirty="0"/>
-              <a:t>Performance zu testen hinsichtlich Rechenzeit und Anzahl der gefundenen Pattern</a:t>
-            </a:r>
-          </a:p>
-          <a:p>
-            <a:endParaRPr lang="de-DE" dirty="0"/>
-          </a:p>
-        </p:txBody>
-      </p:sp>
-      <p:sp>
-        <p:nvSpPr>
-          <p:cNvPr id="4" name="Foliennummernplatzhalter 3">
-            <a:extLst>
-              <a:ext uri="{FF2B5EF4-FFF2-40B4-BE49-F238E27FC236}">
-                <a16:creationId xmlns:a16="http://schemas.microsoft.com/office/drawing/2014/main" id="{29E68ED1-DF05-4550-BB85-E773A1F9F3F6}"/>
-              </a:ext>
-            </a:extLst>
-          </p:cNvPr>
-          <p:cNvSpPr>
-            <a:spLocks noGrp="1"/>
-          </p:cNvSpPr>
-          <p:nvPr>
-            <p:ph type="sldNum" sz="quarter" idx="12"/>
-          </p:nvPr>
-        </p:nvSpPr>
-        <p:spPr/>
-        <p:txBody>
-          <a:bodyPr/>
-          <a:lstStyle/>
-          <a:p>
-            <a:fld id="{0F147071-9974-42BF-81B3-0DE54666D966}" type="slidenum">
-              <a:rPr lang="de-DE" smtClean="0"/>
-              <a:t>2</a:t>
-            </a:fld>
-            <a:endParaRPr lang="de-DE"/>
-          </a:p>
-        </p:txBody>
-      </p:sp>
-    </p:spTree>
-    <p:extLst>
-      <p:ext uri="{BB962C8B-B14F-4D97-AF65-F5344CB8AC3E}">
-        <p14:creationId xmlns:p14="http://schemas.microsoft.com/office/powerpoint/2010/main" val="918060762"/>
-      </p:ext>
-    </p:extLst>
-  </p:cSld>
-  <p:clrMapOvr>
-    <a:masterClrMapping/>
-  </p:clrMapOvr>
-</p:sld>
-</file>
-
-<file path=ppt/slides/slide20.xml><?xml version="1.0" encoding="utf-8"?>
-<p:sld xmlns:a="http://schemas.openxmlformats.org/drawingml/2006/main" xmlns:r="http://schemas.openxmlformats.org/officeDocument/2006/relationships" xmlns:p="http://schemas.openxmlformats.org/presentationml/2006/main">
-  <p:cSld>
-    <p:spTree>
-      <p:nvGrpSpPr>
-        <p:cNvPr id="1" name=""/>
-        <p:cNvGrpSpPr/>
-        <p:nvPr/>
-      </p:nvGrpSpPr>
-      <p:grpSpPr>
-        <a:xfrm>
-          <a:off x="0" y="0"/>
-          <a:ext cx="0" cy="0"/>
-          <a:chOff x="0" y="0"/>
-          <a:chExt cx="0" cy="0"/>
-        </a:xfrm>
-      </p:grpSpPr>
-      <p:sp>
-        <p:nvSpPr>
-          <p:cNvPr id="2" name="Titel 1">
-            <a:extLst>
-              <a:ext uri="{FF2B5EF4-FFF2-40B4-BE49-F238E27FC236}">
-                <a16:creationId xmlns:a16="http://schemas.microsoft.com/office/drawing/2014/main" id="{ADEEA8F5-021D-4950-B9BD-35053D446AF6}"/>
-              </a:ext>
-            </a:extLst>
-          </p:cNvPr>
-          <p:cNvSpPr>
-            <a:spLocks noGrp="1"/>
-          </p:cNvSpPr>
-          <p:nvPr>
-            <p:ph type="title"/>
-          </p:nvPr>
-        </p:nvSpPr>
-        <p:spPr/>
-        <p:txBody>
-          <a:bodyPr/>
-          <a:lstStyle/>
-          <a:p>
-            <a:r>
-              <a:rPr lang="de-DE" dirty="0"/>
-              <a:t>Zusammenfassung der Ergebnisse</a:t>
-            </a:r>
-          </a:p>
-        </p:txBody>
-      </p:sp>
-      <p:sp>
-        <p:nvSpPr>
-          <p:cNvPr id="3" name="Inhaltsplatzhalter 2">
-            <a:extLst>
-              <a:ext uri="{FF2B5EF4-FFF2-40B4-BE49-F238E27FC236}">
-                <a16:creationId xmlns:a16="http://schemas.microsoft.com/office/drawing/2014/main" id="{C156166F-837D-40FB-A67C-9BC48AE48B8F}"/>
-              </a:ext>
-            </a:extLst>
-          </p:cNvPr>
-          <p:cNvSpPr>
-            <a:spLocks noGrp="1"/>
-          </p:cNvSpPr>
-          <p:nvPr>
-            <p:ph idx="1"/>
-          </p:nvPr>
-        </p:nvSpPr>
-        <p:spPr>
-          <a:xfrm>
-            <a:off x="1103312" y="1375794"/>
-            <a:ext cx="8946541" cy="5259898"/>
-          </a:xfrm>
-        </p:spPr>
-        <p:txBody>
-          <a:bodyPr>
-            <a:normAutofit fontScale="85000" lnSpcReduction="20000"/>
-          </a:bodyPr>
-          <a:lstStyle/>
-          <a:p>
-            <a:r>
-              <a:rPr lang="de-DE" dirty="0"/>
-              <a:t>String basierte Patternsuche</a:t>
-            </a:r>
-          </a:p>
-          <a:p>
-            <a:pPr lvl="1"/>
-            <a:r>
-              <a:rPr lang="de-DE" dirty="0"/>
-              <a:t>Vertretbare Laufzeit</a:t>
-            </a:r>
-          </a:p>
-          <a:p>
-            <a:pPr lvl="1"/>
-            <a:r>
-              <a:rPr lang="de-DE" dirty="0"/>
-              <a:t>Sehr gute Ergebnisse</a:t>
-            </a:r>
-          </a:p>
-          <a:p>
-            <a:pPr lvl="1"/>
-            <a:r>
-              <a:rPr lang="de-DE" dirty="0"/>
-              <a:t>Somit auf einer höhe mit Matrix basierter Suche</a:t>
-            </a:r>
-          </a:p>
-          <a:p>
-            <a:r>
-              <a:rPr lang="de-DE" dirty="0"/>
-              <a:t>Matrix basierte Patternsuche</a:t>
-            </a:r>
-          </a:p>
-          <a:p>
-            <a:pPr lvl="1"/>
-            <a:r>
-              <a:rPr lang="de-DE" dirty="0"/>
-              <a:t>Sehr gute Laufzeit</a:t>
-            </a:r>
-          </a:p>
-          <a:p>
-            <a:pPr lvl="1"/>
-            <a:r>
-              <a:rPr lang="de-DE" dirty="0"/>
-              <a:t>Gute Ergebnisse, welche aber mit Post-Processing auf sehr gute Ergebnisse gehoben werden können</a:t>
-            </a:r>
-          </a:p>
-          <a:p>
-            <a:pPr lvl="1"/>
-            <a:r>
-              <a:rPr lang="de-DE" dirty="0"/>
-              <a:t>Ohne Post-Processing auf einer höhe mit String basierter Suche</a:t>
-            </a:r>
-          </a:p>
-          <a:p>
-            <a:pPr lvl="1"/>
-            <a:r>
-              <a:rPr lang="de-DE" dirty="0"/>
-              <a:t>Mit Post-Processing bester der drei verbliebenen Algorithmen</a:t>
-            </a:r>
-          </a:p>
-          <a:p>
-            <a:r>
-              <a:rPr lang="de-DE" dirty="0"/>
-              <a:t>SIA</a:t>
-            </a:r>
-          </a:p>
-          <a:p>
-            <a:pPr lvl="1"/>
-            <a:r>
-              <a:rPr lang="de-DE" dirty="0"/>
-              <a:t>Gute Laufzeit für einen Großteil an Musikstücken</a:t>
-            </a:r>
-          </a:p>
-          <a:p>
-            <a:pPr lvl="1"/>
-            <a:r>
-              <a:rPr lang="de-DE" dirty="0"/>
-              <a:t>Schlechte </a:t>
-            </a:r>
-            <a:r>
-              <a:rPr lang="de-DE" dirty="0" err="1"/>
-              <a:t>Ergebnissqualität</a:t>
-            </a:r>
-            <a:endParaRPr lang="de-DE" dirty="0"/>
-          </a:p>
-          <a:p>
-            <a:pPr lvl="1"/>
-            <a:r>
-              <a:rPr lang="de-DE" dirty="0" err="1"/>
-              <a:t>Ergebnissqualität</a:t>
-            </a:r>
-            <a:r>
-              <a:rPr lang="de-DE" dirty="0"/>
-              <a:t> kann nur mit viel Aufwand verbessert werden</a:t>
-            </a:r>
-          </a:p>
-          <a:p>
-            <a:pPr lvl="1"/>
-            <a:r>
-              <a:rPr lang="de-DE" dirty="0"/>
-              <a:t>Kann nicht alle Pattern Arten erkennen</a:t>
-            </a:r>
-          </a:p>
-          <a:p>
-            <a:pPr lvl="1"/>
-            <a:r>
-              <a:rPr lang="de-DE" dirty="0"/>
-              <a:t>SIA ist der schlechteste Algorithmus von allen, da die Ergebnisse ohne Post-Processing unbrauchbar sind, die Laufzeit schnell eskalieren kann und nicht alle Pattern erkannt werden konnten</a:t>
-            </a:r>
-          </a:p>
-          <a:p>
-            <a:endParaRPr lang="de-DE" dirty="0"/>
-          </a:p>
-        </p:txBody>
-      </p:sp>
-      <p:sp>
-        <p:nvSpPr>
-          <p:cNvPr id="4" name="Foliennummernplatzhalter 3">
-            <a:extLst>
-              <a:ext uri="{FF2B5EF4-FFF2-40B4-BE49-F238E27FC236}">
-                <a16:creationId xmlns:a16="http://schemas.microsoft.com/office/drawing/2014/main" id="{BF5EFFAA-438C-4F2A-9ECD-1C53184E77E1}"/>
-              </a:ext>
-            </a:extLst>
-          </p:cNvPr>
-          <p:cNvSpPr>
-            <a:spLocks noGrp="1"/>
-          </p:cNvSpPr>
-          <p:nvPr>
-            <p:ph type="sldNum" sz="quarter" idx="12"/>
-          </p:nvPr>
-        </p:nvSpPr>
-        <p:spPr/>
-        <p:txBody>
-          <a:bodyPr/>
-          <a:lstStyle/>
-          <a:p>
-            <a:fld id="{0F147071-9974-42BF-81B3-0DE54666D966}" type="slidenum">
-              <a:rPr lang="de-DE" smtClean="0"/>
-              <a:t>20</a:t>
-            </a:fld>
-            <a:endParaRPr lang="de-DE"/>
-          </a:p>
-        </p:txBody>
-      </p:sp>
-    </p:spTree>
-    <p:extLst>
-      <p:ext uri="{BB962C8B-B14F-4D97-AF65-F5344CB8AC3E}">
-        <p14:creationId xmlns:p14="http://schemas.microsoft.com/office/powerpoint/2010/main" val="578035328"/>
-      </p:ext>
-    </p:extLst>
-  </p:cSld>
-  <p:clrMapOvr>
-    <a:masterClrMapping/>
-  </p:clrMapOvr>
-</p:sld>
-</file>
-
-<file path=ppt/slides/slide21.xml><?xml version="1.0" encoding="utf-8"?>
-<p:sld xmlns:a="http://schemas.openxmlformats.org/drawingml/2006/main" xmlns:r="http://schemas.openxmlformats.org/officeDocument/2006/relationships" xmlns:p="http://schemas.openxmlformats.org/presentationml/2006/main">
-  <p:cSld>
-    <p:spTree>
-      <p:nvGrpSpPr>
-        <p:cNvPr id="1" name=""/>
-        <p:cNvGrpSpPr/>
-        <p:nvPr/>
-      </p:nvGrpSpPr>
-      <p:grpSpPr>
-        <a:xfrm>
-          <a:off x="0" y="0"/>
-          <a:ext cx="0" cy="0"/>
-          <a:chOff x="0" y="0"/>
-          <a:chExt cx="0" cy="0"/>
-        </a:xfrm>
-      </p:grpSpPr>
-      <p:sp>
-        <p:nvSpPr>
-          <p:cNvPr id="2" name="Titel 1">
-            <a:extLst>
-              <a:ext uri="{FF2B5EF4-FFF2-40B4-BE49-F238E27FC236}">
-                <a16:creationId xmlns:a16="http://schemas.microsoft.com/office/drawing/2014/main" id="{7CE623CC-479A-42E2-A977-B0036A684018}"/>
-              </a:ext>
-            </a:extLst>
-          </p:cNvPr>
-          <p:cNvSpPr>
-            <a:spLocks noGrp="1"/>
-          </p:cNvSpPr>
-          <p:nvPr>
-            <p:ph type="title"/>
-          </p:nvPr>
-        </p:nvSpPr>
-        <p:spPr>
-          <a:xfrm>
-            <a:off x="2315583" y="2080182"/>
-            <a:ext cx="7560833" cy="3188105"/>
-          </a:xfrm>
-        </p:spPr>
-        <p:txBody>
-          <a:bodyPr/>
-          <a:lstStyle/>
-          <a:p>
-            <a:pPr algn="ctr"/>
-            <a:r>
-              <a:rPr lang="de-DE" sz="7200" dirty="0"/>
-              <a:t>Danke für die Aufmerksamkeit</a:t>
-            </a:r>
-          </a:p>
-        </p:txBody>
-      </p:sp>
-      <p:sp>
-        <p:nvSpPr>
-          <p:cNvPr id="4" name="Foliennummernplatzhalter 3">
-            <a:extLst>
-              <a:ext uri="{FF2B5EF4-FFF2-40B4-BE49-F238E27FC236}">
-                <a16:creationId xmlns:a16="http://schemas.microsoft.com/office/drawing/2014/main" id="{802C0E25-4AEC-4468-8F04-482A0EFCEF6C}"/>
-              </a:ext>
-            </a:extLst>
-          </p:cNvPr>
-          <p:cNvSpPr>
-            <a:spLocks noGrp="1"/>
-          </p:cNvSpPr>
-          <p:nvPr>
-            <p:ph type="sldNum" sz="quarter" idx="12"/>
-          </p:nvPr>
-        </p:nvSpPr>
-        <p:spPr/>
-        <p:txBody>
-          <a:bodyPr/>
-          <a:lstStyle/>
-          <a:p>
-            <a:fld id="{0F147071-9974-42BF-81B3-0DE54666D966}" type="slidenum">
-              <a:rPr lang="de-DE" smtClean="0"/>
-              <a:t>21</a:t>
-            </a:fld>
-            <a:endParaRPr lang="de-DE"/>
-          </a:p>
-        </p:txBody>
-      </p:sp>
-    </p:spTree>
-    <p:extLst>
-      <p:ext uri="{BB962C8B-B14F-4D97-AF65-F5344CB8AC3E}">
-        <p14:creationId xmlns:p14="http://schemas.microsoft.com/office/powerpoint/2010/main" val="323158368"/>
-      </p:ext>
-    </p:extLst>
-  </p:cSld>
-  <p:clrMapOvr>
-    <a:masterClrMapping/>
-  </p:clrMapOvr>
-</p:sld>
-</file>
-
-<file path=ppt/slides/slide3.xml><?xml version="1.0" encoding="utf-8"?>
-<p:sld xmlns:a="http://schemas.openxmlformats.org/drawingml/2006/main" xmlns:r="http://schemas.openxmlformats.org/officeDocument/2006/relationships" xmlns:p="http://schemas.openxmlformats.org/presentationml/2006/main">
-  <p:cSld>
-    <p:spTree>
-      <p:nvGrpSpPr>
-        <p:cNvPr id="1" name=""/>
-        <p:cNvGrpSpPr/>
-        <p:nvPr/>
-      </p:nvGrpSpPr>
-      <p:grpSpPr>
-        <a:xfrm>
-          <a:off x="0" y="0"/>
-          <a:ext cx="0" cy="0"/>
-          <a:chOff x="0" y="0"/>
-          <a:chExt cx="0" cy="0"/>
-        </a:xfrm>
-      </p:grpSpPr>
-      <p:sp>
-        <p:nvSpPr>
-          <p:cNvPr id="2" name="Titel 1">
-            <a:extLst>
-              <a:ext uri="{FF2B5EF4-FFF2-40B4-BE49-F238E27FC236}">
-                <a16:creationId xmlns:a16="http://schemas.microsoft.com/office/drawing/2014/main" id="{5427B8FC-6F4B-4F56-981B-1934F035AF62}"/>
-              </a:ext>
-            </a:extLst>
-          </p:cNvPr>
-          <p:cNvSpPr>
-            <a:spLocks noGrp="1"/>
-          </p:cNvSpPr>
-          <p:nvPr>
-            <p:ph type="title"/>
-          </p:nvPr>
-        </p:nvSpPr>
-        <p:spPr/>
-        <p:txBody>
-          <a:bodyPr/>
-          <a:lstStyle/>
-          <a:p>
-            <a:r>
-              <a:rPr lang="de-DE" dirty="0"/>
-              <a:t>Gliederung</a:t>
-            </a:r>
-          </a:p>
-        </p:txBody>
-      </p:sp>
-      <p:sp>
-        <p:nvSpPr>
-          <p:cNvPr id="3" name="Inhaltsplatzhalter 2">
-            <a:extLst>
-              <a:ext uri="{FF2B5EF4-FFF2-40B4-BE49-F238E27FC236}">
-                <a16:creationId xmlns:a16="http://schemas.microsoft.com/office/drawing/2014/main" id="{D50B40D0-EC44-47C4-B206-E00510E5298E}"/>
-              </a:ext>
-            </a:extLst>
-          </p:cNvPr>
-          <p:cNvSpPr>
-            <a:spLocks noGrp="1"/>
-          </p:cNvSpPr>
-          <p:nvPr>
-            <p:ph idx="1"/>
-          </p:nvPr>
-        </p:nvSpPr>
-        <p:spPr/>
-        <p:txBody>
-          <a:bodyPr>
-            <a:normAutofit fontScale="92500" lnSpcReduction="10000"/>
-          </a:bodyPr>
-          <a:lstStyle/>
-          <a:p>
-            <a:r>
-              <a:rPr lang="de-DE" dirty="0"/>
-              <a:t>Welche Pattern sollen erkannt werden</a:t>
-            </a:r>
-          </a:p>
-          <a:p>
-            <a:r>
-              <a:rPr lang="de-DE" dirty="0"/>
-              <a:t>Verfahren zur Pattern Erkennung</a:t>
-            </a:r>
-          </a:p>
-          <a:p>
-            <a:pPr lvl="1"/>
-            <a:r>
-              <a:rPr lang="de-DE" dirty="0"/>
-              <a:t>String basierte Patternsuche</a:t>
-            </a:r>
-          </a:p>
-          <a:p>
-            <a:pPr lvl="1"/>
-            <a:r>
-              <a:rPr lang="de-DE" dirty="0"/>
-              <a:t>Matrix basierte Patternsuche</a:t>
-            </a:r>
-          </a:p>
-          <a:p>
-            <a:pPr lvl="1"/>
-            <a:r>
-              <a:rPr lang="de-DE" dirty="0"/>
-              <a:t>Vektorgeometrische Patternsuche SIA</a:t>
-            </a:r>
-          </a:p>
-          <a:p>
-            <a:pPr lvl="1"/>
-            <a:r>
-              <a:rPr lang="de-DE" dirty="0"/>
-              <a:t>Convolutional neuronal Network mit Spektren</a:t>
-            </a:r>
-          </a:p>
-          <a:p>
-            <a:pPr lvl="1"/>
-            <a:r>
-              <a:rPr lang="de-DE" dirty="0"/>
-              <a:t>CNN mit SIA Koordinatensystem</a:t>
-            </a:r>
-          </a:p>
-          <a:p>
-            <a:r>
-              <a:rPr lang="de-DE" dirty="0"/>
-              <a:t>Datenerhebung</a:t>
-            </a:r>
-          </a:p>
-          <a:p>
-            <a:r>
-              <a:rPr lang="de-DE" dirty="0"/>
-              <a:t>Verfahren welche nicht Funktionierten</a:t>
-            </a:r>
-          </a:p>
-          <a:p>
-            <a:r>
-              <a:rPr lang="de-DE" dirty="0"/>
-              <a:t>Ergebnisse</a:t>
-            </a:r>
-          </a:p>
-          <a:p>
-            <a:r>
-              <a:rPr lang="de-DE" dirty="0"/>
-              <a:t>Zusammenfassung der Ergebnisse</a:t>
-            </a:r>
-          </a:p>
-        </p:txBody>
-      </p:sp>
-      <p:sp>
-        <p:nvSpPr>
-          <p:cNvPr id="4" name="Foliennummernplatzhalter 3">
-            <a:extLst>
-              <a:ext uri="{FF2B5EF4-FFF2-40B4-BE49-F238E27FC236}">
-                <a16:creationId xmlns:a16="http://schemas.microsoft.com/office/drawing/2014/main" id="{957F536A-295A-404A-AB3F-BDE2960C8219}"/>
-              </a:ext>
-            </a:extLst>
-          </p:cNvPr>
-          <p:cNvSpPr>
-            <a:spLocks noGrp="1"/>
-          </p:cNvSpPr>
-          <p:nvPr>
-            <p:ph type="sldNum" sz="quarter" idx="12"/>
-          </p:nvPr>
-        </p:nvSpPr>
-        <p:spPr/>
-        <p:txBody>
-          <a:bodyPr/>
-          <a:lstStyle/>
-          <a:p>
-            <a:fld id="{0F147071-9974-42BF-81B3-0DE54666D966}" type="slidenum">
-              <a:rPr lang="de-DE" smtClean="0"/>
-              <a:t>3</a:t>
-            </a:fld>
-            <a:endParaRPr lang="de-DE"/>
-          </a:p>
-        </p:txBody>
-      </p:sp>
-    </p:spTree>
-    <p:extLst>
-      <p:ext uri="{BB962C8B-B14F-4D97-AF65-F5344CB8AC3E}">
-        <p14:creationId xmlns:p14="http://schemas.microsoft.com/office/powerpoint/2010/main" val="1924795309"/>
-      </p:ext>
-    </p:extLst>
-  </p:cSld>
-  <p:clrMapOvr>
-    <a:masterClrMapping/>
-  </p:clrMapOvr>
-</p:sld>
-</file>
-
-<file path=ppt/slides/slide4.xml><?xml version="1.0" encoding="utf-8"?>
-<p:sld xmlns:a="http://schemas.openxmlformats.org/drawingml/2006/main" xmlns:r="http://schemas.openxmlformats.org/officeDocument/2006/relationships" xmlns:p="http://schemas.openxmlformats.org/presentationml/2006/main">
-  <p:cSld>
-    <p:spTree>
-      <p:nvGrpSpPr>
-        <p:cNvPr id="1" name=""/>
-        <p:cNvGrpSpPr/>
-        <p:nvPr/>
-      </p:nvGrpSpPr>
-      <p:grpSpPr>
-        <a:xfrm>
-          <a:off x="0" y="0"/>
-          <a:ext cx="0" cy="0"/>
-          <a:chOff x="0" y="0"/>
-          <a:chExt cx="0" cy="0"/>
-        </a:xfrm>
-      </p:grpSpPr>
-      <p:sp>
-        <p:nvSpPr>
-          <p:cNvPr id="2" name="Titel 1">
-            <a:extLst>
-              <a:ext uri="{FF2B5EF4-FFF2-40B4-BE49-F238E27FC236}">
-                <a16:creationId xmlns:a16="http://schemas.microsoft.com/office/drawing/2014/main" id="{06CEB8CF-785C-4B13-8BEB-3DAD4D3FB184}"/>
-              </a:ext>
-            </a:extLst>
-          </p:cNvPr>
-          <p:cNvSpPr>
-            <a:spLocks noGrp="1"/>
-          </p:cNvSpPr>
-          <p:nvPr>
-            <p:ph type="title"/>
-          </p:nvPr>
-        </p:nvSpPr>
-        <p:spPr/>
-        <p:txBody>
-          <a:bodyPr/>
-          <a:lstStyle/>
-          <a:p>
-            <a:r>
-              <a:rPr lang="de-DE" dirty="0"/>
-              <a:t>Welche Pattern sollen erkannt werden?</a:t>
-            </a:r>
-          </a:p>
-        </p:txBody>
-      </p:sp>
-      <p:sp>
-        <p:nvSpPr>
-          <p:cNvPr id="3" name="Inhaltsplatzhalter 2">
-            <a:extLst>
-              <a:ext uri="{FF2B5EF4-FFF2-40B4-BE49-F238E27FC236}">
-                <a16:creationId xmlns:a16="http://schemas.microsoft.com/office/drawing/2014/main" id="{F24472FE-2FD7-4435-ADE6-4584FD8DE424}"/>
-              </a:ext>
-            </a:extLst>
-          </p:cNvPr>
-          <p:cNvSpPr>
-            <a:spLocks noGrp="1"/>
-          </p:cNvSpPr>
-          <p:nvPr>
-            <p:ph idx="1"/>
-          </p:nvPr>
-        </p:nvSpPr>
-        <p:spPr/>
-        <p:txBody>
-          <a:bodyPr/>
-          <a:lstStyle/>
-          <a:p>
-            <a:r>
-              <a:rPr lang="de-DE" dirty="0"/>
-              <a:t>Wiederholung</a:t>
-            </a:r>
-          </a:p>
-          <a:p>
-            <a:r>
-              <a:rPr lang="de-DE" dirty="0"/>
-              <a:t>Keychange </a:t>
-            </a:r>
-          </a:p>
-          <a:p>
-            <a:r>
-              <a:rPr lang="de-DE" dirty="0"/>
-              <a:t>Horizontale Spiegelung</a:t>
-            </a:r>
-          </a:p>
-          <a:p>
-            <a:r>
-              <a:rPr lang="de-DE" dirty="0"/>
-              <a:t>Wiederholung und Keychange sind Grundpattern welches in jedem Lied vorhanden ist</a:t>
-            </a:r>
-          </a:p>
-          <a:p>
-            <a:r>
-              <a:rPr lang="de-DE" dirty="0"/>
-              <a:t>Abwägung zwischen horizontaler und vertikaler Spiegelung zugunsten der horizontalen Spiegelung -&gt; ist gebräuchlicher</a:t>
-            </a:r>
-          </a:p>
-          <a:p>
-            <a:endParaRPr lang="de-DE" dirty="0"/>
-          </a:p>
-        </p:txBody>
-      </p:sp>
-      <p:sp>
-        <p:nvSpPr>
-          <p:cNvPr id="4" name="Foliennummernplatzhalter 3">
-            <a:extLst>
-              <a:ext uri="{FF2B5EF4-FFF2-40B4-BE49-F238E27FC236}">
-                <a16:creationId xmlns:a16="http://schemas.microsoft.com/office/drawing/2014/main" id="{0CAF7198-984B-40E9-9F7C-5B57FAA7E504}"/>
-              </a:ext>
-            </a:extLst>
-          </p:cNvPr>
-          <p:cNvSpPr>
-            <a:spLocks noGrp="1"/>
-          </p:cNvSpPr>
-          <p:nvPr>
-            <p:ph type="sldNum" sz="quarter" idx="12"/>
-          </p:nvPr>
-        </p:nvSpPr>
-        <p:spPr/>
-        <p:txBody>
-          <a:bodyPr/>
-          <a:lstStyle/>
-          <a:p>
-            <a:fld id="{0F147071-9974-42BF-81B3-0DE54666D966}" type="slidenum">
-              <a:rPr lang="de-DE" smtClean="0"/>
-              <a:t>4</a:t>
-            </a:fld>
-            <a:endParaRPr lang="de-DE"/>
-          </a:p>
-        </p:txBody>
-      </p:sp>
-    </p:spTree>
-    <p:extLst>
-      <p:ext uri="{BB962C8B-B14F-4D97-AF65-F5344CB8AC3E}">
-        <p14:creationId xmlns:p14="http://schemas.microsoft.com/office/powerpoint/2010/main" val="2091840294"/>
-      </p:ext>
-    </p:extLst>
-  </p:cSld>
-  <p:clrMapOvr>
-    <a:masterClrMapping/>
-  </p:clrMapOvr>
-</p:sld>
-</file>
-
-<file path=ppt/slides/slide5.xml><?xml version="1.0" encoding="utf-8"?>
-<p:sld xmlns:a="http://schemas.openxmlformats.org/drawingml/2006/main" xmlns:r="http://schemas.openxmlformats.org/officeDocument/2006/relationships" xmlns:p="http://schemas.openxmlformats.org/presentationml/2006/main">
-  <p:cSld>
-    <p:spTree>
-      <p:nvGrpSpPr>
-        <p:cNvPr id="1" name=""/>
-        <p:cNvGrpSpPr/>
-        <p:nvPr/>
-      </p:nvGrpSpPr>
-      <p:grpSpPr>
-        <a:xfrm>
-          <a:off x="0" y="0"/>
-          <a:ext cx="0" cy="0"/>
-          <a:chOff x="0" y="0"/>
-          <a:chExt cx="0" cy="0"/>
-        </a:xfrm>
-      </p:grpSpPr>
-      <p:sp>
-        <p:nvSpPr>
-          <p:cNvPr id="2" name="Titel 1">
-            <a:extLst>
-              <a:ext uri="{FF2B5EF4-FFF2-40B4-BE49-F238E27FC236}">
-                <a16:creationId xmlns:a16="http://schemas.microsoft.com/office/drawing/2014/main" id="{F4AF19B3-4615-4C7B-983D-E20D6EAE3F69}"/>
-              </a:ext>
-            </a:extLst>
-          </p:cNvPr>
-          <p:cNvSpPr>
-            <a:spLocks noGrp="1"/>
-          </p:cNvSpPr>
-          <p:nvPr>
-            <p:ph type="title"/>
-          </p:nvPr>
-        </p:nvSpPr>
-        <p:spPr/>
-        <p:txBody>
-          <a:bodyPr/>
-          <a:lstStyle/>
-          <a:p>
-            <a:r>
-              <a:rPr lang="de-DE" dirty="0"/>
-              <a:t>String basierte Pattern Erkennung</a:t>
-            </a:r>
-          </a:p>
-        </p:txBody>
-      </p:sp>
-      <p:sp>
-        <p:nvSpPr>
-          <p:cNvPr id="3" name="Inhaltsplatzhalter 2">
-            <a:extLst>
-              <a:ext uri="{FF2B5EF4-FFF2-40B4-BE49-F238E27FC236}">
-                <a16:creationId xmlns:a16="http://schemas.microsoft.com/office/drawing/2014/main" id="{499F3EBD-43E4-4D22-9E95-D9E0946B36C8}"/>
-              </a:ext>
-            </a:extLst>
-          </p:cNvPr>
-          <p:cNvSpPr>
-            <a:spLocks noGrp="1"/>
-          </p:cNvSpPr>
-          <p:nvPr>
-            <p:ph idx="1"/>
-          </p:nvPr>
-        </p:nvSpPr>
-        <p:spPr>
-          <a:xfrm>
-            <a:off x="1104293" y="2505629"/>
-            <a:ext cx="8946541" cy="3770762"/>
-          </a:xfrm>
-        </p:spPr>
-        <p:txBody>
-          <a:bodyPr/>
-          <a:lstStyle/>
-          <a:p>
-            <a:r>
-              <a:rPr lang="de-DE" dirty="0"/>
-              <a:t>Algorithmus geht durch den gesamten Track  mit bestimmter Patternlänge</a:t>
-            </a:r>
-          </a:p>
-          <a:p>
-            <a:r>
-              <a:rPr lang="de-DE" dirty="0"/>
-              <a:t>Reihenfolge von lang zu kurz</a:t>
-            </a:r>
-          </a:p>
-          <a:p>
-            <a:r>
-              <a:rPr lang="de-DE" dirty="0"/>
-              <a:t>Pattern Art kann sich innerhalb des Pattern ändern</a:t>
-            </a:r>
-          </a:p>
-          <a:p>
-            <a:r>
-              <a:rPr lang="de-DE" dirty="0"/>
-              <a:t> bei gleicher Note wird Note in einen String geschrieben und Position um eins erhöht</a:t>
-            </a:r>
-          </a:p>
-          <a:p>
-            <a:r>
-              <a:rPr lang="de-DE" dirty="0"/>
-              <a:t>Bei ungleichen Noten werden die nächsten zwei Positionen zum entscheiden hinzugezogen</a:t>
-            </a:r>
-          </a:p>
-          <a:p>
-            <a:r>
-              <a:rPr lang="de-DE" dirty="0"/>
-              <a:t>Abbildung oben zeigt Vergleiche für die Patternlänge 4</a:t>
-            </a:r>
-          </a:p>
-          <a:p>
-            <a:pPr marL="0" indent="0">
-              <a:buNone/>
-            </a:pPr>
-            <a:endParaRPr lang="de-DE" dirty="0"/>
-          </a:p>
-        </p:txBody>
-      </p:sp>
-      <p:pic>
-        <p:nvPicPr>
-          <p:cNvPr id="4" name="Grafik 3" descr="Ein Bild, das Screenshot enthält.&#10;&#10;Automatisch generierte Beschreibung">
-            <a:extLst>
-              <a:ext uri="{FF2B5EF4-FFF2-40B4-BE49-F238E27FC236}">
-                <a16:creationId xmlns:a16="http://schemas.microsoft.com/office/drawing/2014/main" id="{727DBB66-2AE6-4BC8-B2C3-17E3A7FD837A}"/>
-              </a:ext>
-            </a:extLst>
-          </p:cNvPr>
-          <p:cNvPicPr>
-            <a:picLocks noChangeAspect="1"/>
-          </p:cNvPicPr>
-          <p:nvPr/>
-        </p:nvPicPr>
-        <p:blipFill>
-          <a:blip r:embed="rId2">
-            <a:extLst>
-              <a:ext uri="{28A0092B-C50C-407E-A947-70E740481C1C}">
-                <a14:useLocalDpi xmlns:a14="http://schemas.microsoft.com/office/drawing/2010/main" val="0"/>
-              </a:ext>
-            </a:extLst>
-          </a:blip>
-          <a:stretch>
-            <a:fillRect/>
-          </a:stretch>
-        </p:blipFill>
-        <p:spPr>
-          <a:xfrm>
-            <a:off x="3198845" y="1200867"/>
-            <a:ext cx="5794309" cy="1304762"/>
-          </a:xfrm>
-          <a:prstGeom prst="rect">
-            <a:avLst/>
-          </a:prstGeom>
-        </p:spPr>
-      </p:pic>
-      <p:sp>
-        <p:nvSpPr>
-          <p:cNvPr id="5" name="Foliennummernplatzhalter 4">
-            <a:extLst>
-              <a:ext uri="{FF2B5EF4-FFF2-40B4-BE49-F238E27FC236}">
-                <a16:creationId xmlns:a16="http://schemas.microsoft.com/office/drawing/2014/main" id="{0383E3DE-5711-4C76-8143-2120566ECC85}"/>
-              </a:ext>
-            </a:extLst>
-          </p:cNvPr>
-          <p:cNvSpPr>
-            <a:spLocks noGrp="1"/>
-          </p:cNvSpPr>
-          <p:nvPr>
-            <p:ph type="sldNum" sz="quarter" idx="12"/>
-          </p:nvPr>
-        </p:nvSpPr>
-        <p:spPr/>
-        <p:txBody>
-          <a:bodyPr/>
-          <a:lstStyle/>
-          <a:p>
-            <a:fld id="{0F147071-9974-42BF-81B3-0DE54666D966}" type="slidenum">
-              <a:rPr lang="de-DE" smtClean="0"/>
-              <a:t>5</a:t>
-            </a:fld>
-            <a:endParaRPr lang="de-DE"/>
-          </a:p>
-        </p:txBody>
-      </p:sp>
-    </p:spTree>
-    <p:extLst>
-      <p:ext uri="{BB962C8B-B14F-4D97-AF65-F5344CB8AC3E}">
-        <p14:creationId xmlns:p14="http://schemas.microsoft.com/office/powerpoint/2010/main" val="1916552453"/>
-      </p:ext>
-    </p:extLst>
-  </p:cSld>
-  <p:clrMapOvr>
-    <a:masterClrMapping/>
-  </p:clrMapOvr>
-</p:sld>
-</file>
-
-<file path=ppt/slides/slide6.xml><?xml version="1.0" encoding="utf-8"?>
-<p:sld xmlns:a="http://schemas.openxmlformats.org/drawingml/2006/main" xmlns:r="http://schemas.openxmlformats.org/officeDocument/2006/relationships" xmlns:p="http://schemas.openxmlformats.org/presentationml/2006/main">
-  <p:cSld>
-    <p:spTree>
-      <p:nvGrpSpPr>
-        <p:cNvPr id="1" name=""/>
-        <p:cNvGrpSpPr/>
-        <p:nvPr/>
-      </p:nvGrpSpPr>
-      <p:grpSpPr>
-        <a:xfrm>
-          <a:off x="0" y="0"/>
-          <a:ext cx="0" cy="0"/>
-          <a:chOff x="0" y="0"/>
-          <a:chExt cx="0" cy="0"/>
-        </a:xfrm>
-      </p:grpSpPr>
-      <p:sp>
-        <p:nvSpPr>
-          <p:cNvPr id="2" name="Titel 1">
-            <a:extLst>
-              <a:ext uri="{FF2B5EF4-FFF2-40B4-BE49-F238E27FC236}">
-                <a16:creationId xmlns:a16="http://schemas.microsoft.com/office/drawing/2014/main" id="{4BE13B6A-1C22-4706-980E-AD55B2DCF969}"/>
-              </a:ext>
-            </a:extLst>
-          </p:cNvPr>
-          <p:cNvSpPr>
-            <a:spLocks noGrp="1"/>
-          </p:cNvSpPr>
-          <p:nvPr>
-            <p:ph type="title"/>
-          </p:nvPr>
-        </p:nvSpPr>
-        <p:spPr/>
-        <p:txBody>
-          <a:bodyPr/>
-          <a:lstStyle/>
-          <a:p>
-            <a:r>
-              <a:rPr lang="de-DE" dirty="0"/>
-              <a:t>String basierte Pattern Erkennung</a:t>
-            </a:r>
-          </a:p>
-        </p:txBody>
-      </p:sp>
-      <p:pic>
-        <p:nvPicPr>
-          <p:cNvPr id="9" name="Inhaltsplatzhalter 8" descr="Ein Bild, das drinnen, Tisch, Vogel enthält.&#10;&#10;Automatisch generierte Beschreibung">
-            <a:extLst>
-              <a:ext uri="{FF2B5EF4-FFF2-40B4-BE49-F238E27FC236}">
-                <a16:creationId xmlns:a16="http://schemas.microsoft.com/office/drawing/2014/main" id="{92AE39CC-D2CC-471D-9664-BE3DF1CFB85E}"/>
-              </a:ext>
-            </a:extLst>
-          </p:cNvPr>
-          <p:cNvPicPr>
-            <a:picLocks noGrp="1" noChangeAspect="1"/>
-          </p:cNvPicPr>
-          <p:nvPr>
-            <p:ph idx="1"/>
-          </p:nvPr>
-        </p:nvPicPr>
-        <p:blipFill>
-          <a:blip r:embed="rId2">
-            <a:extLst>
-              <a:ext uri="{28A0092B-C50C-407E-A947-70E740481C1C}">
-                <a14:useLocalDpi xmlns:a14="http://schemas.microsoft.com/office/drawing/2010/main" val="0"/>
-              </a:ext>
-            </a:extLst>
-          </a:blip>
-          <a:stretch>
-            <a:fillRect/>
-          </a:stretch>
-        </p:blipFill>
-        <p:spPr>
-          <a:xfrm>
-            <a:off x="196132" y="2146040"/>
-            <a:ext cx="11799735" cy="3408812"/>
-          </a:xfrm>
-        </p:spPr>
-      </p:pic>
-      <p:sp>
-        <p:nvSpPr>
-          <p:cNvPr id="10" name="Foliennummernplatzhalter 9">
-            <a:extLst>
-              <a:ext uri="{FF2B5EF4-FFF2-40B4-BE49-F238E27FC236}">
-                <a16:creationId xmlns:a16="http://schemas.microsoft.com/office/drawing/2014/main" id="{2AD79823-94D0-4A1B-A0B5-A498CFC6AD68}"/>
-              </a:ext>
-            </a:extLst>
-          </p:cNvPr>
-          <p:cNvSpPr>
-            <a:spLocks noGrp="1"/>
-          </p:cNvSpPr>
-          <p:nvPr>
-            <p:ph type="sldNum" sz="quarter" idx="12"/>
-          </p:nvPr>
-        </p:nvSpPr>
-        <p:spPr/>
-        <p:txBody>
-          <a:bodyPr/>
-          <a:lstStyle/>
-          <a:p>
-            <a:fld id="{0F147071-9974-42BF-81B3-0DE54666D966}" type="slidenum">
-              <a:rPr lang="de-DE" smtClean="0"/>
-              <a:t>6</a:t>
-            </a:fld>
-            <a:endParaRPr lang="de-DE"/>
-          </a:p>
-        </p:txBody>
-      </p:sp>
-    </p:spTree>
-    <p:extLst>
-      <p:ext uri="{BB962C8B-B14F-4D97-AF65-F5344CB8AC3E}">
-        <p14:creationId xmlns:p14="http://schemas.microsoft.com/office/powerpoint/2010/main" val="1076717662"/>
-      </p:ext>
-    </p:extLst>
-  </p:cSld>
-  <p:clrMapOvr>
-    <a:masterClrMapping/>
-  </p:clrMapOvr>
-</p:sld>
-</file>
-
-<file path=ppt/slides/slide7.xml><?xml version="1.0" encoding="utf-8"?>
 <p:sld xmlns:a="http://schemas.openxmlformats.org/drawingml/2006/main" xmlns:r="http://schemas.openxmlformats.org/officeDocument/2006/relationships" xmlns:p="http://schemas.openxmlformats.org/presentationml/2006/main">
   <p:cSld>
     <p:bg>
@@ -10213,7 +9674,7 @@
           <p:cNvPr id="2" name="Titel 1">
             <a:extLst>
               <a:ext uri="{FF2B5EF4-FFF2-40B4-BE49-F238E27FC236}">
-                <a16:creationId xmlns:a16="http://schemas.microsoft.com/office/drawing/2014/main" id="{EB83F332-EABB-4456-B49F-5E6865F620D0}"/>
+                <a16:creationId xmlns:a16="http://schemas.microsoft.com/office/drawing/2014/main" id="{D205A3EE-E38E-422A-B7DB-8652AA7521C2}"/>
               </a:ext>
             </a:extLst>
           </p:cNvPr>
@@ -10238,8 +9699,54 @@
           <a:p>
             <a:r>
               <a:rPr lang="de-DE" dirty="0"/>
-              <a:t>Matrix basierte Patternsuche</a:t>
-            </a:r>
+              <a:t>Ergebnisse Matrix</a:t>
+            </a:r>
+          </a:p>
+        </p:txBody>
+      </p:sp>
+      <p:sp>
+        <p:nvSpPr>
+          <p:cNvPr id="4" name="Foliennummernplatzhalter 3">
+            <a:extLst>
+              <a:ext uri="{FF2B5EF4-FFF2-40B4-BE49-F238E27FC236}">
+                <a16:creationId xmlns:a16="http://schemas.microsoft.com/office/drawing/2014/main" id="{C0D2DBA0-C486-4D83-AC17-7154D723653F}"/>
+              </a:ext>
+            </a:extLst>
+          </p:cNvPr>
+          <p:cNvSpPr>
+            <a:spLocks noGrp="1"/>
+          </p:cNvSpPr>
+          <p:nvPr>
+            <p:ph type="sldNum" sz="quarter" idx="12"/>
+          </p:nvPr>
+        </p:nvSpPr>
+        <p:spPr>
+          <a:xfrm>
+            <a:off x="10352540" y="295729"/>
+            <a:ext cx="838199" cy="767687"/>
+          </a:xfrm>
+        </p:spPr>
+        <p:txBody>
+          <a:bodyPr>
+            <a:normAutofit/>
+          </a:bodyPr>
+          <a:lstStyle/>
+          <a:p>
+            <a:pPr>
+              <a:spcAft>
+                <a:spcPts val="600"/>
+              </a:spcAft>
+            </a:pPr>
+            <a:fld id="{0F147071-9974-42BF-81B3-0DE54666D966}" type="slidenum">
+              <a:rPr lang="de-DE" smtClean="0"/>
+              <a:pPr>
+                <a:spcAft>
+                  <a:spcPts val="600"/>
+                </a:spcAft>
+              </a:pPr>
+              <a:t>16</a:t>
+            </a:fld>
+            <a:endParaRPr lang="de-DE"/>
           </a:p>
         </p:txBody>
       </p:sp>
@@ -10248,7 +9755,7 @@
           <p:cNvPr id="3" name="Inhaltsplatzhalter 2">
             <a:extLst>
               <a:ext uri="{FF2B5EF4-FFF2-40B4-BE49-F238E27FC236}">
-                <a16:creationId xmlns:a16="http://schemas.microsoft.com/office/drawing/2014/main" id="{1294BA0B-0F4A-4311-B22A-0A2956376E68}"/>
+                <a16:creationId xmlns:a16="http://schemas.microsoft.com/office/drawing/2014/main" id="{46D008C1-4E58-47CB-8926-3263F2A56C02}"/>
               </a:ext>
             </a:extLst>
           </p:cNvPr>
@@ -10273,37 +9780,32 @@
           <a:p>
             <a:r>
               <a:rPr lang="de-DE" dirty="0"/>
-              <a:t>Track wird in erste Zeile und Spalte der Matrix geschrieben -&gt; Zeile steht für bestimmte Note im Track, Spalte steht für bestimmte Note in Track</a:t>
+              <a:t>Alle Pattern stehen in Ergebnisdatei -&gt; hohe Anzahl von erkannten Pattern</a:t>
             </a:r>
           </a:p>
           <a:p>
             <a:r>
               <a:rPr lang="de-DE" dirty="0"/>
-              <a:t>Zellenindizes werden verglichen</a:t>
-            </a:r>
-          </a:p>
-          <a:p>
-            <a:pPr lvl="1"/>
+              <a:t>Post-Processing kann dies beheben</a:t>
+            </a:r>
+          </a:p>
+          <a:p>
             <a:r>
               <a:rPr lang="de-DE" dirty="0"/>
-              <a:t>Gleicher Wert = Zelle + 1</a:t>
-            </a:r>
-          </a:p>
-          <a:p>
-            <a:pPr lvl="1"/>
-            <a:r>
-              <a:rPr lang="de-DE" dirty="0"/>
-              <a:t>Unterschiedlicher Wert = nächsten zwei Zellen müssen mit herangezogen werden</a:t>
-            </a:r>
+              <a:t>beste Laufzeit aller Verfahren</a:t>
+            </a:r>
+          </a:p>
+          <a:p>
+            <a:endParaRPr lang="de-DE" dirty="0"/>
           </a:p>
         </p:txBody>
       </p:sp>
       <p:pic>
         <p:nvPicPr>
-          <p:cNvPr id="5" name="Grafik 4" descr="Ein Bild, das Tastatur enthält.&#10;&#10;Automatisch generierte Beschreibung">
+          <p:cNvPr id="5" name="Inhaltsplatzhalter 5" descr="Ein Bild, das Screenshot enthält.&#10;&#10;Automatisch generierte Beschreibung">
             <a:extLst>
               <a:ext uri="{FF2B5EF4-FFF2-40B4-BE49-F238E27FC236}">
-                <a16:creationId xmlns:a16="http://schemas.microsoft.com/office/drawing/2014/main" id="{FA7FB3E3-8729-4A33-8F02-207F42BF82D9}"/>
+                <a16:creationId xmlns:a16="http://schemas.microsoft.com/office/drawing/2014/main" id="{2315638E-E473-4510-AAFE-F78144C44361}"/>
               </a:ext>
             </a:extLst>
           </p:cNvPr>
@@ -10326,8 +9828,8 @@
         </p:blipFill>
         <p:spPr>
           <a:xfrm>
-            <a:off x="5275007" y="2052214"/>
-            <a:ext cx="6813022" cy="3378202"/>
+            <a:off x="5441720" y="1853249"/>
+            <a:ext cx="6755117" cy="3741737"/>
           </a:xfrm>
           <a:prstGeom prst="rect">
             <a:avLst/>
@@ -10341,39 +9843,10 @@
           </a:effectLst>
         </p:spPr>
       </p:pic>
-      <p:sp>
-        <p:nvSpPr>
-          <p:cNvPr id="6" name="Foliennummernplatzhalter 5">
-            <a:extLst>
-              <a:ext uri="{FF2B5EF4-FFF2-40B4-BE49-F238E27FC236}">
-                <a16:creationId xmlns:a16="http://schemas.microsoft.com/office/drawing/2014/main" id="{9DBB7EF2-B1AD-4452-892B-020BD7D42298}"/>
-              </a:ext>
-            </a:extLst>
-          </p:cNvPr>
-          <p:cNvSpPr>
-            <a:spLocks noGrp="1"/>
-          </p:cNvSpPr>
-          <p:nvPr>
-            <p:ph type="sldNum" sz="quarter" idx="12"/>
-          </p:nvPr>
-        </p:nvSpPr>
-        <p:spPr/>
-        <p:txBody>
-          <a:bodyPr/>
-          <a:lstStyle/>
-          <a:p>
-            <a:fld id="{0F147071-9974-42BF-81B3-0DE54666D966}" type="slidenum">
-              <a:rPr lang="de-DE" smtClean="0"/>
-              <a:t>7</a:t>
-            </a:fld>
-            <a:endParaRPr lang="de-DE"/>
-          </a:p>
-        </p:txBody>
-      </p:sp>
     </p:spTree>
     <p:extLst>
       <p:ext uri="{BB962C8B-B14F-4D97-AF65-F5344CB8AC3E}">
-        <p14:creationId xmlns:p14="http://schemas.microsoft.com/office/powerpoint/2010/main" val="2157059045"/>
+        <p14:creationId xmlns:p14="http://schemas.microsoft.com/office/powerpoint/2010/main" val="565647239"/>
       </p:ext>
     </p:extLst>
   </p:cSld>
@@ -10383,7 +9856,7 @@
 </p:sld>
 </file>
 
-<file path=ppt/slides/slide8.xml><?xml version="1.0" encoding="utf-8"?>
+<file path=ppt/slides/slide17.xml><?xml version="1.0" encoding="utf-8"?>
 <p:sld xmlns:a="http://schemas.openxmlformats.org/drawingml/2006/main" xmlns:r="http://schemas.openxmlformats.org/officeDocument/2006/relationships" xmlns:p="http://schemas.openxmlformats.org/presentationml/2006/main">
   <p:cSld>
     <p:bg>
@@ -10429,6 +9902,1745 @@
           <p:cNvPr id="2" name="Titel 1">
             <a:extLst>
               <a:ext uri="{FF2B5EF4-FFF2-40B4-BE49-F238E27FC236}">
+                <a16:creationId xmlns:a16="http://schemas.microsoft.com/office/drawing/2014/main" id="{E8DF991B-9810-4160-BED0-F274758F8748}"/>
+              </a:ext>
+            </a:extLst>
+          </p:cNvPr>
+          <p:cNvSpPr>
+            <a:spLocks noGrp="1"/>
+          </p:cNvSpPr>
+          <p:nvPr>
+            <p:ph type="title"/>
+          </p:nvPr>
+        </p:nvSpPr>
+        <p:spPr>
+          <a:xfrm>
+            <a:off x="648930" y="629266"/>
+            <a:ext cx="9252154" cy="1223983"/>
+          </a:xfrm>
+        </p:spPr>
+        <p:txBody>
+          <a:bodyPr>
+            <a:normAutofit/>
+          </a:bodyPr>
+          <a:lstStyle/>
+          <a:p>
+            <a:r>
+              <a:rPr lang="de-DE" dirty="0"/>
+              <a:t>Ergebnisse SIA</a:t>
+            </a:r>
+          </a:p>
+        </p:txBody>
+      </p:sp>
+      <p:sp>
+        <p:nvSpPr>
+          <p:cNvPr id="4" name="Foliennummernplatzhalter 3">
+            <a:extLst>
+              <a:ext uri="{FF2B5EF4-FFF2-40B4-BE49-F238E27FC236}">
+                <a16:creationId xmlns:a16="http://schemas.microsoft.com/office/drawing/2014/main" id="{CEEBEAAC-6306-483B-BBFA-ACE68187CBA1}"/>
+              </a:ext>
+            </a:extLst>
+          </p:cNvPr>
+          <p:cNvSpPr>
+            <a:spLocks noGrp="1"/>
+          </p:cNvSpPr>
+          <p:nvPr>
+            <p:ph type="sldNum" sz="quarter" idx="12"/>
+          </p:nvPr>
+        </p:nvSpPr>
+        <p:spPr>
+          <a:xfrm>
+            <a:off x="10352540" y="295729"/>
+            <a:ext cx="838199" cy="767687"/>
+          </a:xfrm>
+        </p:spPr>
+        <p:txBody>
+          <a:bodyPr>
+            <a:normAutofit/>
+          </a:bodyPr>
+          <a:lstStyle/>
+          <a:p>
+            <a:pPr>
+              <a:spcAft>
+                <a:spcPts val="600"/>
+              </a:spcAft>
+            </a:pPr>
+            <a:fld id="{0F147071-9974-42BF-81B3-0DE54666D966}" type="slidenum">
+              <a:rPr lang="de-DE" smtClean="0"/>
+              <a:pPr>
+                <a:spcAft>
+                  <a:spcPts val="600"/>
+                </a:spcAft>
+              </a:pPr>
+              <a:t>17</a:t>
+            </a:fld>
+            <a:endParaRPr lang="de-DE"/>
+          </a:p>
+        </p:txBody>
+      </p:sp>
+      <p:sp>
+        <p:nvSpPr>
+          <p:cNvPr id="3" name="Inhaltsplatzhalter 2">
+            <a:extLst>
+              <a:ext uri="{FF2B5EF4-FFF2-40B4-BE49-F238E27FC236}">
+                <a16:creationId xmlns:a16="http://schemas.microsoft.com/office/drawing/2014/main" id="{1BB09249-3043-4117-9F62-FEAA7EA921B5}"/>
+              </a:ext>
+            </a:extLst>
+          </p:cNvPr>
+          <p:cNvSpPr>
+            <a:spLocks noGrp="1"/>
+          </p:cNvSpPr>
+          <p:nvPr>
+            <p:ph idx="1"/>
+          </p:nvPr>
+        </p:nvSpPr>
+        <p:spPr>
+          <a:xfrm>
+            <a:off x="1103311" y="2052214"/>
+            <a:ext cx="4338409" cy="4196185"/>
+          </a:xfrm>
+        </p:spPr>
+        <p:txBody>
+          <a:bodyPr>
+            <a:normAutofit/>
+          </a:bodyPr>
+          <a:lstStyle/>
+          <a:p>
+            <a:r>
+              <a:rPr lang="de-DE" dirty="0"/>
+              <a:t>Ergebnisdatei mit Vielzahl sinnlosen Einträgen geflutet</a:t>
+            </a:r>
+          </a:p>
+          <a:p>
+            <a:r>
+              <a:rPr lang="de-DE" dirty="0"/>
+              <a:t>Laufzeit ist im relevanten Bereich (1180 Noten) geringfügig schneller als String basierte Suche</a:t>
+            </a:r>
+          </a:p>
+          <a:p>
+            <a:r>
+              <a:rPr lang="de-DE" dirty="0"/>
+              <a:t>Laufzeit danach sehr starker Anstieg aufgrund der Sortierung</a:t>
+            </a:r>
+          </a:p>
+          <a:p>
+            <a:r>
+              <a:rPr lang="de-DE" dirty="0"/>
+              <a:t>Kann keine horizontale Spiegelung erkennen</a:t>
+            </a:r>
+          </a:p>
+          <a:p>
+            <a:endParaRPr lang="de-DE" dirty="0"/>
+          </a:p>
+        </p:txBody>
+      </p:sp>
+      <p:pic>
+        <p:nvPicPr>
+          <p:cNvPr id="5" name="Inhaltsplatzhalter 5" descr="Ein Bild, das Screenshot enthält.&#10;&#10;Automatisch generierte Beschreibung">
+            <a:extLst>
+              <a:ext uri="{FF2B5EF4-FFF2-40B4-BE49-F238E27FC236}">
+                <a16:creationId xmlns:a16="http://schemas.microsoft.com/office/drawing/2014/main" id="{2A11BDC9-4CB6-4AD6-9E99-1F14A5DA64ED}"/>
+              </a:ext>
+            </a:extLst>
+          </p:cNvPr>
+          <p:cNvPicPr>
+            <a:picLocks noChangeAspect="1"/>
+          </p:cNvPicPr>
+          <p:nvPr/>
+        </p:nvPicPr>
+        <p:blipFill>
+          <a:blip r:embed="rId3">
+            <a:extLst>
+              <a:ext uri="{28A0092B-C50C-407E-A947-70E740481C1C}">
+                <a14:useLocalDpi xmlns:a14="http://schemas.microsoft.com/office/drawing/2010/main" val="0"/>
+              </a:ext>
+            </a:extLst>
+          </a:blip>
+          <a:stretch>
+            <a:fillRect/>
+          </a:stretch>
+        </p:blipFill>
+        <p:spPr>
+          <a:xfrm>
+            <a:off x="5441720" y="1853249"/>
+            <a:ext cx="6750280" cy="3741737"/>
+          </a:xfrm>
+          <a:prstGeom prst="rect">
+            <a:avLst/>
+          </a:prstGeom>
+          <a:effectLst>
+            <a:outerShdw blurRad="50800" dist="38100" dir="5400000" algn="t" rotWithShape="0">
+              <a:prstClr val="black">
+                <a:alpha val="43000"/>
+              </a:prstClr>
+            </a:outerShdw>
+          </a:effectLst>
+        </p:spPr>
+      </p:pic>
+    </p:spTree>
+    <p:extLst>
+      <p:ext uri="{BB962C8B-B14F-4D97-AF65-F5344CB8AC3E}">
+        <p14:creationId xmlns:p14="http://schemas.microsoft.com/office/powerpoint/2010/main" val="2196218325"/>
+      </p:ext>
+    </p:extLst>
+  </p:cSld>
+  <p:clrMapOvr>
+    <a:masterClrMapping/>
+  </p:clrMapOvr>
+</p:sld>
+</file>
+
+<file path=ppt/slides/slide18.xml><?xml version="1.0" encoding="utf-8"?>
+<p:sld xmlns:a="http://schemas.openxmlformats.org/drawingml/2006/main" xmlns:r="http://schemas.openxmlformats.org/officeDocument/2006/relationships" xmlns:p="http://schemas.openxmlformats.org/presentationml/2006/main">
+  <p:cSld>
+    <p:spTree>
+      <p:nvGrpSpPr>
+        <p:cNvPr id="1" name=""/>
+        <p:cNvGrpSpPr/>
+        <p:nvPr/>
+      </p:nvGrpSpPr>
+      <p:grpSpPr>
+        <a:xfrm>
+          <a:off x="0" y="0"/>
+          <a:ext cx="0" cy="0"/>
+          <a:chOff x="0" y="0"/>
+          <a:chExt cx="0" cy="0"/>
+        </a:xfrm>
+      </p:grpSpPr>
+      <p:sp>
+        <p:nvSpPr>
+          <p:cNvPr id="2" name="Titel 1">
+            <a:extLst>
+              <a:ext uri="{FF2B5EF4-FFF2-40B4-BE49-F238E27FC236}">
+                <a16:creationId xmlns:a16="http://schemas.microsoft.com/office/drawing/2014/main" id="{ABE06259-A606-42EB-8F5C-6ACD0098AC9B}"/>
+              </a:ext>
+            </a:extLst>
+          </p:cNvPr>
+          <p:cNvSpPr>
+            <a:spLocks noGrp="1"/>
+          </p:cNvSpPr>
+          <p:nvPr>
+            <p:ph type="title"/>
+          </p:nvPr>
+        </p:nvSpPr>
+        <p:spPr/>
+        <p:txBody>
+          <a:bodyPr/>
+          <a:lstStyle/>
+          <a:p>
+            <a:r>
+              <a:rPr lang="de-DE" dirty="0"/>
+              <a:t>Zusammenfassung der Ergebnisse</a:t>
+            </a:r>
+          </a:p>
+        </p:txBody>
+      </p:sp>
+      <p:sp>
+        <p:nvSpPr>
+          <p:cNvPr id="3" name="Inhaltsplatzhalter 2">
+            <a:extLst>
+              <a:ext uri="{FF2B5EF4-FFF2-40B4-BE49-F238E27FC236}">
+                <a16:creationId xmlns:a16="http://schemas.microsoft.com/office/drawing/2014/main" id="{B8EC34A0-AD55-4E7F-BD6B-F07542EF0A5B}"/>
+              </a:ext>
+            </a:extLst>
+          </p:cNvPr>
+          <p:cNvSpPr>
+            <a:spLocks noGrp="1"/>
+          </p:cNvSpPr>
+          <p:nvPr>
+            <p:ph idx="1"/>
+          </p:nvPr>
+        </p:nvSpPr>
+        <p:spPr>
+          <a:xfrm>
+            <a:off x="607582" y="1853248"/>
+            <a:ext cx="10976835" cy="4186825"/>
+          </a:xfrm>
+        </p:spPr>
+        <p:txBody>
+          <a:bodyPr>
+            <a:normAutofit/>
+          </a:bodyPr>
+          <a:lstStyle/>
+          <a:p>
+            <a:r>
+              <a:rPr lang="de-DE" dirty="0"/>
+              <a:t>CNN mit Spektrum</a:t>
+            </a:r>
+          </a:p>
+          <a:p>
+            <a:pPr lvl="1"/>
+            <a:r>
+              <a:rPr lang="de-DE" dirty="0"/>
+              <a:t>Um Aussage treffen zu können ob die Funktioniert wird eine Menge an Hardware benötigt</a:t>
+            </a:r>
+          </a:p>
+          <a:p>
+            <a:pPr lvl="1"/>
+            <a:r>
+              <a:rPr lang="de-DE" dirty="0"/>
+              <a:t>wahrscheinlich selbes Problem wie CNN mit SIA</a:t>
+            </a:r>
+          </a:p>
+          <a:p>
+            <a:r>
+              <a:rPr lang="de-DE" dirty="0"/>
+              <a:t>CNN mit SIA</a:t>
+            </a:r>
+          </a:p>
+          <a:p>
+            <a:pPr lvl="1"/>
+            <a:r>
+              <a:rPr lang="de-DE" dirty="0"/>
+              <a:t>Fehler teilweise in Trainingsdaten</a:t>
+            </a:r>
+          </a:p>
+          <a:p>
+            <a:pPr lvl="1"/>
+            <a:r>
+              <a:rPr lang="de-DE" dirty="0"/>
+              <a:t>Falsches Anwendungsgebiet ausgewählt</a:t>
+            </a:r>
+          </a:p>
+          <a:p>
+            <a:pPr marL="457200" lvl="1" indent="0">
+              <a:buNone/>
+            </a:pPr>
+            <a:endParaRPr lang="de-DE" dirty="0"/>
+          </a:p>
+          <a:p>
+            <a:pPr lvl="1"/>
+            <a:endParaRPr lang="de-DE" dirty="0"/>
+          </a:p>
+          <a:p>
+            <a:pPr lvl="1"/>
+            <a:endParaRPr lang="de-DE" dirty="0"/>
+          </a:p>
+        </p:txBody>
+      </p:sp>
+      <p:sp>
+        <p:nvSpPr>
+          <p:cNvPr id="4" name="Foliennummernplatzhalter 3">
+            <a:extLst>
+              <a:ext uri="{FF2B5EF4-FFF2-40B4-BE49-F238E27FC236}">
+                <a16:creationId xmlns:a16="http://schemas.microsoft.com/office/drawing/2014/main" id="{8F4379EE-136D-4630-B0FA-9DC8501D8705}"/>
+              </a:ext>
+            </a:extLst>
+          </p:cNvPr>
+          <p:cNvSpPr>
+            <a:spLocks noGrp="1"/>
+          </p:cNvSpPr>
+          <p:nvPr>
+            <p:ph type="sldNum" sz="quarter" idx="12"/>
+          </p:nvPr>
+        </p:nvSpPr>
+        <p:spPr/>
+        <p:txBody>
+          <a:bodyPr/>
+          <a:lstStyle/>
+          <a:p>
+            <a:fld id="{0F147071-9974-42BF-81B3-0DE54666D966}" type="slidenum">
+              <a:rPr lang="de-DE" smtClean="0"/>
+              <a:t>18</a:t>
+            </a:fld>
+            <a:endParaRPr lang="de-DE"/>
+          </a:p>
+        </p:txBody>
+      </p:sp>
+    </p:spTree>
+    <p:extLst>
+      <p:ext uri="{BB962C8B-B14F-4D97-AF65-F5344CB8AC3E}">
+        <p14:creationId xmlns:p14="http://schemas.microsoft.com/office/powerpoint/2010/main" val="920298755"/>
+      </p:ext>
+    </p:extLst>
+  </p:cSld>
+  <p:clrMapOvr>
+    <a:masterClrMapping/>
+  </p:clrMapOvr>
+</p:sld>
+</file>
+
+<file path=ppt/slides/slide19.xml><?xml version="1.0" encoding="utf-8"?>
+<p:sld xmlns:a="http://schemas.openxmlformats.org/drawingml/2006/main" xmlns:r="http://schemas.openxmlformats.org/officeDocument/2006/relationships" xmlns:p="http://schemas.openxmlformats.org/presentationml/2006/main">
+  <p:cSld>
+    <p:spTree>
+      <p:nvGrpSpPr>
+        <p:cNvPr id="1" name=""/>
+        <p:cNvGrpSpPr/>
+        <p:nvPr/>
+      </p:nvGrpSpPr>
+      <p:grpSpPr>
+        <a:xfrm>
+          <a:off x="0" y="0"/>
+          <a:ext cx="0" cy="0"/>
+          <a:chOff x="0" y="0"/>
+          <a:chExt cx="0" cy="0"/>
+        </a:xfrm>
+      </p:grpSpPr>
+      <p:sp>
+        <p:nvSpPr>
+          <p:cNvPr id="2" name="Titel 1">
+            <a:extLst>
+              <a:ext uri="{FF2B5EF4-FFF2-40B4-BE49-F238E27FC236}">
+                <a16:creationId xmlns:a16="http://schemas.microsoft.com/office/drawing/2014/main" id="{ADEEA8F5-021D-4950-B9BD-35053D446AF6}"/>
+              </a:ext>
+            </a:extLst>
+          </p:cNvPr>
+          <p:cNvSpPr>
+            <a:spLocks noGrp="1"/>
+          </p:cNvSpPr>
+          <p:nvPr>
+            <p:ph type="title"/>
+          </p:nvPr>
+        </p:nvSpPr>
+        <p:spPr/>
+        <p:txBody>
+          <a:bodyPr/>
+          <a:lstStyle/>
+          <a:p>
+            <a:r>
+              <a:rPr lang="de-DE" dirty="0"/>
+              <a:t>Zusammenfassung der Ergebnisse</a:t>
+            </a:r>
+          </a:p>
+        </p:txBody>
+      </p:sp>
+      <p:sp>
+        <p:nvSpPr>
+          <p:cNvPr id="3" name="Inhaltsplatzhalter 2">
+            <a:extLst>
+              <a:ext uri="{FF2B5EF4-FFF2-40B4-BE49-F238E27FC236}">
+                <a16:creationId xmlns:a16="http://schemas.microsoft.com/office/drawing/2014/main" id="{C156166F-837D-40FB-A67C-9BC48AE48B8F}"/>
+              </a:ext>
+            </a:extLst>
+          </p:cNvPr>
+          <p:cNvSpPr>
+            <a:spLocks noGrp="1"/>
+          </p:cNvSpPr>
+          <p:nvPr>
+            <p:ph idx="1"/>
+          </p:nvPr>
+        </p:nvSpPr>
+        <p:spPr>
+          <a:xfrm>
+            <a:off x="1103312" y="1375794"/>
+            <a:ext cx="8946541" cy="5259898"/>
+          </a:xfrm>
+        </p:spPr>
+        <p:txBody>
+          <a:bodyPr>
+            <a:normAutofit fontScale="85000" lnSpcReduction="10000"/>
+          </a:bodyPr>
+          <a:lstStyle/>
+          <a:p>
+            <a:r>
+              <a:rPr lang="de-DE" dirty="0"/>
+              <a:t>String basierte Patternsuche</a:t>
+            </a:r>
+          </a:p>
+          <a:p>
+            <a:pPr lvl="1"/>
+            <a:r>
+              <a:rPr lang="de-DE" dirty="0"/>
+              <a:t>Vertretbare Laufzeit</a:t>
+            </a:r>
+          </a:p>
+          <a:p>
+            <a:pPr lvl="1"/>
+            <a:r>
+              <a:rPr lang="de-DE" dirty="0"/>
+              <a:t>Sehr gute Ergebnisse</a:t>
+            </a:r>
+          </a:p>
+          <a:p>
+            <a:pPr lvl="1"/>
+            <a:r>
+              <a:rPr lang="de-DE" dirty="0"/>
+              <a:t>Somit auf einer höhe mit Matrix basierter Suche</a:t>
+            </a:r>
+          </a:p>
+          <a:p>
+            <a:r>
+              <a:rPr lang="de-DE" dirty="0"/>
+              <a:t>Matrix basierte Patternsuche</a:t>
+            </a:r>
+          </a:p>
+          <a:p>
+            <a:pPr lvl="1"/>
+            <a:r>
+              <a:rPr lang="de-DE" dirty="0"/>
+              <a:t>Sehr gute Laufzeit</a:t>
+            </a:r>
+          </a:p>
+          <a:p>
+            <a:pPr lvl="1"/>
+            <a:r>
+              <a:rPr lang="de-DE" dirty="0"/>
+              <a:t>Gute Ergebnisse, mit Post-Processing sehr gute Ergebnisse</a:t>
+            </a:r>
+          </a:p>
+          <a:p>
+            <a:pPr lvl="1"/>
+            <a:r>
+              <a:rPr lang="de-DE" dirty="0"/>
+              <a:t>Ohne Post-Processing auf einer Höhe mit String basierter Suche</a:t>
+            </a:r>
+          </a:p>
+          <a:p>
+            <a:pPr lvl="1"/>
+            <a:r>
+              <a:rPr lang="de-DE" dirty="0"/>
+              <a:t>Mit Post-Processing bester der drei Algorithmen</a:t>
+            </a:r>
+          </a:p>
+          <a:p>
+            <a:r>
+              <a:rPr lang="de-DE" dirty="0"/>
+              <a:t>SIA</a:t>
+            </a:r>
+          </a:p>
+          <a:p>
+            <a:pPr lvl="1"/>
+            <a:r>
+              <a:rPr lang="de-DE" dirty="0"/>
+              <a:t>Gute Laufzeit für Großteil an Musikstücken</a:t>
+            </a:r>
+          </a:p>
+          <a:p>
+            <a:pPr lvl="1"/>
+            <a:r>
+              <a:rPr lang="de-DE" dirty="0"/>
+              <a:t>Schlechte Ergebnissqualität</a:t>
+            </a:r>
+          </a:p>
+          <a:p>
+            <a:pPr lvl="1"/>
+            <a:r>
+              <a:rPr lang="de-DE" dirty="0"/>
+              <a:t>Ergebnissqualität kann nur mit viel Aufwand verbessert werden</a:t>
+            </a:r>
+          </a:p>
+          <a:p>
+            <a:pPr lvl="1"/>
+            <a:r>
+              <a:rPr lang="de-DE" dirty="0"/>
+              <a:t>Kann nicht alle Pattern Arten erkennen</a:t>
+            </a:r>
+          </a:p>
+          <a:p>
+            <a:pPr lvl="1"/>
+            <a:r>
+              <a:rPr lang="de-DE" dirty="0"/>
+              <a:t>SIA ist der schlechteste Algorithmus von allen, da Ergebnisse ohne Post-Processing unbrauchbar, die Laufzeit schnell eskalieren, nicht alle Pattern Arten erkannt</a:t>
+            </a:r>
+          </a:p>
+          <a:p>
+            <a:endParaRPr lang="de-DE" dirty="0"/>
+          </a:p>
+        </p:txBody>
+      </p:sp>
+      <p:sp>
+        <p:nvSpPr>
+          <p:cNvPr id="4" name="Foliennummernplatzhalter 3">
+            <a:extLst>
+              <a:ext uri="{FF2B5EF4-FFF2-40B4-BE49-F238E27FC236}">
+                <a16:creationId xmlns:a16="http://schemas.microsoft.com/office/drawing/2014/main" id="{BF5EFFAA-438C-4F2A-9ECD-1C53184E77E1}"/>
+              </a:ext>
+            </a:extLst>
+          </p:cNvPr>
+          <p:cNvSpPr>
+            <a:spLocks noGrp="1"/>
+          </p:cNvSpPr>
+          <p:nvPr>
+            <p:ph type="sldNum" sz="quarter" idx="12"/>
+          </p:nvPr>
+        </p:nvSpPr>
+        <p:spPr/>
+        <p:txBody>
+          <a:bodyPr/>
+          <a:lstStyle/>
+          <a:p>
+            <a:fld id="{0F147071-9974-42BF-81B3-0DE54666D966}" type="slidenum">
+              <a:rPr lang="de-DE" smtClean="0"/>
+              <a:t>19</a:t>
+            </a:fld>
+            <a:endParaRPr lang="de-DE"/>
+          </a:p>
+        </p:txBody>
+      </p:sp>
+    </p:spTree>
+    <p:extLst>
+      <p:ext uri="{BB962C8B-B14F-4D97-AF65-F5344CB8AC3E}">
+        <p14:creationId xmlns:p14="http://schemas.microsoft.com/office/powerpoint/2010/main" val="578035328"/>
+      </p:ext>
+    </p:extLst>
+  </p:cSld>
+  <p:clrMapOvr>
+    <a:masterClrMapping/>
+  </p:clrMapOvr>
+</p:sld>
+</file>
+
+<file path=ppt/slides/slide2.xml><?xml version="1.0" encoding="utf-8"?>
+<p:sld xmlns:a="http://schemas.openxmlformats.org/drawingml/2006/main" xmlns:r="http://schemas.openxmlformats.org/officeDocument/2006/relationships" xmlns:p="http://schemas.openxmlformats.org/presentationml/2006/main">
+  <p:cSld>
+    <p:spTree>
+      <p:nvGrpSpPr>
+        <p:cNvPr id="1" name=""/>
+        <p:cNvGrpSpPr/>
+        <p:nvPr/>
+      </p:nvGrpSpPr>
+      <p:grpSpPr>
+        <a:xfrm>
+          <a:off x="0" y="0"/>
+          <a:ext cx="0" cy="0"/>
+          <a:chOff x="0" y="0"/>
+          <a:chExt cx="0" cy="0"/>
+        </a:xfrm>
+      </p:grpSpPr>
+      <p:sp>
+        <p:nvSpPr>
+          <p:cNvPr id="2" name="Titel 1">
+            <a:extLst>
+              <a:ext uri="{FF2B5EF4-FFF2-40B4-BE49-F238E27FC236}">
+                <a16:creationId xmlns:a16="http://schemas.microsoft.com/office/drawing/2014/main" id="{C2CF2140-AE54-46E6-BC87-2DEF009E3C31}"/>
+              </a:ext>
+            </a:extLst>
+          </p:cNvPr>
+          <p:cNvSpPr>
+            <a:spLocks noGrp="1"/>
+          </p:cNvSpPr>
+          <p:nvPr>
+            <p:ph type="title"/>
+          </p:nvPr>
+        </p:nvSpPr>
+        <p:spPr/>
+        <p:txBody>
+          <a:bodyPr/>
+          <a:lstStyle/>
+          <a:p>
+            <a:r>
+              <a:rPr lang="de-DE" dirty="0"/>
+              <a:t>Problemstellung</a:t>
+            </a:r>
+          </a:p>
+        </p:txBody>
+      </p:sp>
+      <p:sp>
+        <p:nvSpPr>
+          <p:cNvPr id="3" name="Inhaltsplatzhalter 2">
+            <a:extLst>
+              <a:ext uri="{FF2B5EF4-FFF2-40B4-BE49-F238E27FC236}">
+                <a16:creationId xmlns:a16="http://schemas.microsoft.com/office/drawing/2014/main" id="{CA8859BE-5760-4D1F-A627-87AE58DCB28E}"/>
+              </a:ext>
+            </a:extLst>
+          </p:cNvPr>
+          <p:cNvSpPr>
+            <a:spLocks noGrp="1"/>
+          </p:cNvSpPr>
+          <p:nvPr>
+            <p:ph idx="1"/>
+          </p:nvPr>
+        </p:nvSpPr>
+        <p:spPr/>
+        <p:txBody>
+          <a:bodyPr/>
+          <a:lstStyle/>
+          <a:p>
+            <a:r>
+              <a:rPr lang="de-DE" dirty="0"/>
+              <a:t>Welche Methoden sollen ausgewählt werden?</a:t>
+            </a:r>
+          </a:p>
+          <a:p>
+            <a:r>
+              <a:rPr lang="de-DE" dirty="0"/>
+              <a:t>Umsetzung der Verfahren zur Pattern Erkennung</a:t>
+            </a:r>
+          </a:p>
+          <a:p>
+            <a:r>
+              <a:rPr lang="de-DE" dirty="0"/>
+              <a:t>Hauptziel bestand darin:</a:t>
+            </a:r>
+          </a:p>
+          <a:p>
+            <a:pPr lvl="1"/>
+            <a:r>
+              <a:rPr lang="de-DE" dirty="0"/>
+              <a:t>Ergebnisdatei zu Erstellen in welchem Pattern enthalten sind</a:t>
+            </a:r>
+          </a:p>
+          <a:p>
+            <a:pPr lvl="1"/>
+            <a:r>
+              <a:rPr lang="de-DE" dirty="0"/>
+              <a:t>Performance zu testen hinsichtlich Rechenzeit, Anzahl der gefundenen Pattern, Brauchbarkeit des Output</a:t>
+            </a:r>
+          </a:p>
+          <a:p>
+            <a:endParaRPr lang="de-DE" dirty="0"/>
+          </a:p>
+        </p:txBody>
+      </p:sp>
+      <p:sp>
+        <p:nvSpPr>
+          <p:cNvPr id="4" name="Foliennummernplatzhalter 3">
+            <a:extLst>
+              <a:ext uri="{FF2B5EF4-FFF2-40B4-BE49-F238E27FC236}">
+                <a16:creationId xmlns:a16="http://schemas.microsoft.com/office/drawing/2014/main" id="{29E68ED1-DF05-4550-BB85-E773A1F9F3F6}"/>
+              </a:ext>
+            </a:extLst>
+          </p:cNvPr>
+          <p:cNvSpPr>
+            <a:spLocks noGrp="1"/>
+          </p:cNvSpPr>
+          <p:nvPr>
+            <p:ph type="sldNum" sz="quarter" idx="12"/>
+          </p:nvPr>
+        </p:nvSpPr>
+        <p:spPr/>
+        <p:txBody>
+          <a:bodyPr/>
+          <a:lstStyle/>
+          <a:p>
+            <a:fld id="{0F147071-9974-42BF-81B3-0DE54666D966}" type="slidenum">
+              <a:rPr lang="de-DE" smtClean="0"/>
+              <a:t>2</a:t>
+            </a:fld>
+            <a:endParaRPr lang="de-DE"/>
+          </a:p>
+        </p:txBody>
+      </p:sp>
+      <p:pic>
+        <p:nvPicPr>
+          <p:cNvPr id="5" name="Inhaltsplatzhalter 5">
+            <a:extLst>
+              <a:ext uri="{FF2B5EF4-FFF2-40B4-BE49-F238E27FC236}">
+                <a16:creationId xmlns:a16="http://schemas.microsoft.com/office/drawing/2014/main" id="{BDE1B599-411B-43A2-B1DB-4C3C093FB05B}"/>
+              </a:ext>
+            </a:extLst>
+          </p:cNvPr>
+          <p:cNvPicPr>
+            <a:picLocks noChangeAspect="1"/>
+          </p:cNvPicPr>
+          <p:nvPr/>
+        </p:nvPicPr>
+        <p:blipFill>
+          <a:blip r:embed="rId3">
+            <a:extLst>
+              <a:ext uri="{28A0092B-C50C-407E-A947-70E740481C1C}">
+                <a14:useLocalDpi xmlns:a14="http://schemas.microsoft.com/office/drawing/2010/main" val="0"/>
+              </a:ext>
+            </a:extLst>
+          </a:blip>
+          <a:stretch>
+            <a:fillRect/>
+          </a:stretch>
+        </p:blipFill>
+        <p:spPr>
+          <a:xfrm>
+            <a:off x="0" y="4442176"/>
+            <a:ext cx="12214578" cy="1806223"/>
+          </a:xfrm>
+          <a:prstGeom prst="rect">
+            <a:avLst/>
+          </a:prstGeom>
+        </p:spPr>
+      </p:pic>
+    </p:spTree>
+    <p:extLst>
+      <p:ext uri="{BB962C8B-B14F-4D97-AF65-F5344CB8AC3E}">
+        <p14:creationId xmlns:p14="http://schemas.microsoft.com/office/powerpoint/2010/main" val="918060762"/>
+      </p:ext>
+    </p:extLst>
+  </p:cSld>
+  <p:clrMapOvr>
+    <a:masterClrMapping/>
+  </p:clrMapOvr>
+</p:sld>
+</file>
+
+<file path=ppt/slides/slide20.xml><?xml version="1.0" encoding="utf-8"?>
+<p:sld xmlns:a="http://schemas.openxmlformats.org/drawingml/2006/main" xmlns:r="http://schemas.openxmlformats.org/officeDocument/2006/relationships" xmlns:p="http://schemas.openxmlformats.org/presentationml/2006/main">
+  <p:cSld>
+    <p:spTree>
+      <p:nvGrpSpPr>
+        <p:cNvPr id="1" name=""/>
+        <p:cNvGrpSpPr/>
+        <p:nvPr/>
+      </p:nvGrpSpPr>
+      <p:grpSpPr>
+        <a:xfrm>
+          <a:off x="0" y="0"/>
+          <a:ext cx="0" cy="0"/>
+          <a:chOff x="0" y="0"/>
+          <a:chExt cx="0" cy="0"/>
+        </a:xfrm>
+      </p:grpSpPr>
+      <p:sp>
+        <p:nvSpPr>
+          <p:cNvPr id="2" name="Titel 1">
+            <a:extLst>
+              <a:ext uri="{FF2B5EF4-FFF2-40B4-BE49-F238E27FC236}">
+                <a16:creationId xmlns:a16="http://schemas.microsoft.com/office/drawing/2014/main" id="{7CE623CC-479A-42E2-A977-B0036A684018}"/>
+              </a:ext>
+            </a:extLst>
+          </p:cNvPr>
+          <p:cNvSpPr>
+            <a:spLocks noGrp="1"/>
+          </p:cNvSpPr>
+          <p:nvPr>
+            <p:ph type="title"/>
+          </p:nvPr>
+        </p:nvSpPr>
+        <p:spPr>
+          <a:xfrm>
+            <a:off x="2315583" y="2080182"/>
+            <a:ext cx="7560833" cy="3188105"/>
+          </a:xfrm>
+        </p:spPr>
+        <p:txBody>
+          <a:bodyPr/>
+          <a:lstStyle/>
+          <a:p>
+            <a:pPr algn="ctr"/>
+            <a:r>
+              <a:rPr lang="de-DE" sz="7200" dirty="0"/>
+              <a:t>Danke für die Aufmerksamkeit</a:t>
+            </a:r>
+          </a:p>
+        </p:txBody>
+      </p:sp>
+      <p:sp>
+        <p:nvSpPr>
+          <p:cNvPr id="4" name="Foliennummernplatzhalter 3">
+            <a:extLst>
+              <a:ext uri="{FF2B5EF4-FFF2-40B4-BE49-F238E27FC236}">
+                <a16:creationId xmlns:a16="http://schemas.microsoft.com/office/drawing/2014/main" id="{802C0E25-4AEC-4468-8F04-482A0EFCEF6C}"/>
+              </a:ext>
+            </a:extLst>
+          </p:cNvPr>
+          <p:cNvSpPr>
+            <a:spLocks noGrp="1"/>
+          </p:cNvSpPr>
+          <p:nvPr>
+            <p:ph type="sldNum" sz="quarter" idx="12"/>
+          </p:nvPr>
+        </p:nvSpPr>
+        <p:spPr/>
+        <p:txBody>
+          <a:bodyPr/>
+          <a:lstStyle/>
+          <a:p>
+            <a:fld id="{0F147071-9974-42BF-81B3-0DE54666D966}" type="slidenum">
+              <a:rPr lang="de-DE" smtClean="0"/>
+              <a:t>20</a:t>
+            </a:fld>
+            <a:endParaRPr lang="de-DE"/>
+          </a:p>
+        </p:txBody>
+      </p:sp>
+    </p:spTree>
+    <p:extLst>
+      <p:ext uri="{BB962C8B-B14F-4D97-AF65-F5344CB8AC3E}">
+        <p14:creationId xmlns:p14="http://schemas.microsoft.com/office/powerpoint/2010/main" val="323158368"/>
+      </p:ext>
+    </p:extLst>
+  </p:cSld>
+  <p:clrMapOvr>
+    <a:masterClrMapping/>
+  </p:clrMapOvr>
+</p:sld>
+</file>
+
+<file path=ppt/slides/slide3.xml><?xml version="1.0" encoding="utf-8"?>
+<p:sld xmlns:a="http://schemas.openxmlformats.org/drawingml/2006/main" xmlns:r="http://schemas.openxmlformats.org/officeDocument/2006/relationships" xmlns:p="http://schemas.openxmlformats.org/presentationml/2006/main">
+  <p:cSld>
+    <p:spTree>
+      <p:nvGrpSpPr>
+        <p:cNvPr id="1" name=""/>
+        <p:cNvGrpSpPr/>
+        <p:nvPr/>
+      </p:nvGrpSpPr>
+      <p:grpSpPr>
+        <a:xfrm>
+          <a:off x="0" y="0"/>
+          <a:ext cx="0" cy="0"/>
+          <a:chOff x="0" y="0"/>
+          <a:chExt cx="0" cy="0"/>
+        </a:xfrm>
+      </p:grpSpPr>
+      <p:sp>
+        <p:nvSpPr>
+          <p:cNvPr id="2" name="Titel 1">
+            <a:extLst>
+              <a:ext uri="{FF2B5EF4-FFF2-40B4-BE49-F238E27FC236}">
+                <a16:creationId xmlns:a16="http://schemas.microsoft.com/office/drawing/2014/main" id="{5427B8FC-6F4B-4F56-981B-1934F035AF62}"/>
+              </a:ext>
+            </a:extLst>
+          </p:cNvPr>
+          <p:cNvSpPr>
+            <a:spLocks noGrp="1"/>
+          </p:cNvSpPr>
+          <p:nvPr>
+            <p:ph type="title"/>
+          </p:nvPr>
+        </p:nvSpPr>
+        <p:spPr/>
+        <p:txBody>
+          <a:bodyPr/>
+          <a:lstStyle/>
+          <a:p>
+            <a:r>
+              <a:rPr lang="de-DE" dirty="0"/>
+              <a:t>Gliederung</a:t>
+            </a:r>
+          </a:p>
+        </p:txBody>
+      </p:sp>
+      <p:sp>
+        <p:nvSpPr>
+          <p:cNvPr id="3" name="Inhaltsplatzhalter 2">
+            <a:extLst>
+              <a:ext uri="{FF2B5EF4-FFF2-40B4-BE49-F238E27FC236}">
+                <a16:creationId xmlns:a16="http://schemas.microsoft.com/office/drawing/2014/main" id="{D50B40D0-EC44-47C4-B206-E00510E5298E}"/>
+              </a:ext>
+            </a:extLst>
+          </p:cNvPr>
+          <p:cNvSpPr>
+            <a:spLocks noGrp="1"/>
+          </p:cNvSpPr>
+          <p:nvPr>
+            <p:ph idx="1"/>
+          </p:nvPr>
+        </p:nvSpPr>
+        <p:spPr/>
+        <p:txBody>
+          <a:bodyPr>
+            <a:normAutofit fontScale="92500" lnSpcReduction="10000"/>
+          </a:bodyPr>
+          <a:lstStyle/>
+          <a:p>
+            <a:r>
+              <a:rPr lang="de-DE" dirty="0"/>
+              <a:t>Welche Pattern sollen erkannt werden</a:t>
+            </a:r>
+          </a:p>
+          <a:p>
+            <a:r>
+              <a:rPr lang="de-DE" dirty="0"/>
+              <a:t>Verfahren zur Pattern Erkennung</a:t>
+            </a:r>
+          </a:p>
+          <a:p>
+            <a:pPr lvl="1"/>
+            <a:r>
+              <a:rPr lang="de-DE" dirty="0"/>
+              <a:t>String basierte Patternsuche</a:t>
+            </a:r>
+          </a:p>
+          <a:p>
+            <a:pPr lvl="1"/>
+            <a:r>
+              <a:rPr lang="de-DE" dirty="0"/>
+              <a:t>Matrix basierte Patternsuche</a:t>
+            </a:r>
+          </a:p>
+          <a:p>
+            <a:pPr lvl="1"/>
+            <a:r>
+              <a:rPr lang="de-DE" dirty="0"/>
+              <a:t>Vektorgeometrische Patternsuche SIA</a:t>
+            </a:r>
+          </a:p>
+          <a:p>
+            <a:pPr lvl="1"/>
+            <a:r>
+              <a:rPr lang="de-DE" dirty="0"/>
+              <a:t>Convolutional neuronal Network mit Spektren</a:t>
+            </a:r>
+          </a:p>
+          <a:p>
+            <a:pPr lvl="1"/>
+            <a:r>
+              <a:rPr lang="de-DE" dirty="0"/>
+              <a:t>CNN mit SIA Koordinatensystem</a:t>
+            </a:r>
+          </a:p>
+          <a:p>
+            <a:r>
+              <a:rPr lang="de-DE" dirty="0"/>
+              <a:t>Datenerhebung</a:t>
+            </a:r>
+          </a:p>
+          <a:p>
+            <a:r>
+              <a:rPr lang="de-DE" dirty="0"/>
+              <a:t>Verfahren welche nicht Funktionierten</a:t>
+            </a:r>
+          </a:p>
+          <a:p>
+            <a:r>
+              <a:rPr lang="de-DE" dirty="0"/>
+              <a:t>Ergebnisse</a:t>
+            </a:r>
+          </a:p>
+          <a:p>
+            <a:r>
+              <a:rPr lang="de-DE" dirty="0"/>
+              <a:t>Zusammenfassung der Ergebnisse</a:t>
+            </a:r>
+          </a:p>
+        </p:txBody>
+      </p:sp>
+      <p:sp>
+        <p:nvSpPr>
+          <p:cNvPr id="4" name="Foliennummernplatzhalter 3">
+            <a:extLst>
+              <a:ext uri="{FF2B5EF4-FFF2-40B4-BE49-F238E27FC236}">
+                <a16:creationId xmlns:a16="http://schemas.microsoft.com/office/drawing/2014/main" id="{957F536A-295A-404A-AB3F-BDE2960C8219}"/>
+              </a:ext>
+            </a:extLst>
+          </p:cNvPr>
+          <p:cNvSpPr>
+            <a:spLocks noGrp="1"/>
+          </p:cNvSpPr>
+          <p:nvPr>
+            <p:ph type="sldNum" sz="quarter" idx="12"/>
+          </p:nvPr>
+        </p:nvSpPr>
+        <p:spPr/>
+        <p:txBody>
+          <a:bodyPr/>
+          <a:lstStyle/>
+          <a:p>
+            <a:fld id="{0F147071-9974-42BF-81B3-0DE54666D966}" type="slidenum">
+              <a:rPr lang="de-DE" smtClean="0"/>
+              <a:t>3</a:t>
+            </a:fld>
+            <a:endParaRPr lang="de-DE"/>
+          </a:p>
+        </p:txBody>
+      </p:sp>
+    </p:spTree>
+    <p:extLst>
+      <p:ext uri="{BB962C8B-B14F-4D97-AF65-F5344CB8AC3E}">
+        <p14:creationId xmlns:p14="http://schemas.microsoft.com/office/powerpoint/2010/main" val="1924795309"/>
+      </p:ext>
+    </p:extLst>
+  </p:cSld>
+  <p:clrMapOvr>
+    <a:masterClrMapping/>
+  </p:clrMapOvr>
+</p:sld>
+</file>
+
+<file path=ppt/slides/slide4.xml><?xml version="1.0" encoding="utf-8"?>
+<p:sld xmlns:a="http://schemas.openxmlformats.org/drawingml/2006/main" xmlns:r="http://schemas.openxmlformats.org/officeDocument/2006/relationships" xmlns:p="http://schemas.openxmlformats.org/presentationml/2006/main">
+  <p:cSld>
+    <p:spTree>
+      <p:nvGrpSpPr>
+        <p:cNvPr id="1" name=""/>
+        <p:cNvGrpSpPr/>
+        <p:nvPr/>
+      </p:nvGrpSpPr>
+      <p:grpSpPr>
+        <a:xfrm>
+          <a:off x="0" y="0"/>
+          <a:ext cx="0" cy="0"/>
+          <a:chOff x="0" y="0"/>
+          <a:chExt cx="0" cy="0"/>
+        </a:xfrm>
+      </p:grpSpPr>
+      <p:sp>
+        <p:nvSpPr>
+          <p:cNvPr id="2" name="Titel 1">
+            <a:extLst>
+              <a:ext uri="{FF2B5EF4-FFF2-40B4-BE49-F238E27FC236}">
+                <a16:creationId xmlns:a16="http://schemas.microsoft.com/office/drawing/2014/main" id="{06CEB8CF-785C-4B13-8BEB-3DAD4D3FB184}"/>
+              </a:ext>
+            </a:extLst>
+          </p:cNvPr>
+          <p:cNvSpPr>
+            <a:spLocks noGrp="1"/>
+          </p:cNvSpPr>
+          <p:nvPr>
+            <p:ph type="title"/>
+          </p:nvPr>
+        </p:nvSpPr>
+        <p:spPr/>
+        <p:txBody>
+          <a:bodyPr/>
+          <a:lstStyle/>
+          <a:p>
+            <a:r>
+              <a:rPr lang="de-DE" dirty="0"/>
+              <a:t>Welche Pattern sollen erkannt werden?</a:t>
+            </a:r>
+          </a:p>
+        </p:txBody>
+      </p:sp>
+      <p:sp>
+        <p:nvSpPr>
+          <p:cNvPr id="3" name="Inhaltsplatzhalter 2">
+            <a:extLst>
+              <a:ext uri="{FF2B5EF4-FFF2-40B4-BE49-F238E27FC236}">
+                <a16:creationId xmlns:a16="http://schemas.microsoft.com/office/drawing/2014/main" id="{F24472FE-2FD7-4435-ADE6-4584FD8DE424}"/>
+              </a:ext>
+            </a:extLst>
+          </p:cNvPr>
+          <p:cNvSpPr>
+            <a:spLocks noGrp="1"/>
+          </p:cNvSpPr>
+          <p:nvPr>
+            <p:ph idx="1"/>
+          </p:nvPr>
+        </p:nvSpPr>
+        <p:spPr>
+          <a:xfrm>
+            <a:off x="1103312" y="2438400"/>
+            <a:ext cx="8946541" cy="3809999"/>
+          </a:xfrm>
+        </p:spPr>
+        <p:txBody>
+          <a:bodyPr/>
+          <a:lstStyle/>
+          <a:p>
+            <a:r>
+              <a:rPr lang="de-DE" dirty="0"/>
+              <a:t>Wiederholung</a:t>
+            </a:r>
+          </a:p>
+          <a:p>
+            <a:r>
+              <a:rPr lang="de-DE" dirty="0"/>
+              <a:t>Keychange </a:t>
+            </a:r>
+          </a:p>
+          <a:p>
+            <a:r>
+              <a:rPr lang="de-DE" dirty="0"/>
+              <a:t>Horizontale Spiegelung</a:t>
+            </a:r>
+          </a:p>
+          <a:p>
+            <a:endParaRPr lang="de-DE" dirty="0"/>
+          </a:p>
+        </p:txBody>
+      </p:sp>
+      <p:sp>
+        <p:nvSpPr>
+          <p:cNvPr id="4" name="Foliennummernplatzhalter 3">
+            <a:extLst>
+              <a:ext uri="{FF2B5EF4-FFF2-40B4-BE49-F238E27FC236}">
+                <a16:creationId xmlns:a16="http://schemas.microsoft.com/office/drawing/2014/main" id="{0CAF7198-984B-40E9-9F7C-5B57FAA7E504}"/>
+              </a:ext>
+            </a:extLst>
+          </p:cNvPr>
+          <p:cNvSpPr>
+            <a:spLocks noGrp="1"/>
+          </p:cNvSpPr>
+          <p:nvPr>
+            <p:ph type="sldNum" sz="quarter" idx="12"/>
+          </p:nvPr>
+        </p:nvSpPr>
+        <p:spPr/>
+        <p:txBody>
+          <a:bodyPr/>
+          <a:lstStyle/>
+          <a:p>
+            <a:fld id="{0F147071-9974-42BF-81B3-0DE54666D966}" type="slidenum">
+              <a:rPr lang="de-DE" smtClean="0"/>
+              <a:t>4</a:t>
+            </a:fld>
+            <a:endParaRPr lang="de-DE"/>
+          </a:p>
+        </p:txBody>
+      </p:sp>
+    </p:spTree>
+    <p:extLst>
+      <p:ext uri="{BB962C8B-B14F-4D97-AF65-F5344CB8AC3E}">
+        <p14:creationId xmlns:p14="http://schemas.microsoft.com/office/powerpoint/2010/main" val="2091840294"/>
+      </p:ext>
+    </p:extLst>
+  </p:cSld>
+  <p:clrMapOvr>
+    <a:masterClrMapping/>
+  </p:clrMapOvr>
+</p:sld>
+</file>
+
+<file path=ppt/slides/slide5.xml><?xml version="1.0" encoding="utf-8"?>
+<p:sld xmlns:a="http://schemas.openxmlformats.org/drawingml/2006/main" xmlns:r="http://schemas.openxmlformats.org/officeDocument/2006/relationships" xmlns:p="http://schemas.openxmlformats.org/presentationml/2006/main">
+  <p:cSld>
+    <p:spTree>
+      <p:nvGrpSpPr>
+        <p:cNvPr id="1" name=""/>
+        <p:cNvGrpSpPr/>
+        <p:nvPr/>
+      </p:nvGrpSpPr>
+      <p:grpSpPr>
+        <a:xfrm>
+          <a:off x="0" y="0"/>
+          <a:ext cx="0" cy="0"/>
+          <a:chOff x="0" y="0"/>
+          <a:chExt cx="0" cy="0"/>
+        </a:xfrm>
+      </p:grpSpPr>
+      <p:sp>
+        <p:nvSpPr>
+          <p:cNvPr id="2" name="Titel 1">
+            <a:extLst>
+              <a:ext uri="{FF2B5EF4-FFF2-40B4-BE49-F238E27FC236}">
+                <a16:creationId xmlns:a16="http://schemas.microsoft.com/office/drawing/2014/main" id="{F4AF19B3-4615-4C7B-983D-E20D6EAE3F69}"/>
+              </a:ext>
+            </a:extLst>
+          </p:cNvPr>
+          <p:cNvSpPr>
+            <a:spLocks noGrp="1"/>
+          </p:cNvSpPr>
+          <p:nvPr>
+            <p:ph type="title"/>
+          </p:nvPr>
+        </p:nvSpPr>
+        <p:spPr/>
+        <p:txBody>
+          <a:bodyPr/>
+          <a:lstStyle/>
+          <a:p>
+            <a:r>
+              <a:rPr lang="de-DE" dirty="0"/>
+              <a:t>String basierte Pattern Erkennung</a:t>
+            </a:r>
+          </a:p>
+        </p:txBody>
+      </p:sp>
+      <p:sp>
+        <p:nvSpPr>
+          <p:cNvPr id="3" name="Inhaltsplatzhalter 2">
+            <a:extLst>
+              <a:ext uri="{FF2B5EF4-FFF2-40B4-BE49-F238E27FC236}">
+                <a16:creationId xmlns:a16="http://schemas.microsoft.com/office/drawing/2014/main" id="{499F3EBD-43E4-4D22-9E95-D9E0946B36C8}"/>
+              </a:ext>
+            </a:extLst>
+          </p:cNvPr>
+          <p:cNvSpPr>
+            <a:spLocks noGrp="1"/>
+          </p:cNvSpPr>
+          <p:nvPr>
+            <p:ph idx="1"/>
+          </p:nvPr>
+        </p:nvSpPr>
+        <p:spPr>
+          <a:xfrm>
+            <a:off x="1095057" y="3253778"/>
+            <a:ext cx="9037234" cy="3413118"/>
+          </a:xfrm>
+        </p:spPr>
+        <p:txBody>
+          <a:bodyPr/>
+          <a:lstStyle/>
+          <a:p>
+            <a:r>
+              <a:rPr lang="de-DE" dirty="0"/>
+              <a:t>Algorithmus geht durch gesamten Track mit bestimmter Patternlänge</a:t>
+            </a:r>
+          </a:p>
+          <a:p>
+            <a:r>
+              <a:rPr lang="de-DE" dirty="0"/>
+              <a:t>Reihenfolge von lang zu kurz</a:t>
+            </a:r>
+          </a:p>
+          <a:p>
+            <a:r>
+              <a:rPr lang="de-DE" dirty="0"/>
+              <a:t>bei gleicher Note in String geschrieben und Position um eins erhöht</a:t>
+            </a:r>
+          </a:p>
+          <a:p>
+            <a:r>
+              <a:rPr lang="de-DE" dirty="0"/>
+              <a:t>Bei ungleichen Noten nächsten zwei Positionen zum entscheiden hinzugezogen</a:t>
+            </a:r>
+          </a:p>
+          <a:p>
+            <a:r>
+              <a:rPr lang="de-DE" dirty="0"/>
+              <a:t>Abbildung oben zeigt Vergleiche für die Patternlänge 4</a:t>
+            </a:r>
+          </a:p>
+          <a:p>
+            <a:pPr marL="0" indent="0">
+              <a:buNone/>
+            </a:pPr>
+            <a:endParaRPr lang="de-DE" dirty="0"/>
+          </a:p>
+        </p:txBody>
+      </p:sp>
+      <p:pic>
+        <p:nvPicPr>
+          <p:cNvPr id="4" name="Grafik 3" descr="Ein Bild, das Screenshot enthält.&#10;&#10;Automatisch generierte Beschreibung">
+            <a:extLst>
+              <a:ext uri="{FF2B5EF4-FFF2-40B4-BE49-F238E27FC236}">
+                <a16:creationId xmlns:a16="http://schemas.microsoft.com/office/drawing/2014/main" id="{727DBB66-2AE6-4BC8-B2C3-17E3A7FD837A}"/>
+              </a:ext>
+            </a:extLst>
+          </p:cNvPr>
+          <p:cNvPicPr>
+            <a:picLocks noChangeAspect="1"/>
+          </p:cNvPicPr>
+          <p:nvPr/>
+        </p:nvPicPr>
+        <p:blipFill>
+          <a:blip r:embed="rId3">
+            <a:extLst>
+              <a:ext uri="{28A0092B-C50C-407E-A947-70E740481C1C}">
+                <a14:useLocalDpi xmlns:a14="http://schemas.microsoft.com/office/drawing/2010/main" val="0"/>
+              </a:ext>
+            </a:extLst>
+          </a:blip>
+          <a:stretch>
+            <a:fillRect/>
+          </a:stretch>
+        </p:blipFill>
+        <p:spPr>
+          <a:xfrm>
+            <a:off x="2829376" y="1440873"/>
+            <a:ext cx="6533247" cy="1471156"/>
+          </a:xfrm>
+          <a:prstGeom prst="rect">
+            <a:avLst/>
+          </a:prstGeom>
+        </p:spPr>
+      </p:pic>
+      <p:sp>
+        <p:nvSpPr>
+          <p:cNvPr id="5" name="Foliennummernplatzhalter 4">
+            <a:extLst>
+              <a:ext uri="{FF2B5EF4-FFF2-40B4-BE49-F238E27FC236}">
+                <a16:creationId xmlns:a16="http://schemas.microsoft.com/office/drawing/2014/main" id="{0383E3DE-5711-4C76-8143-2120566ECC85}"/>
+              </a:ext>
+            </a:extLst>
+          </p:cNvPr>
+          <p:cNvSpPr>
+            <a:spLocks noGrp="1"/>
+          </p:cNvSpPr>
+          <p:nvPr>
+            <p:ph type="sldNum" sz="quarter" idx="12"/>
+          </p:nvPr>
+        </p:nvSpPr>
+        <p:spPr/>
+        <p:txBody>
+          <a:bodyPr/>
+          <a:lstStyle/>
+          <a:p>
+            <a:fld id="{0F147071-9974-42BF-81B3-0DE54666D966}" type="slidenum">
+              <a:rPr lang="de-DE" smtClean="0"/>
+              <a:t>5</a:t>
+            </a:fld>
+            <a:endParaRPr lang="de-DE"/>
+          </a:p>
+        </p:txBody>
+      </p:sp>
+    </p:spTree>
+    <p:extLst>
+      <p:ext uri="{BB962C8B-B14F-4D97-AF65-F5344CB8AC3E}">
+        <p14:creationId xmlns:p14="http://schemas.microsoft.com/office/powerpoint/2010/main" val="1916552453"/>
+      </p:ext>
+    </p:extLst>
+  </p:cSld>
+  <p:clrMapOvr>
+    <a:masterClrMapping/>
+  </p:clrMapOvr>
+</p:sld>
+</file>
+
+<file path=ppt/slides/slide6.xml><?xml version="1.0" encoding="utf-8"?>
+<p:sld xmlns:a="http://schemas.openxmlformats.org/drawingml/2006/main" xmlns:r="http://schemas.openxmlformats.org/officeDocument/2006/relationships" xmlns:p="http://schemas.openxmlformats.org/presentationml/2006/main">
+  <p:cSld>
+    <p:spTree>
+      <p:nvGrpSpPr>
+        <p:cNvPr id="1" name=""/>
+        <p:cNvGrpSpPr/>
+        <p:nvPr/>
+      </p:nvGrpSpPr>
+      <p:grpSpPr>
+        <a:xfrm>
+          <a:off x="0" y="0"/>
+          <a:ext cx="0" cy="0"/>
+          <a:chOff x="0" y="0"/>
+          <a:chExt cx="0" cy="0"/>
+        </a:xfrm>
+      </p:grpSpPr>
+      <p:sp>
+        <p:nvSpPr>
+          <p:cNvPr id="2" name="Titel 1">
+            <a:extLst>
+              <a:ext uri="{FF2B5EF4-FFF2-40B4-BE49-F238E27FC236}">
+                <a16:creationId xmlns:a16="http://schemas.microsoft.com/office/drawing/2014/main" id="{4BE13B6A-1C22-4706-980E-AD55B2DCF969}"/>
+              </a:ext>
+            </a:extLst>
+          </p:cNvPr>
+          <p:cNvSpPr>
+            <a:spLocks noGrp="1"/>
+          </p:cNvSpPr>
+          <p:nvPr>
+            <p:ph type="title"/>
+          </p:nvPr>
+        </p:nvSpPr>
+        <p:spPr/>
+        <p:txBody>
+          <a:bodyPr/>
+          <a:lstStyle/>
+          <a:p>
+            <a:r>
+              <a:rPr lang="de-DE" dirty="0"/>
+              <a:t>String basierte Pattern Erkennung</a:t>
+            </a:r>
+          </a:p>
+        </p:txBody>
+      </p:sp>
+      <p:pic>
+        <p:nvPicPr>
+          <p:cNvPr id="9" name="Inhaltsplatzhalter 8" descr="Ein Bild, das drinnen, Tisch, Vogel enthält.&#10;&#10;Automatisch generierte Beschreibung">
+            <a:extLst>
+              <a:ext uri="{FF2B5EF4-FFF2-40B4-BE49-F238E27FC236}">
+                <a16:creationId xmlns:a16="http://schemas.microsoft.com/office/drawing/2014/main" id="{92AE39CC-D2CC-471D-9664-BE3DF1CFB85E}"/>
+              </a:ext>
+            </a:extLst>
+          </p:cNvPr>
+          <p:cNvPicPr>
+            <a:picLocks noGrp="1" noChangeAspect="1"/>
+          </p:cNvPicPr>
+          <p:nvPr>
+            <p:ph idx="1"/>
+          </p:nvPr>
+        </p:nvPicPr>
+        <p:blipFill>
+          <a:blip r:embed="rId3">
+            <a:extLst>
+              <a:ext uri="{28A0092B-C50C-407E-A947-70E740481C1C}">
+                <a14:useLocalDpi xmlns:a14="http://schemas.microsoft.com/office/drawing/2010/main" val="0"/>
+              </a:ext>
+            </a:extLst>
+          </a:blip>
+          <a:stretch>
+            <a:fillRect/>
+          </a:stretch>
+        </p:blipFill>
+        <p:spPr>
+          <a:xfrm>
+            <a:off x="196132" y="2146040"/>
+            <a:ext cx="11799735" cy="3408812"/>
+          </a:xfrm>
+        </p:spPr>
+      </p:pic>
+      <p:sp>
+        <p:nvSpPr>
+          <p:cNvPr id="10" name="Foliennummernplatzhalter 9">
+            <a:extLst>
+              <a:ext uri="{FF2B5EF4-FFF2-40B4-BE49-F238E27FC236}">
+                <a16:creationId xmlns:a16="http://schemas.microsoft.com/office/drawing/2014/main" id="{2AD79823-94D0-4A1B-A0B5-A498CFC6AD68}"/>
+              </a:ext>
+            </a:extLst>
+          </p:cNvPr>
+          <p:cNvSpPr>
+            <a:spLocks noGrp="1"/>
+          </p:cNvSpPr>
+          <p:nvPr>
+            <p:ph type="sldNum" sz="quarter" idx="12"/>
+          </p:nvPr>
+        </p:nvSpPr>
+        <p:spPr/>
+        <p:txBody>
+          <a:bodyPr/>
+          <a:lstStyle/>
+          <a:p>
+            <a:fld id="{0F147071-9974-42BF-81B3-0DE54666D966}" type="slidenum">
+              <a:rPr lang="de-DE" smtClean="0"/>
+              <a:t>6</a:t>
+            </a:fld>
+            <a:endParaRPr lang="de-DE"/>
+          </a:p>
+        </p:txBody>
+      </p:sp>
+    </p:spTree>
+    <p:extLst>
+      <p:ext uri="{BB962C8B-B14F-4D97-AF65-F5344CB8AC3E}">
+        <p14:creationId xmlns:p14="http://schemas.microsoft.com/office/powerpoint/2010/main" val="1076717662"/>
+      </p:ext>
+    </p:extLst>
+  </p:cSld>
+  <p:clrMapOvr>
+    <a:masterClrMapping/>
+  </p:clrMapOvr>
+</p:sld>
+</file>
+
+<file path=ppt/slides/slide7.xml><?xml version="1.0" encoding="utf-8"?>
+<p:sld xmlns:a="http://schemas.openxmlformats.org/drawingml/2006/main" xmlns:r="http://schemas.openxmlformats.org/officeDocument/2006/relationships" xmlns:p="http://schemas.openxmlformats.org/presentationml/2006/main">
+  <p:cSld>
+    <p:bg>
+      <p:bgPr>
+        <a:blipFill rotWithShape="1">
+          <a:blip r:embed="rId3">
+            <a:duotone>
+              <a:schemeClr val="bg2">
+                <a:shade val="69000"/>
+                <a:hueMod val="108000"/>
+                <a:satMod val="164000"/>
+                <a:lumMod val="74000"/>
+              </a:schemeClr>
+              <a:schemeClr val="bg2">
+                <a:tint val="96000"/>
+                <a:hueMod val="88000"/>
+                <a:satMod val="140000"/>
+                <a:lumMod val="132000"/>
+              </a:schemeClr>
+            </a:duotone>
+          </a:blip>
+          <a:stretch/>
+        </a:blipFill>
+        <a:effectLst/>
+      </p:bgPr>
+    </p:bg>
+    <p:spTree>
+      <p:nvGrpSpPr>
+        <p:cNvPr id="1" name=""/>
+        <p:cNvGrpSpPr/>
+        <p:nvPr/>
+      </p:nvGrpSpPr>
+      <p:grpSpPr>
+        <a:xfrm>
+          <a:off x="0" y="0"/>
+          <a:ext cx="0" cy="0"/>
+          <a:chOff x="0" y="0"/>
+          <a:chExt cx="0" cy="0"/>
+        </a:xfrm>
+      </p:grpSpPr>
+      <p:sp>
+        <p:nvSpPr>
+          <p:cNvPr id="2" name="Titel 1">
+            <a:extLst>
+              <a:ext uri="{FF2B5EF4-FFF2-40B4-BE49-F238E27FC236}">
+                <a16:creationId xmlns:a16="http://schemas.microsoft.com/office/drawing/2014/main" id="{EB83F332-EABB-4456-B49F-5E6865F620D0}"/>
+              </a:ext>
+            </a:extLst>
+          </p:cNvPr>
+          <p:cNvSpPr>
+            <a:spLocks noGrp="1"/>
+          </p:cNvSpPr>
+          <p:nvPr>
+            <p:ph type="title"/>
+          </p:nvPr>
+        </p:nvSpPr>
+        <p:spPr>
+          <a:xfrm>
+            <a:off x="648930" y="629266"/>
+            <a:ext cx="9252154" cy="1223983"/>
+          </a:xfrm>
+        </p:spPr>
+        <p:txBody>
+          <a:bodyPr>
+            <a:normAutofit/>
+          </a:bodyPr>
+          <a:lstStyle/>
+          <a:p>
+            <a:r>
+              <a:rPr lang="de-DE" dirty="0"/>
+              <a:t>Matrix basierte Patternsuche</a:t>
+            </a:r>
+          </a:p>
+        </p:txBody>
+      </p:sp>
+      <p:sp>
+        <p:nvSpPr>
+          <p:cNvPr id="3" name="Inhaltsplatzhalter 2">
+            <a:extLst>
+              <a:ext uri="{FF2B5EF4-FFF2-40B4-BE49-F238E27FC236}">
+                <a16:creationId xmlns:a16="http://schemas.microsoft.com/office/drawing/2014/main" id="{1294BA0B-0F4A-4311-B22A-0A2956376E68}"/>
+              </a:ext>
+            </a:extLst>
+          </p:cNvPr>
+          <p:cNvSpPr>
+            <a:spLocks noGrp="1"/>
+          </p:cNvSpPr>
+          <p:nvPr>
+            <p:ph idx="1"/>
+          </p:nvPr>
+        </p:nvSpPr>
+        <p:spPr>
+          <a:xfrm>
+            <a:off x="1103312" y="2052214"/>
+            <a:ext cx="4171696" cy="4196185"/>
+          </a:xfrm>
+        </p:spPr>
+        <p:txBody>
+          <a:bodyPr>
+            <a:normAutofit/>
+          </a:bodyPr>
+          <a:lstStyle/>
+          <a:p>
+            <a:r>
+              <a:rPr lang="de-DE" dirty="0"/>
+              <a:t>Track wird in erste Zeile/Spalte der Matrix geschrieben</a:t>
+            </a:r>
+          </a:p>
+          <a:p>
+            <a:r>
+              <a:rPr lang="de-DE" dirty="0"/>
+              <a:t>Zellenindizes werden verglichen</a:t>
+            </a:r>
+          </a:p>
+          <a:p>
+            <a:pPr lvl="1"/>
+            <a:r>
+              <a:rPr lang="de-DE" dirty="0"/>
+              <a:t>Gleicher Wert = Zelle + 1</a:t>
+            </a:r>
+          </a:p>
+          <a:p>
+            <a:pPr lvl="1"/>
+            <a:r>
+              <a:rPr lang="de-DE" dirty="0"/>
+              <a:t>Unterschiedlicher Wert = nächsten zwei Zellen mit herangezogen</a:t>
+            </a:r>
+          </a:p>
+        </p:txBody>
+      </p:sp>
+      <p:pic>
+        <p:nvPicPr>
+          <p:cNvPr id="5" name="Grafik 4" descr="Ein Bild, das Tastatur enthält.&#10;&#10;Automatisch generierte Beschreibung">
+            <a:extLst>
+              <a:ext uri="{FF2B5EF4-FFF2-40B4-BE49-F238E27FC236}">
+                <a16:creationId xmlns:a16="http://schemas.microsoft.com/office/drawing/2014/main" id="{FA7FB3E3-8729-4A33-8F02-207F42BF82D9}"/>
+              </a:ext>
+            </a:extLst>
+          </p:cNvPr>
+          <p:cNvPicPr>
+            <a:picLocks noChangeAspect="1"/>
+          </p:cNvPicPr>
+          <p:nvPr/>
+        </p:nvPicPr>
+        <p:blipFill>
+          <a:blip r:embed="rId4">
+            <a:extLst>
+              <a:ext uri="{28A0092B-C50C-407E-A947-70E740481C1C}">
+                <a14:useLocalDpi xmlns:a14="http://schemas.microsoft.com/office/drawing/2010/main" val="0"/>
+              </a:ext>
+            </a:extLst>
+          </a:blip>
+          <a:stretch>
+            <a:fillRect/>
+          </a:stretch>
+        </p:blipFill>
+        <p:spPr>
+          <a:xfrm>
+            <a:off x="5275007" y="2052214"/>
+            <a:ext cx="6813022" cy="3378202"/>
+          </a:xfrm>
+          <a:prstGeom prst="rect">
+            <a:avLst/>
+          </a:prstGeom>
+          <a:effectLst>
+            <a:outerShdw blurRad="50800" dist="38100" dir="5400000" algn="t" rotWithShape="0">
+              <a:prstClr val="black">
+                <a:alpha val="43000"/>
+              </a:prstClr>
+            </a:outerShdw>
+          </a:effectLst>
+        </p:spPr>
+      </p:pic>
+      <p:sp>
+        <p:nvSpPr>
+          <p:cNvPr id="6" name="Foliennummernplatzhalter 5">
+            <a:extLst>
+              <a:ext uri="{FF2B5EF4-FFF2-40B4-BE49-F238E27FC236}">
+                <a16:creationId xmlns:a16="http://schemas.microsoft.com/office/drawing/2014/main" id="{9DBB7EF2-B1AD-4452-892B-020BD7D42298}"/>
+              </a:ext>
+            </a:extLst>
+          </p:cNvPr>
+          <p:cNvSpPr>
+            <a:spLocks noGrp="1"/>
+          </p:cNvSpPr>
+          <p:nvPr>
+            <p:ph type="sldNum" sz="quarter" idx="12"/>
+          </p:nvPr>
+        </p:nvSpPr>
+        <p:spPr/>
+        <p:txBody>
+          <a:bodyPr/>
+          <a:lstStyle/>
+          <a:p>
+            <a:fld id="{0F147071-9974-42BF-81B3-0DE54666D966}" type="slidenum">
+              <a:rPr lang="de-DE" smtClean="0"/>
+              <a:t>7</a:t>
+            </a:fld>
+            <a:endParaRPr lang="de-DE"/>
+          </a:p>
+        </p:txBody>
+      </p:sp>
+    </p:spTree>
+    <p:extLst>
+      <p:ext uri="{BB962C8B-B14F-4D97-AF65-F5344CB8AC3E}">
+        <p14:creationId xmlns:p14="http://schemas.microsoft.com/office/powerpoint/2010/main" val="2157059045"/>
+      </p:ext>
+    </p:extLst>
+  </p:cSld>
+  <p:clrMapOvr>
+    <a:masterClrMapping/>
+  </p:clrMapOvr>
+</p:sld>
+</file>
+
+<file path=ppt/slides/slide8.xml><?xml version="1.0" encoding="utf-8"?>
+<p:sld xmlns:a="http://schemas.openxmlformats.org/drawingml/2006/main" xmlns:r="http://schemas.openxmlformats.org/officeDocument/2006/relationships" xmlns:p="http://schemas.openxmlformats.org/presentationml/2006/main">
+  <p:cSld>
+    <p:bg>
+      <p:bgPr>
+        <a:blipFill rotWithShape="1">
+          <a:blip r:embed="rId3">
+            <a:duotone>
+              <a:schemeClr val="bg2">
+                <a:shade val="69000"/>
+                <a:hueMod val="108000"/>
+                <a:satMod val="164000"/>
+                <a:lumMod val="74000"/>
+              </a:schemeClr>
+              <a:schemeClr val="bg2">
+                <a:tint val="96000"/>
+                <a:hueMod val="88000"/>
+                <a:satMod val="140000"/>
+                <a:lumMod val="132000"/>
+              </a:schemeClr>
+            </a:duotone>
+          </a:blip>
+          <a:stretch/>
+        </a:blipFill>
+        <a:effectLst/>
+      </p:bgPr>
+    </p:bg>
+    <p:spTree>
+      <p:nvGrpSpPr>
+        <p:cNvPr id="1" name=""/>
+        <p:cNvGrpSpPr/>
+        <p:nvPr/>
+      </p:nvGrpSpPr>
+      <p:grpSpPr>
+        <a:xfrm>
+          <a:off x="0" y="0"/>
+          <a:ext cx="0" cy="0"/>
+          <a:chOff x="0" y="0"/>
+          <a:chExt cx="0" cy="0"/>
+        </a:xfrm>
+      </p:grpSpPr>
+      <p:sp>
+        <p:nvSpPr>
+          <p:cNvPr id="2" name="Titel 1">
+            <a:extLst>
+              <a:ext uri="{FF2B5EF4-FFF2-40B4-BE49-F238E27FC236}">
                 <a16:creationId xmlns:a16="http://schemas.microsoft.com/office/drawing/2014/main" id="{8816A112-FAB8-4C10-951D-77F60CC39D95}"/>
               </a:ext>
             </a:extLst>
@@ -10482,8 +11694,8 @@
         </p:nvSpPr>
         <p:spPr>
           <a:xfrm>
-            <a:off x="1019421" y="2052214"/>
-            <a:ext cx="4338409" cy="4675157"/>
+            <a:off x="1019421" y="2389658"/>
+            <a:ext cx="4338409" cy="4337713"/>
           </a:xfrm>
         </p:spPr>
         <p:txBody>
@@ -10499,7 +11711,7 @@
             </a:pPr>
             <a:r>
               <a:rPr lang="de-DE" sz="1700" dirty="0"/>
-              <a:t>Noten mit mindestens zwei Informationen eindeutig find bar</a:t>
+              <a:t>Vektoren zwischen den Punkten berechnen -&gt; Pattern besitzen gleiche Vektoren</a:t>
             </a:r>
           </a:p>
           <a:p>
@@ -10510,7 +11722,7 @@
             </a:pPr>
             <a:r>
               <a:rPr lang="de-DE" sz="1700" dirty="0"/>
-              <a:t>Wann wurde Note gespielt und welche Tonhöhe besitzt Note</a:t>
+              <a:t>In lexikografische Reihenfolge bringen</a:t>
             </a:r>
           </a:p>
           <a:p>
@@ -10521,51 +11733,7 @@
             </a:pPr>
             <a:r>
               <a:rPr lang="de-DE" sz="1700" dirty="0"/>
-              <a:t>Information des Tracks wurde hinzugenommen, da MIDI-Dateien mehrere Tracks besitzen</a:t>
-            </a:r>
-          </a:p>
-          <a:p>
-            <a:pPr>
-              <a:lnSpc>
-                <a:spcPct val="90000"/>
-              </a:lnSpc>
-            </a:pPr>
-            <a:r>
-              <a:rPr lang="de-DE" sz="1700" dirty="0"/>
-              <a:t>Vektoren zwischen den Punkten berechnen -&gt; Pattern besitzen gleiche Vektoren</a:t>
-            </a:r>
-          </a:p>
-          <a:p>
-            <a:pPr>
-              <a:lnSpc>
-                <a:spcPct val="90000"/>
-              </a:lnSpc>
-            </a:pPr>
-            <a:r>
-              <a:rPr lang="de-DE" sz="1700" dirty="0"/>
-              <a:t>In lexikografische Reihenfolge bringen</a:t>
-            </a:r>
-          </a:p>
-          <a:p>
-            <a:pPr>
-              <a:lnSpc>
-                <a:spcPct val="90000"/>
-              </a:lnSpc>
-            </a:pPr>
-            <a:r>
-              <a:rPr lang="de-DE" sz="1700" dirty="0"/>
               <a:t>Pattern stehen in einzelnen lexikografischen Einträgen</a:t>
-            </a:r>
-          </a:p>
-          <a:p>
-            <a:pPr>
-              <a:lnSpc>
-                <a:spcPct val="90000"/>
-              </a:lnSpc>
-            </a:pPr>
-            <a:r>
-              <a:rPr lang="de-DE" sz="1700" dirty="0"/>
-              <a:t>Vorteil ist das zeitliche Zusammenhänge erhalten bleiben</a:t>
             </a:r>
           </a:p>
         </p:txBody>
@@ -10585,7 +11753,7 @@
           <p:nvPr/>
         </p:nvPicPr>
         <p:blipFill>
-          <a:blip r:embed="rId3">
+          <a:blip r:embed="rId4">
             <a:extLst>
               <a:ext uri="{28A0092B-C50C-407E-A947-70E740481C1C}">
                 <a14:useLocalDpi xmlns:a14="http://schemas.microsoft.com/office/drawing/2010/main" val="0"/>
@@ -10716,41 +11884,26 @@
             <p:ph idx="1"/>
           </p:nvPr>
         </p:nvSpPr>
-        <p:spPr/>
+        <p:spPr>
+          <a:xfrm>
+            <a:off x="1103312" y="2604655"/>
+            <a:ext cx="8946541" cy="3643744"/>
+          </a:xfrm>
+        </p:spPr>
         <p:txBody>
           <a:bodyPr/>
           <a:lstStyle/>
           <a:p>
             <a:r>
               <a:rPr lang="de-DE" dirty="0"/>
-              <a:t>Jedes Musikstück besitzt Spektrum in welchen Pattern grob erkannt werden können</a:t>
-            </a:r>
-          </a:p>
-          <a:p>
+              <a:t>Für genauere Daten Musikstück mit Low-/Band-High-Pass Filter in drei Teile geteilt</a:t>
+            </a:r>
+          </a:p>
+          <a:p>
+            <a:pPr lvl="1"/>
             <a:r>
               <a:rPr lang="de-DE" dirty="0"/>
-              <a:t>Gedanke war das ein neuronales Netz diese Strukturen erkennen kann</a:t>
-            </a:r>
-          </a:p>
-          <a:p>
-            <a:r>
-              <a:rPr lang="de-DE" dirty="0"/>
-              <a:t>Für genauere Daten wurde Musikstück mit Low-/Band-High-Pass Filter in drei Teile geteilt</a:t>
-            </a:r>
-          </a:p>
-          <a:p>
-            <a:pPr lvl="1"/>
-            <a:r>
-              <a:rPr lang="de-DE" dirty="0"/>
-              <a:t>Low-Pass besitzt Informationen zu </a:t>
-            </a:r>
-            <a:r>
-              <a:rPr lang="de-DE" dirty="0" err="1"/>
-              <a:t>Basslines</a:t>
-            </a:r>
-            <a:r>
-              <a:rPr lang="de-DE" dirty="0"/>
-              <a:t> und Bass-Drums</a:t>
+              <a:t>Low-Pass besitzt Informationen zu Bass-Lines und Bass-Drums</a:t>
             </a:r>
           </a:p>
           <a:p>

--- a/Unterlagen/Masterseminar.pptx
+++ b/Unterlagen/Masterseminar.pptx
@@ -7895,13 +7895,19 @@
           <a:p>
             <a:r>
               <a:rPr lang="de-DE" dirty="0"/>
-              <a:t>In Koordinatensystem welches Nebenprodukt von SIA darstellt können Pattern erkannt werden</a:t>
+              <a:t>Koordinatensystem ist Nebenprodukt von SIA</a:t>
             </a:r>
           </a:p>
           <a:p>
             <a:r>
               <a:rPr lang="de-DE" dirty="0"/>
-              <a:t>Koordinatensystem speichern und an CNN weitergeben welches Klassifikation ausführen soll</a:t>
+              <a:t>Pattern können darin erkannt  werden</a:t>
+            </a:r>
+          </a:p>
+          <a:p>
+            <a:r>
+              <a:rPr lang="de-DE" dirty="0"/>
+              <a:t>Koordinatensystem speichern und an CNN weitergeben welches Klassifikation ausführt</a:t>
             </a:r>
           </a:p>
         </p:txBody>
@@ -8071,13 +8077,13 @@
           <a:p>
             <a:r>
               <a:rPr lang="de-DE" dirty="0"/>
-              <a:t>Um zu sehen wie Verfahren mit unterschiedlichen Genres umgehen</a:t>
+              <a:t>Um zu Untersuchen wie Verfahren mit unterschiedlichen Genres umgehen</a:t>
             </a:r>
           </a:p>
           <a:p>
             <a:r>
               <a:rPr lang="de-DE" dirty="0"/>
-              <a:t>Für SIA mussten Daten per Hand erstellt werden, da zeitlicher Aspekt von Bedeutung</a:t>
+              <a:t>Für SIA Daten per Hand erstellt, da zeitlicher Aspekt von Bedeutung</a:t>
             </a:r>
           </a:p>
         </p:txBody>
@@ -8219,7 +8225,7 @@
             <a:pPr lvl="3"/>
             <a:r>
               <a:rPr lang="de-DE" dirty="0"/>
-              <a:t>Training fiel in Fehlerzustände aufgrund skalierten Bildern</a:t>
+              <a:t>Training fiel in Fehlerzustände aufgrund skalierter Bilder</a:t>
             </a:r>
           </a:p>
           <a:p>
@@ -8240,7 +8246,7 @@
             <a:pPr lvl="2"/>
             <a:r>
               <a:rPr lang="de-DE" dirty="0"/>
-              <a:t>Falscher Ansatz für Pattern Erkennung gewählt</a:t>
+              <a:t>Falscher Ansatz für Pattern Erkennung</a:t>
             </a:r>
           </a:p>
           <a:p>
@@ -8254,7 +8260,7 @@
             <a:pPr lvl="3"/>
             <a:r>
               <a:rPr lang="de-DE" dirty="0"/>
-              <a:t>Sinnvoller -&gt; Netz eine bestimmte Anzahl von Pattern lernen lassen und diese in Musikstücken suchen</a:t>
+              <a:t>Sinnvoller -&gt; Netz eine bestimmte Anzahl von Pattern anlernen und diese in Musikstücken suchen (Suchen von Plagiaten)</a:t>
             </a:r>
           </a:p>
         </p:txBody>
@@ -10014,13 +10020,13 @@
           <a:p>
             <a:r>
               <a:rPr lang="de-DE" dirty="0"/>
-              <a:t>Laufzeit ist im relevanten Bereich (1180 Noten) geringfügig schneller als String basierte Suche</a:t>
+              <a:t>Laufzeit ist im relevanten Bereich (1180 Noten) schneller als String basierte Suche</a:t>
             </a:r>
           </a:p>
           <a:p>
             <a:r>
               <a:rPr lang="de-DE" dirty="0"/>
-              <a:t>Laufzeit danach sehr starker Anstieg aufgrund der Sortierung</a:t>
+              <a:t>Laufzeit danach sehr starker Anstieg aufgrund Sortierung</a:t>
             </a:r>
           </a:p>
           <a:p>
@@ -10154,7 +10160,7 @@
         <p:spPr>
           <a:xfrm>
             <a:off x="607582" y="1853248"/>
-            <a:ext cx="10976835" cy="4186825"/>
+            <a:ext cx="11102065" cy="4186825"/>
           </a:xfrm>
         </p:spPr>
         <p:txBody>
@@ -10172,7 +10178,7 @@
             <a:pPr lvl="1"/>
             <a:r>
               <a:rPr lang="de-DE" dirty="0"/>
-              <a:t>Um Aussage treffen zu können ob die Funktioniert wird eine Menge an Hardware benötigt</a:t>
+              <a:t>Um Aussage treffen zu können ob funktionstüchtig, wird eine Menge an Hardware benötigt</a:t>
             </a:r>
           </a:p>
           <a:p>
@@ -10329,7 +10335,7 @@
         </p:spPr>
         <p:txBody>
           <a:bodyPr>
-            <a:normAutofit fontScale="85000" lnSpcReduction="10000"/>
+            <a:normAutofit fontScale="92500" lnSpcReduction="20000"/>
           </a:bodyPr>
           <a:lstStyle/>
           <a:p>
@@ -10355,8 +10361,12 @@
           <a:p>
             <a:pPr lvl="1"/>
             <a:r>
+              <a:rPr lang="de-DE"/>
+              <a:t>Auf </a:t>
+            </a:r>
+            <a:r>
               <a:rPr lang="de-DE" dirty="0"/>
-              <a:t>Somit auf einer höhe mit Matrix basierter Suche</a:t>
+              <a:t>einer Höhe mit Matrix basierter Suche</a:t>
             </a:r>
           </a:p>
           <a:p>
@@ -10431,7 +10441,7 @@
             <a:pPr lvl="1"/>
             <a:r>
               <a:rPr lang="de-DE" dirty="0"/>
-              <a:t>SIA ist der schlechteste Algorithmus von allen, da Ergebnisse ohne Post-Processing unbrauchbar, die Laufzeit schnell eskalieren, nicht alle Pattern Arten erkannt</a:t>
+              <a:t>SIA am wenigsten geeignet a) Ergebnisse ohne Post-Processing unbrauchbar b) Laufzeit eskalieren im Vgl. c) nicht alle Patternarten erkannt</a:t>
             </a:r>
           </a:p>
           <a:p>
@@ -10568,14 +10578,14 @@
             <a:pPr lvl="1"/>
             <a:r>
               <a:rPr lang="de-DE" dirty="0"/>
-              <a:t>Ergebnisdatei zu Erstellen in welchem Pattern enthalten sind</a:t>
+              <a:t>Ergebnisdatei zu Erstellen in welcher Pattern enthalten sind</a:t>
             </a:r>
           </a:p>
           <a:p>
             <a:pPr lvl="1"/>
             <a:r>
               <a:rPr lang="de-DE" dirty="0"/>
-              <a:t>Performance zu testen hinsichtlich Rechenzeit, Anzahl der gefundenen Pattern, Brauchbarkeit des Output</a:t>
+              <a:t>Performancetests hinsichtlich Rechenzeit, Anzahl der gefundenen Pattern, Brauchbarkeit des Output</a:t>
             </a:r>
           </a:p>
           <a:p>
@@ -11156,7 +11166,15 @@
           <a:p>
             <a:r>
               <a:rPr lang="de-DE" dirty="0"/>
-              <a:t>bei gleicher Note in String geschrieben und Position um eins erhöht</a:t>
+              <a:t>bei gleichen Noten wird momentaner </a:t>
+            </a:r>
+            <a:r>
+              <a:rPr lang="de-DE" dirty="0" err="1"/>
+              <a:t>Patternmatch</a:t>
+            </a:r>
+            <a:r>
+              <a:rPr lang="de-DE" dirty="0"/>
+              <a:t> gespeichert und Position um eins erhöht</a:t>
             </a:r>
           </a:p>
           <a:p>
@@ -11505,7 +11523,7 @@
             <a:pPr lvl="1"/>
             <a:r>
               <a:rPr lang="de-DE" dirty="0"/>
-              <a:t>Unterschiedlicher Wert = nächsten zwei Zellen mit herangezogen</a:t>
+              <a:t>Unterschiedlicher Wert = nächsten zwei Zellen für Vergleich mit herangezogen</a:t>
             </a:r>
           </a:p>
         </p:txBody>
@@ -11896,7 +11914,7 @@
           <a:p>
             <a:r>
               <a:rPr lang="de-DE" dirty="0"/>
-              <a:t>Für genauere Daten Musikstück mit Low-/Band-High-Pass Filter in drei Teile geteilt</a:t>
+              <a:t>Mehr Informationen durch Aufteilung in drei Spektren (vor Analyse)</a:t>
             </a:r>
           </a:p>
           <a:p>
@@ -11923,7 +11941,7 @@
           <a:p>
             <a:r>
               <a:rPr lang="de-DE" dirty="0"/>
-              <a:t>Diese Spektren an CNN weitergeben und Klassifizieren lassen</a:t>
+              <a:t>Spektren werde an CNN weitergeben und klassifiziert</a:t>
             </a:r>
           </a:p>
         </p:txBody>
